--- a/courses/sysprog/slides/lec14-polymorphism.pptx
+++ b/courses/sysprog/slides/lec14-polymorphism.pptx
@@ -1012,7 +1012,7 @@
             <a:fld id="{BB962C8B-B14F-4D97-AF65-F5344CB8AC3E}" type="datetime1">
               <a:rPr lang="zh-CN" altLang="en-US"/>
               <a:pPr/>
-              <a:t>2023/10/6</a:t>
+              <a:t>2024/10/16</a:t>
             </a:fld>
             <a:endParaRPr lang="zh-CN" altLang="en-US">
               <a:latin typeface="Arial" panose="020B0604020202020204" pitchFamily="34" charset="0"/>
@@ -4945,8 +4945,8 @@
           <a:lstStyle/>
           <a:p>
             <a:r>
-              <a:rPr lang="en-US" altLang="zh-CN"/>
-              <a:t>Old trick</a:t>
+              <a:rPr lang="en-US" altLang="zh-CN" dirty="0"/>
+              <a:t>Old trick: meta programming</a:t>
             </a:r>
           </a:p>
         </p:txBody>
@@ -4982,7 +4982,7 @@
             <a:r>
               <a:rPr lang="en-US" altLang="zh-CN" sz="2000" b="1" dirty="0">
                 <a:solidFill>
-                  <a:schemeClr val="folHlink"/>
+                  <a:srgbClr val="0432FF"/>
                 </a:solidFill>
                 <a:latin typeface="Courier New" panose="02070309020205020404" pitchFamily="49" charset="0"/>
               </a:rPr>
@@ -4991,7 +4991,7 @@
             <a:r>
               <a:rPr lang="zh-CN" altLang="en-US" sz="2000" b="1" dirty="0">
                 <a:solidFill>
-                  <a:schemeClr val="folHlink"/>
+                  <a:srgbClr val="0432FF"/>
                 </a:solidFill>
                 <a:latin typeface="Courier New" panose="02070309020205020404" pitchFamily="49" charset="0"/>
               </a:rPr>
@@ -5000,7 +5000,7 @@
             <a:r>
               <a:rPr lang="en-US" altLang="zh-CN" sz="2000" b="1" dirty="0">
                 <a:solidFill>
-                  <a:schemeClr val="folHlink"/>
+                  <a:srgbClr val="0432FF"/>
                 </a:solidFill>
                 <a:latin typeface="Courier New" panose="02070309020205020404" pitchFamily="49" charset="0"/>
               </a:rPr>
@@ -5033,7 +5033,7 @@
             <a:r>
               <a:rPr lang="en-US" altLang="zh-CN" sz="2000" b="1" dirty="0">
                 <a:solidFill>
-                  <a:schemeClr val="folHlink"/>
+                  <a:srgbClr val="0432FF"/>
                 </a:solidFill>
                 <a:latin typeface="Courier New" panose="02070309020205020404" pitchFamily="49" charset="0"/>
               </a:rPr>
@@ -5065,7 +5065,7 @@
             <a:r>
               <a:rPr lang="en-US" altLang="zh-CN" sz="2000" b="1" dirty="0">
                 <a:solidFill>
-                  <a:schemeClr val="folHlink"/>
+                  <a:srgbClr val="0432FF"/>
                 </a:solidFill>
                 <a:latin typeface="Courier New" panose="02070309020205020404" pitchFamily="49" charset="0"/>
               </a:rPr>
@@ -5084,7 +5084,7 @@
               <a:rPr lang="en-US" altLang="zh-CN" sz="2000" b="1" dirty="0">
                 <a:latin typeface="Courier New" panose="02070309020205020404" pitchFamily="49" charset="0"/>
               </a:rPr>
-              <a:t>// but this is very good! Why?</a:t>
+              <a:t>// but this is very good in C! Why?</a:t>
             </a:r>
           </a:p>
           <a:p>
@@ -5111,7 +5111,7 @@
               <a:rPr lang="en-US" altLang="zh-CN" sz="2000" b="1" dirty="0">
                 <a:latin typeface="Courier New" panose="02070309020205020404" pitchFamily="49" charset="0"/>
               </a:rPr>
-              <a:t>// We can do better by hoisting “X” further:</a:t>
+              <a:t>// We can do better by hoisting a type var’ “X”:</a:t>
             </a:r>
           </a:p>
           <a:p>
@@ -5124,7 +5124,7 @@
             <a:r>
               <a:rPr lang="en-US" altLang="zh-CN" sz="2000" b="1" dirty="0">
                 <a:solidFill>
-                  <a:schemeClr val="folHlink"/>
+                  <a:srgbClr val="0432FF"/>
                 </a:solidFill>
                 <a:latin typeface="Courier New" panose="02070309020205020404" pitchFamily="49" charset="0"/>
               </a:rPr>
@@ -5133,7 +5133,7 @@
             <a:r>
               <a:rPr lang="zh-CN" altLang="en-US" sz="2000" b="1" dirty="0">
                 <a:solidFill>
-                  <a:schemeClr val="folHlink"/>
+                  <a:srgbClr val="0432FF"/>
                 </a:solidFill>
                 <a:latin typeface="Courier New" panose="02070309020205020404" pitchFamily="49" charset="0"/>
               </a:rPr>
@@ -5142,7 +5142,7 @@
             <a:r>
               <a:rPr lang="en-US" altLang="zh-CN" sz="2000" b="1" dirty="0">
                 <a:solidFill>
-                  <a:schemeClr val="folHlink"/>
+                  <a:srgbClr val="0432FF"/>
                 </a:solidFill>
                 <a:latin typeface="Courier New" panose="02070309020205020404" pitchFamily="49" charset="0"/>
               </a:rPr>
@@ -5160,7 +5160,7 @@
             <a:r>
               <a:rPr lang="en-US" altLang="zh-CN" sz="2000" b="1" dirty="0">
                 <a:solidFill>
-                  <a:schemeClr val="folHlink"/>
+                  <a:srgbClr val="0432FF"/>
                 </a:solidFill>
                 <a:latin typeface="Courier New" panose="02070309020205020404" pitchFamily="49" charset="0"/>
               </a:rPr>
@@ -5169,7 +5169,7 @@
             <a:r>
               <a:rPr lang="zh-CN" altLang="en-US" sz="2000" b="1" dirty="0">
                 <a:solidFill>
-                  <a:schemeClr val="folHlink"/>
+                  <a:srgbClr val="0432FF"/>
                 </a:solidFill>
                 <a:latin typeface="Courier New" panose="02070309020205020404" pitchFamily="49" charset="0"/>
               </a:rPr>
@@ -5178,7 +5178,7 @@
             <a:r>
               <a:rPr lang="en-US" altLang="zh-CN" sz="2000" b="1" dirty="0">
                 <a:solidFill>
-                  <a:schemeClr val="folHlink"/>
+                  <a:srgbClr val="0432FF"/>
                 </a:solidFill>
                 <a:latin typeface="Courier New" panose="02070309020205020404" pitchFamily="49" charset="0"/>
               </a:rPr>
@@ -5196,7 +5196,7 @@
             <a:r>
               <a:rPr lang="en-US" altLang="zh-CN" sz="2000" b="1" dirty="0">
                 <a:solidFill>
-                  <a:schemeClr val="folHlink"/>
+                  <a:srgbClr val="0432FF"/>
                 </a:solidFill>
                 <a:latin typeface="Courier New" panose="02070309020205020404" pitchFamily="49" charset="0"/>
               </a:rPr>
@@ -5214,7 +5214,7 @@
             <a:r>
               <a:rPr lang="en-US" altLang="zh-CN" sz="2000" b="1" dirty="0">
                 <a:solidFill>
-                  <a:schemeClr val="folHlink"/>
+                  <a:srgbClr val="0432FF"/>
                 </a:solidFill>
                 <a:latin typeface="Courier New" panose="02070309020205020404" pitchFamily="49" charset="0"/>
               </a:rPr>
@@ -5633,7 +5633,7 @@
                                         <p:tgtEl>
                                           <p:spTgt spid="278531">
                                             <p:txEl>
-                                              <p:charRg st="134" end="179"/>
+                                              <p:pRg st="7" end="7"/>
                                             </p:txEl>
                                           </p:spTgt>
                                         </p:tgtEl>
@@ -5651,7 +5651,7 @@
                                         <p:tgtEl>
                                           <p:spTgt spid="278531">
                                             <p:txEl>
-                                              <p:charRg st="134" end="179"/>
+                                              <p:pRg st="7" end="7"/>
                                             </p:txEl>
                                           </p:spTgt>
                                         </p:tgtEl>
@@ -5982,7 +5982,7 @@
             <a:r>
               <a:rPr lang="en-US" altLang="zh-CN" sz="2000" b="1" dirty="0">
                 <a:solidFill>
-                  <a:schemeClr val="folHlink"/>
+                  <a:srgbClr val="0432FF"/>
                 </a:solidFill>
                 <a:latin typeface="Courier New" panose="02070309020205020404" pitchFamily="49" charset="0"/>
               </a:rPr>
@@ -6000,7 +6000,7 @@
             <a:r>
               <a:rPr lang="en-US" altLang="zh-CN" sz="2000" b="1" dirty="0">
                 <a:solidFill>
-                  <a:schemeClr val="folHlink"/>
+                  <a:srgbClr val="0432FF"/>
                 </a:solidFill>
                 <a:latin typeface="Courier New" panose="02070309020205020404" pitchFamily="49" charset="0"/>
               </a:rPr>
@@ -6009,7 +6009,7 @@
             <a:r>
               <a:rPr lang="zh-CN" altLang="en-US" sz="2000" b="1" dirty="0">
                 <a:solidFill>
-                  <a:schemeClr val="folHlink"/>
+                  <a:srgbClr val="0432FF"/>
                 </a:solidFill>
                 <a:latin typeface="Courier New" panose="02070309020205020404" pitchFamily="49" charset="0"/>
               </a:rPr>
@@ -6018,7 +6018,7 @@
             <a:r>
               <a:rPr lang="en-US" altLang="zh-CN" sz="2000" b="1" dirty="0">
                 <a:solidFill>
-                  <a:schemeClr val="folHlink"/>
+                  <a:srgbClr val="0432FF"/>
                 </a:solidFill>
                 <a:latin typeface="Courier New" panose="02070309020205020404" pitchFamily="49" charset="0"/>
               </a:rPr>
@@ -6036,7 +6036,7 @@
             <a:r>
               <a:rPr lang="en-US" altLang="zh-CN" sz="2000" b="1" dirty="0">
                 <a:solidFill>
-                  <a:schemeClr val="folHlink"/>
+                  <a:srgbClr val="0432FF"/>
                 </a:solidFill>
                 <a:latin typeface="Courier New" panose="02070309020205020404" pitchFamily="49" charset="0"/>
               </a:rPr>
@@ -6054,7 +6054,7 @@
             <a:r>
               <a:rPr lang="en-US" altLang="zh-CN" sz="2000" b="1" dirty="0">
                 <a:solidFill>
-                  <a:schemeClr val="folHlink"/>
+                  <a:srgbClr val="0432FF"/>
                 </a:solidFill>
                 <a:latin typeface="Courier New" panose="02070309020205020404" pitchFamily="49" charset="0"/>
               </a:rPr>
@@ -6071,7 +6071,7 @@
             </a:pPr>
             <a:endParaRPr lang="en-US" altLang="zh-CN" sz="2000" b="1" dirty="0">
               <a:solidFill>
-                <a:schemeClr val="folHlink"/>
+                <a:srgbClr val="0432FF"/>
               </a:solidFill>
               <a:latin typeface="Courier New" panose="02070309020205020404" pitchFamily="49" charset="0"/>
             </a:endParaRPr>
@@ -6087,7 +6087,7 @@
             <a:r>
               <a:rPr lang="en-US" altLang="zh-CN" sz="2000" b="1" dirty="0">
                 <a:solidFill>
-                  <a:schemeClr val="folHlink"/>
+                  <a:srgbClr val="0432FF"/>
                 </a:solidFill>
                 <a:latin typeface="Courier New" panose="02070309020205020404" pitchFamily="49" charset="0"/>
               </a:rPr>
@@ -6104,7 +6104,7 @@
             </a:pPr>
             <a:endParaRPr lang="en-US" altLang="zh-CN" sz="2000" b="1" dirty="0">
               <a:solidFill>
-                <a:schemeClr val="folHlink"/>
+                <a:srgbClr val="0432FF"/>
               </a:solidFill>
               <a:latin typeface="Courier New" panose="02070309020205020404" pitchFamily="49" charset="0"/>
             </a:endParaRPr>
@@ -6120,7 +6120,7 @@
             <a:r>
               <a:rPr lang="en-US" altLang="zh-CN" sz="2000" b="1" dirty="0">
                 <a:solidFill>
-                  <a:schemeClr val="folHlink"/>
+                  <a:srgbClr val="0432FF"/>
                 </a:solidFill>
                 <a:latin typeface="Courier New" panose="02070309020205020404" pitchFamily="49" charset="0"/>
               </a:rPr>
@@ -6138,7 +6138,7 @@
             <a:r>
               <a:rPr lang="en-US" altLang="zh-CN" sz="2000" b="1" dirty="0">
                 <a:solidFill>
-                  <a:schemeClr val="folHlink"/>
+                  <a:srgbClr val="0432FF"/>
                 </a:solidFill>
                 <a:latin typeface="Courier New" panose="02070309020205020404" pitchFamily="49" charset="0"/>
               </a:rPr>
@@ -6156,7 +6156,7 @@
             <a:r>
               <a:rPr lang="en-US" altLang="zh-CN" sz="2000" b="1" dirty="0">
                 <a:solidFill>
-                  <a:schemeClr val="folHlink"/>
+                  <a:srgbClr val="0432FF"/>
                 </a:solidFill>
                 <a:latin typeface="Courier New" panose="02070309020205020404" pitchFamily="49" charset="0"/>
               </a:rPr>
@@ -6173,7 +6173,7 @@
             </a:pPr>
             <a:endParaRPr lang="en-US" altLang="zh-CN" sz="2000" b="1" dirty="0">
               <a:solidFill>
-                <a:schemeClr val="folHlink"/>
+                <a:srgbClr val="0432FF"/>
               </a:solidFill>
               <a:latin typeface="Courier New" panose="02070309020205020404" pitchFamily="49" charset="0"/>
             </a:endParaRPr>
@@ -6534,7 +6534,7 @@
             <a:r>
               <a:rPr lang="en-US" altLang="zh-CN" sz="2000" b="1" dirty="0">
                 <a:solidFill>
-                  <a:schemeClr val="folHlink"/>
+                  <a:srgbClr val="0432FF"/>
                 </a:solidFill>
                 <a:latin typeface="Courier New" panose="02070309020205020404" pitchFamily="49" charset="0"/>
               </a:rPr>
@@ -6552,16 +6552,16 @@
             <a:r>
               <a:rPr lang="en-US" altLang="zh-CN" sz="2000" b="1" dirty="0">
                 <a:solidFill>
-                  <a:schemeClr val="folHlink"/>
-                </a:solidFill>
-                <a:latin typeface="Courier New" panose="02070309020205020404" pitchFamily="49" charset="0"/>
-              </a:rPr>
-              <a:t>X max(X x, X y, int(*m)(X, X)){</a:t>
+                  <a:srgbClr val="0432FF"/>
+                </a:solidFill>
+                <a:latin typeface="Courier New" panose="02070309020205020404" pitchFamily="49" charset="0"/>
+              </a:rPr>
+              <a:t>X max(X x, X y, int(*f)(X, X)){</a:t>
             </a:r>
             <a:r>
               <a:rPr lang="zh-CN" altLang="en-US" sz="2000" b="1" dirty="0">
                 <a:solidFill>
-                  <a:schemeClr val="folHlink"/>
+                  <a:srgbClr val="0432FF"/>
                 </a:solidFill>
                 <a:latin typeface="Courier New" panose="02070309020205020404" pitchFamily="49" charset="0"/>
               </a:rPr>
@@ -6570,7 +6570,7 @@
             <a:r>
               <a:rPr lang="en-US" altLang="zh-CN" sz="2000" b="1" dirty="0">
                 <a:solidFill>
-                  <a:schemeClr val="folHlink"/>
+                  <a:srgbClr val="0432FF"/>
                 </a:solidFill>
                 <a:latin typeface="Courier New" panose="02070309020205020404" pitchFamily="49" charset="0"/>
               </a:rPr>
@@ -6588,7 +6588,7 @@
             <a:r>
               <a:rPr lang="zh-CN" altLang="en-US" sz="2000" b="1" dirty="0">
                 <a:solidFill>
-                  <a:schemeClr val="folHlink"/>
+                  <a:srgbClr val="0432FF"/>
                 </a:solidFill>
                 <a:latin typeface="Courier New" panose="02070309020205020404" pitchFamily="49" charset="0"/>
               </a:rPr>
@@ -6597,11 +6597,11 @@
             <a:r>
               <a:rPr lang="en-US" altLang="zh-CN" sz="2000" b="1" dirty="0">
                 <a:solidFill>
-                  <a:schemeClr val="folHlink"/>
-                </a:solidFill>
-                <a:latin typeface="Courier New" panose="02070309020205020404" pitchFamily="49" charset="0"/>
-              </a:rPr>
-              <a:t>if(m(x, y))                       \</a:t>
+                  <a:srgbClr val="0432FF"/>
+                </a:solidFill>
+                <a:latin typeface="Courier New" panose="02070309020205020404" pitchFamily="49" charset="0"/>
+              </a:rPr>
+              <a:t>if(f(x, y))                       \</a:t>
             </a:r>
           </a:p>
           <a:p>
@@ -6615,7 +6615,7 @@
             <a:r>
               <a:rPr lang="en-US" altLang="zh-CN" sz="2000" b="1" dirty="0">
                 <a:solidFill>
-                  <a:schemeClr val="folHlink"/>
+                  <a:srgbClr val="0432FF"/>
                 </a:solidFill>
                 <a:latin typeface="Courier New" panose="02070309020205020404" pitchFamily="49" charset="0"/>
               </a:rPr>
@@ -6633,7 +6633,7 @@
             <a:r>
               <a:rPr lang="en-US" altLang="zh-CN" sz="2000" b="1" dirty="0">
                 <a:solidFill>
-                  <a:schemeClr val="folHlink"/>
+                  <a:srgbClr val="0432FF"/>
                 </a:solidFill>
                 <a:latin typeface="Courier New" panose="02070309020205020404" pitchFamily="49" charset="0"/>
               </a:rPr>
@@ -6651,7 +6651,7 @@
             <a:r>
               <a:rPr lang="en-US" altLang="zh-CN" sz="2000" b="1" dirty="0">
                 <a:solidFill>
-                  <a:schemeClr val="folHlink"/>
+                  <a:srgbClr val="0432FF"/>
                 </a:solidFill>
                 <a:latin typeface="Courier New" panose="02070309020205020404" pitchFamily="49" charset="0"/>
               </a:rPr>
@@ -6668,7 +6668,7 @@
             </a:pPr>
             <a:endParaRPr lang="en-US" altLang="zh-CN" sz="2000" b="1" dirty="0">
               <a:solidFill>
-                <a:schemeClr val="folHlink"/>
+                <a:srgbClr val="0432FF"/>
               </a:solidFill>
               <a:latin typeface="Courier New" panose="02070309020205020404" pitchFamily="49" charset="0"/>
             </a:endParaRPr>
@@ -6684,7 +6684,7 @@
             <a:r>
               <a:rPr lang="en-US" altLang="zh-CN" sz="2000" b="1" dirty="0">
                 <a:solidFill>
-                  <a:schemeClr val="folHlink"/>
+                  <a:srgbClr val="0432FF"/>
                 </a:solidFill>
                 <a:latin typeface="Courier New" panose="02070309020205020404" pitchFamily="49" charset="0"/>
               </a:rPr>
@@ -6701,7 +6701,7 @@
             </a:pPr>
             <a:endParaRPr lang="en-US" altLang="zh-CN" sz="2000" b="1" dirty="0">
               <a:solidFill>
-                <a:schemeClr val="folHlink"/>
+                <a:srgbClr val="0432FF"/>
               </a:solidFill>
               <a:latin typeface="Courier New" panose="02070309020205020404" pitchFamily="49" charset="0"/>
             </a:endParaRPr>
@@ -6717,7 +6717,7 @@
             <a:r>
               <a:rPr lang="en-US" altLang="zh-CN" sz="2000" b="1" dirty="0">
                 <a:solidFill>
-                  <a:schemeClr val="folHlink"/>
+                  <a:srgbClr val="0432FF"/>
                 </a:solidFill>
                 <a:latin typeface="Courier New" panose="02070309020205020404" pitchFamily="49" charset="0"/>
               </a:rPr>
@@ -6726,7 +6726,7 @@
             <a:r>
               <a:rPr lang="en-US" altLang="zh-CN" sz="2000" b="1" dirty="0" err="1">
                 <a:solidFill>
-                  <a:schemeClr val="folHlink"/>
+                  <a:srgbClr val="0432FF"/>
                 </a:solidFill>
                 <a:latin typeface="Courier New" panose="02070309020205020404" pitchFamily="49" charset="0"/>
               </a:rPr>
@@ -6735,7 +6735,7 @@
             <a:r>
               <a:rPr lang="en-US" altLang="zh-CN" sz="2000" b="1" dirty="0">
                 <a:solidFill>
-                  <a:schemeClr val="folHlink"/>
+                  <a:srgbClr val="0432FF"/>
                 </a:solidFill>
                 <a:latin typeface="Courier New" panose="02070309020205020404" pitchFamily="49" charset="0"/>
               </a:rPr>
@@ -6752,7 +6752,7 @@
             </a:pPr>
             <a:endParaRPr lang="en-US" altLang="zh-CN" sz="2000" b="1" dirty="0">
               <a:solidFill>
-                <a:schemeClr val="folHlink"/>
+                <a:srgbClr val="0432FF"/>
               </a:solidFill>
               <a:latin typeface="Courier New" panose="02070309020205020404" pitchFamily="49" charset="0"/>
             </a:endParaRPr>
@@ -6768,7 +6768,7 @@
             <a:r>
               <a:rPr lang="en-US" altLang="zh-CN" sz="2000" b="1" dirty="0">
                 <a:solidFill>
-                  <a:schemeClr val="folHlink"/>
+                  <a:srgbClr val="0432FF"/>
                 </a:solidFill>
                 <a:latin typeface="Courier New" panose="02070309020205020404" pitchFamily="49" charset="0"/>
               </a:rPr>
@@ -6786,7 +6786,7 @@
             <a:r>
               <a:rPr lang="en-US" altLang="zh-CN" sz="2000" b="1" dirty="0">
                 <a:solidFill>
-                  <a:schemeClr val="folHlink"/>
+                  <a:srgbClr val="0432FF"/>
                 </a:solidFill>
                 <a:latin typeface="Courier New" panose="02070309020205020404" pitchFamily="49" charset="0"/>
               </a:rPr>
@@ -6795,7 +6795,7 @@
             <a:r>
               <a:rPr lang="en-US" altLang="zh-CN" sz="2000" b="1" dirty="0" err="1">
                 <a:solidFill>
-                  <a:schemeClr val="folHlink"/>
+                  <a:srgbClr val="0432FF"/>
                 </a:solidFill>
                 <a:latin typeface="Courier New" panose="02070309020205020404" pitchFamily="49" charset="0"/>
               </a:rPr>
@@ -6804,7 +6804,7 @@
             <a:r>
               <a:rPr lang="en-US" altLang="zh-CN" sz="2000" b="1" dirty="0">
                 <a:solidFill>
-                  <a:schemeClr val="folHlink"/>
+                  <a:srgbClr val="0432FF"/>
                 </a:solidFill>
                 <a:latin typeface="Courier New" panose="02070309020205020404" pitchFamily="49" charset="0"/>
               </a:rPr>
@@ -6822,7 +6822,7 @@
             <a:r>
               <a:rPr lang="en-US" altLang="zh-CN" sz="2000" b="1" dirty="0">
                 <a:solidFill>
-                  <a:schemeClr val="folHlink"/>
+                  <a:srgbClr val="0432FF"/>
                 </a:solidFill>
                 <a:latin typeface="Courier New" panose="02070309020205020404" pitchFamily="49" charset="0"/>
               </a:rPr>
@@ -6915,7 +6915,7 @@
             <a:r>
               <a:rPr lang="en-US" altLang="zh-CN" sz="2000" b="1" dirty="0">
                 <a:solidFill>
-                  <a:schemeClr val="folHlink"/>
+                  <a:srgbClr val="0432FF"/>
                 </a:solidFill>
                 <a:latin typeface="Courier New" panose="02070309020205020404" pitchFamily="49" charset="0"/>
                 <a:sym typeface="Euclid Extra" pitchFamily="18" charset="2"/>
@@ -6934,7 +6934,7 @@
             <a:r>
               <a:rPr lang="en-US" altLang="zh-CN" sz="2000" b="1" dirty="0">
                 <a:solidFill>
-                  <a:schemeClr val="folHlink"/>
+                  <a:srgbClr val="0432FF"/>
                 </a:solidFill>
                 <a:latin typeface="Courier New" panose="02070309020205020404" pitchFamily="49" charset="0"/>
                 <a:sym typeface="Euclid Extra" pitchFamily="18" charset="2"/>
@@ -6944,7 +6944,7 @@
             <a:r>
               <a:rPr lang="en-US" altLang="zh-CN" sz="2000" b="1" dirty="0" err="1">
                 <a:solidFill>
-                  <a:schemeClr val="folHlink"/>
+                  <a:srgbClr val="0432FF"/>
                 </a:solidFill>
                 <a:latin typeface="Courier New" panose="02070309020205020404" pitchFamily="49" charset="0"/>
                 <a:sym typeface="Euclid Extra" pitchFamily="18" charset="2"/>
@@ -6954,7 +6954,7 @@
             <a:r>
               <a:rPr lang="en-US" altLang="zh-CN" sz="2000" b="1" dirty="0">
                 <a:solidFill>
-                  <a:schemeClr val="folHlink"/>
+                  <a:srgbClr val="0432FF"/>
                 </a:solidFill>
                 <a:latin typeface="Courier New" panose="02070309020205020404" pitchFamily="49" charset="0"/>
                 <a:sym typeface="Euclid Extra" pitchFamily="18" charset="2"/>
@@ -6964,7 +6964,7 @@
             <a:r>
               <a:rPr lang="zh-CN" altLang="en-US" sz="2000" b="1" dirty="0">
                 <a:solidFill>
-                  <a:schemeClr val="folHlink"/>
+                  <a:srgbClr val="0432FF"/>
                 </a:solidFill>
                 <a:latin typeface="Courier New" panose="02070309020205020404" pitchFamily="49" charset="0"/>
                 <a:sym typeface="Euclid Extra" pitchFamily="18" charset="2"/>
@@ -6974,7 +6974,7 @@
             <a:r>
               <a:rPr lang="en-US" altLang="zh-CN" sz="2000" b="1" dirty="0">
                 <a:solidFill>
-                  <a:schemeClr val="folHlink"/>
+                  <a:srgbClr val="0432FF"/>
                 </a:solidFill>
                 <a:latin typeface="Courier New" panose="02070309020205020404" pitchFamily="49" charset="0"/>
                 <a:sym typeface="Euclid Extra" pitchFamily="18" charset="2"/>
@@ -6993,7 +6993,7 @@
             <a:r>
               <a:rPr lang="en-US" altLang="zh-CN" sz="2000" b="1" dirty="0">
                 <a:solidFill>
-                  <a:schemeClr val="folHlink"/>
+                  <a:srgbClr val="0432FF"/>
                 </a:solidFill>
                 <a:latin typeface="Courier New" panose="02070309020205020404" pitchFamily="49" charset="0"/>
                 <a:sym typeface="Euclid Extra" pitchFamily="18" charset="2"/>
@@ -7003,7 +7003,7 @@
             <a:r>
               <a:rPr lang="zh-CN" altLang="en-US" sz="2000" b="1" dirty="0">
                 <a:solidFill>
-                  <a:schemeClr val="folHlink"/>
+                  <a:srgbClr val="0432FF"/>
                 </a:solidFill>
                 <a:latin typeface="Courier New" panose="02070309020205020404" pitchFamily="49" charset="0"/>
                 <a:sym typeface="Euclid Extra" pitchFamily="18" charset="2"/>
@@ -7013,7 +7013,7 @@
             <a:r>
               <a:rPr lang="en-US" altLang="zh-CN" sz="2000" b="1" dirty="0">
                 <a:solidFill>
-                  <a:schemeClr val="folHlink"/>
+                  <a:srgbClr val="0432FF"/>
                 </a:solidFill>
                 <a:latin typeface="Courier New" panose="02070309020205020404" pitchFamily="49" charset="0"/>
                 <a:sym typeface="Euclid Extra" pitchFamily="18" charset="2"/>
@@ -7032,17 +7032,17 @@
             <a:r>
               <a:rPr lang="en-US" altLang="zh-CN" sz="2000" b="1" dirty="0">
                 <a:solidFill>
-                  <a:schemeClr val="folHlink"/>
-                </a:solidFill>
-                <a:latin typeface="Courier New" panose="02070309020205020404" pitchFamily="49" charset="0"/>
-                <a:sym typeface="Euclid Extra" pitchFamily="18" charset="2"/>
-              </a:rPr>
-              <a:t>  struct </a:t>
+                  <a:srgbClr val="0432FF"/>
+                </a:solidFill>
+                <a:latin typeface="Courier New" panose="02070309020205020404" pitchFamily="49" charset="0"/>
+                <a:sym typeface="Euclid Extra" pitchFamily="18" charset="2"/>
+              </a:rPr>
+              <a:t>	</a:t>
             </a:r>
             <a:r>
               <a:rPr lang="en-US" altLang="zh-CN" sz="2000" b="1" dirty="0" err="1">
                 <a:solidFill>
-                  <a:schemeClr val="folHlink"/>
+                  <a:srgbClr val="0432FF"/>
                 </a:solidFill>
                 <a:latin typeface="Courier New" panose="02070309020205020404" pitchFamily="49" charset="0"/>
                 <a:sym typeface="Euclid Extra" pitchFamily="18" charset="2"/>
@@ -7052,17 +7052,17 @@
             <a:r>
               <a:rPr lang="en-US" altLang="zh-CN" sz="2000" b="1" dirty="0">
                 <a:solidFill>
-                  <a:schemeClr val="folHlink"/>
-                </a:solidFill>
-                <a:latin typeface="Courier New" panose="02070309020205020404" pitchFamily="49" charset="0"/>
-                <a:sym typeface="Euclid Extra" pitchFamily="18" charset="2"/>
-              </a:rPr>
-              <a:t> *next;</a:t>
+                  <a:srgbClr val="0432FF"/>
+                </a:solidFill>
+                <a:latin typeface="Courier New" panose="02070309020205020404" pitchFamily="49" charset="0"/>
+                <a:sym typeface="Euclid Extra" pitchFamily="18" charset="2"/>
+              </a:rPr>
+              <a:t> next;</a:t>
             </a:r>
             <a:r>
               <a:rPr lang="zh-CN" altLang="en-US" sz="2000" b="1" dirty="0">
                 <a:solidFill>
-                  <a:schemeClr val="folHlink"/>
+                  <a:srgbClr val="0432FF"/>
                 </a:solidFill>
                 <a:latin typeface="Courier New" panose="02070309020205020404" pitchFamily="49" charset="0"/>
                 <a:sym typeface="Euclid Extra" pitchFamily="18" charset="2"/>
@@ -7072,12 +7072,12 @@
             <a:r>
               <a:rPr lang="en-US" altLang="zh-CN" sz="2000" b="1" dirty="0">
                 <a:solidFill>
-                  <a:schemeClr val="folHlink"/>
-                </a:solidFill>
-                <a:latin typeface="Courier New" panose="02070309020205020404" pitchFamily="49" charset="0"/>
-                <a:sym typeface="Euclid Extra" pitchFamily="18" charset="2"/>
-              </a:rPr>
-              <a:t>\</a:t>
+                  <a:srgbClr val="0432FF"/>
+                </a:solidFill>
+                <a:latin typeface="Courier New" panose="02070309020205020404" pitchFamily="49" charset="0"/>
+                <a:sym typeface="Euclid Extra" pitchFamily="18" charset="2"/>
+              </a:rPr>
+              <a:t>        \</a:t>
             </a:r>
           </a:p>
           <a:p>
@@ -7091,7 +7091,7 @@
             <a:r>
               <a:rPr lang="en-US" altLang="zh-CN" sz="2000" b="1" dirty="0">
                 <a:solidFill>
-                  <a:schemeClr val="folHlink"/>
+                  <a:srgbClr val="0432FF"/>
                 </a:solidFill>
                 <a:latin typeface="Courier New" panose="02070309020205020404" pitchFamily="49" charset="0"/>
                 <a:sym typeface="Euclid Extra" pitchFamily="18" charset="2"/>
@@ -7101,7 +7101,7 @@
             <a:r>
               <a:rPr lang="zh-CN" altLang="en-US" sz="2000" b="1" dirty="0">
                 <a:solidFill>
-                  <a:schemeClr val="folHlink"/>
+                  <a:srgbClr val="0432FF"/>
                 </a:solidFill>
                 <a:latin typeface="Courier New" panose="02070309020205020404" pitchFamily="49" charset="0"/>
                 <a:sym typeface="Euclid Extra" pitchFamily="18" charset="2"/>
@@ -7111,7 +7111,7 @@
             <a:r>
               <a:rPr lang="en-US" altLang="zh-CN" sz="2000" b="1" dirty="0">
                 <a:solidFill>
-                  <a:schemeClr val="folHlink"/>
+                  <a:srgbClr val="0432FF"/>
                 </a:solidFill>
                 <a:latin typeface="Courier New" panose="02070309020205020404" pitchFamily="49" charset="0"/>
                 <a:sym typeface="Euclid Extra" pitchFamily="18" charset="2"/>
@@ -7160,7 +7160,7 @@
             <a:r>
               <a:rPr lang="en-US" altLang="zh-CN" sz="2000" b="1" dirty="0">
                 <a:solidFill>
-                  <a:schemeClr val="folHlink"/>
+                  <a:srgbClr val="0432FF"/>
                 </a:solidFill>
                 <a:latin typeface="Courier New" panose="02070309020205020404" pitchFamily="49" charset="0"/>
                 <a:sym typeface="Euclid Extra" pitchFamily="18" charset="2"/>
@@ -7170,7 +7170,7 @@
             <a:r>
               <a:rPr lang="en-US" altLang="zh-CN" sz="2000" b="1" dirty="0" err="1">
                 <a:solidFill>
-                  <a:schemeClr val="folHlink"/>
+                  <a:srgbClr val="0432FF"/>
                 </a:solidFill>
                 <a:latin typeface="Courier New" panose="02070309020205020404" pitchFamily="49" charset="0"/>
                 <a:sym typeface="Euclid Extra" pitchFamily="18" charset="2"/>
@@ -7180,7 +7180,7 @@
             <a:r>
               <a:rPr lang="en-US" altLang="zh-CN" sz="2000" b="1" dirty="0">
                 <a:solidFill>
-                  <a:schemeClr val="folHlink"/>
+                  <a:srgbClr val="0432FF"/>
                 </a:solidFill>
                 <a:latin typeface="Courier New" panose="02070309020205020404" pitchFamily="49" charset="0"/>
                 <a:sym typeface="Euclid Extra" pitchFamily="18" charset="2"/>
@@ -7190,7 +7190,7 @@
             <a:r>
               <a:rPr lang="zh-CN" altLang="en-US" sz="2000" b="1" dirty="0">
                 <a:solidFill>
-                  <a:schemeClr val="folHlink"/>
+                  <a:srgbClr val="0432FF"/>
                 </a:solidFill>
                 <a:latin typeface="Courier New" panose="02070309020205020404" pitchFamily="49" charset="0"/>
                 <a:sym typeface="Euclid Extra" pitchFamily="18" charset="2"/>
@@ -7200,7 +7200,7 @@
             <a:r>
               <a:rPr lang="en-US" altLang="zh-CN" sz="2000" b="1" dirty="0">
                 <a:solidFill>
-                  <a:schemeClr val="folHlink"/>
+                  <a:srgbClr val="0432FF"/>
                 </a:solidFill>
                 <a:latin typeface="Courier New" panose="02070309020205020404" pitchFamily="49" charset="0"/>
                 <a:sym typeface="Euclid Extra" pitchFamily="18" charset="2"/>
@@ -7219,27 +7219,47 @@
             <a:r>
               <a:rPr lang="en-US" altLang="zh-CN" sz="2000" b="1" dirty="0">
                 <a:solidFill>
-                  <a:schemeClr val="folHlink"/>
-                </a:solidFill>
-                <a:latin typeface="Courier New" panose="02070309020205020404" pitchFamily="49" charset="0"/>
-                <a:sym typeface="Euclid Extra" pitchFamily="18" charset="2"/>
-              </a:rPr>
-              <a:t>  int size=0; </a:t>
+                  <a:srgbClr val="0432FF"/>
+                </a:solidFill>
+                <a:latin typeface="Courier New" panose="02070309020205020404" pitchFamily="49" charset="0"/>
+                <a:sym typeface="Euclid Extra" pitchFamily="18" charset="2"/>
+              </a:rPr>
+              <a:t>  int n=0; </a:t>
             </a:r>
             <a:r>
               <a:rPr lang="zh-CN" altLang="en-US" sz="2000" b="1" dirty="0">
                 <a:solidFill>
-                  <a:schemeClr val="folHlink"/>
-                </a:solidFill>
-                <a:latin typeface="Courier New" panose="02070309020205020404" pitchFamily="49" charset="0"/>
-                <a:sym typeface="Euclid Extra" pitchFamily="18" charset="2"/>
-              </a:rPr>
-              <a:t>          </a:t>
-            </a:r>
-            <a:r>
-              <a:rPr lang="en-US" altLang="zh-CN" sz="2000" b="1" dirty="0">
-                <a:solidFill>
-                  <a:schemeClr val="folHlink"/>
+                  <a:srgbClr val="0432FF"/>
+                </a:solidFill>
+                <a:latin typeface="Courier New" panose="02070309020205020404" pitchFamily="49" charset="0"/>
+                <a:sym typeface="Euclid Extra" pitchFamily="18" charset="2"/>
+              </a:rPr>
+              <a:t>   </a:t>
+            </a:r>
+            <a:r>
+              <a:rPr lang="en-US" altLang="zh-CN" sz="2000" b="1" dirty="0">
+                <a:solidFill>
+                  <a:srgbClr val="0432FF"/>
+                </a:solidFill>
+                <a:latin typeface="Courier New" panose="02070309020205020404" pitchFamily="49" charset="0"/>
+                <a:sym typeface="Euclid Extra" pitchFamily="18" charset="2"/>
+              </a:rPr>
+              <a:t>   </a:t>
+            </a:r>
+            <a:r>
+              <a:rPr lang="zh-CN" altLang="en-US" sz="2000" b="1" dirty="0">
+                <a:solidFill>
+                  <a:srgbClr val="0432FF"/>
+                </a:solidFill>
+                <a:latin typeface="Courier New" panose="02070309020205020404" pitchFamily="49" charset="0"/>
+                <a:sym typeface="Euclid Extra" pitchFamily="18" charset="2"/>
+              </a:rPr>
+              <a:t>       </a:t>
+            </a:r>
+            <a:r>
+              <a:rPr lang="en-US" altLang="zh-CN" sz="2000" b="1" dirty="0">
+                <a:solidFill>
+                  <a:srgbClr val="0432FF"/>
                 </a:solidFill>
                 <a:latin typeface="Courier New" panose="02070309020205020404" pitchFamily="49" charset="0"/>
                 <a:sym typeface="Euclid Extra" pitchFamily="18" charset="2"/>
@@ -7258,7 +7278,7 @@
             <a:r>
               <a:rPr lang="en-US" altLang="zh-CN" sz="2000" b="1" dirty="0">
                 <a:solidFill>
-                  <a:schemeClr val="folHlink"/>
+                  <a:srgbClr val="0432FF"/>
                 </a:solidFill>
                 <a:latin typeface="Courier New" panose="02070309020205020404" pitchFamily="49" charset="0"/>
                 <a:sym typeface="Euclid Extra" pitchFamily="18" charset="2"/>
@@ -7268,7 +7288,7 @@
             <a:r>
               <a:rPr lang="en-US" altLang="zh-CN" sz="2000" b="1" dirty="0" err="1">
                 <a:solidFill>
-                  <a:schemeClr val="folHlink"/>
+                  <a:srgbClr val="0432FF"/>
                 </a:solidFill>
                 <a:latin typeface="Courier New" panose="02070309020205020404" pitchFamily="49" charset="0"/>
                 <a:sym typeface="Euclid Extra" pitchFamily="18" charset="2"/>
@@ -7278,7 +7298,7 @@
             <a:r>
               <a:rPr lang="en-US" altLang="zh-CN" sz="2000" b="1" dirty="0">
                 <a:solidFill>
-                  <a:schemeClr val="folHlink"/>
+                  <a:srgbClr val="0432FF"/>
                 </a:solidFill>
                 <a:latin typeface="Courier New" panose="02070309020205020404" pitchFamily="49" charset="0"/>
                 <a:sym typeface="Euclid Extra" pitchFamily="18" charset="2"/>
@@ -7297,7 +7317,7 @@
             <a:r>
               <a:rPr lang="en-US" altLang="zh-CN" sz="2000" b="1" dirty="0">
                 <a:solidFill>
-                  <a:schemeClr val="folHlink"/>
+                  <a:srgbClr val="0432FF"/>
                 </a:solidFill>
                 <a:latin typeface="Courier New" panose="02070309020205020404" pitchFamily="49" charset="0"/>
                 <a:sym typeface="Euclid Extra" pitchFamily="18" charset="2"/>
@@ -7307,7 +7327,7 @@
             <a:r>
               <a:rPr lang="zh-CN" altLang="en-US" sz="2000" b="1" dirty="0">
                 <a:solidFill>
-                  <a:schemeClr val="folHlink"/>
+                  <a:srgbClr val="0432FF"/>
                 </a:solidFill>
                 <a:latin typeface="Courier New" panose="02070309020205020404" pitchFamily="49" charset="0"/>
                 <a:sym typeface="Euclid Extra" pitchFamily="18" charset="2"/>
@@ -7317,7 +7337,7 @@
             <a:r>
               <a:rPr lang="en-US" altLang="zh-CN" sz="2000" b="1" dirty="0">
                 <a:solidFill>
-                  <a:schemeClr val="folHlink"/>
+                  <a:srgbClr val="0432FF"/>
                 </a:solidFill>
                 <a:latin typeface="Courier New" panose="02070309020205020404" pitchFamily="49" charset="0"/>
                 <a:sym typeface="Euclid Extra" pitchFamily="18" charset="2"/>
@@ -7336,27 +7356,47 @@
             <a:r>
               <a:rPr lang="en-US" altLang="zh-CN" sz="2000" b="1" dirty="0">
                 <a:solidFill>
-                  <a:schemeClr val="folHlink"/>
-                </a:solidFill>
-                <a:latin typeface="Courier New" panose="02070309020205020404" pitchFamily="49" charset="0"/>
-                <a:sym typeface="Euclid Extra" pitchFamily="18" charset="2"/>
-              </a:rPr>
-              <a:t>    size++; </a:t>
+                  <a:srgbClr val="0432FF"/>
+                </a:solidFill>
+                <a:latin typeface="Courier New" panose="02070309020205020404" pitchFamily="49" charset="0"/>
+                <a:sym typeface="Euclid Extra" pitchFamily="18" charset="2"/>
+              </a:rPr>
+              <a:t>    n++; </a:t>
             </a:r>
             <a:r>
               <a:rPr lang="zh-CN" altLang="en-US" sz="2000" b="1" dirty="0">
                 <a:solidFill>
-                  <a:schemeClr val="folHlink"/>
-                </a:solidFill>
-                <a:latin typeface="Courier New" panose="02070309020205020404" pitchFamily="49" charset="0"/>
-                <a:sym typeface="Euclid Extra" pitchFamily="18" charset="2"/>
-              </a:rPr>
-              <a:t>            </a:t>
-            </a:r>
-            <a:r>
-              <a:rPr lang="en-US" altLang="zh-CN" sz="2000" b="1" dirty="0">
-                <a:solidFill>
-                  <a:schemeClr val="folHlink"/>
+                  <a:srgbClr val="0432FF"/>
+                </a:solidFill>
+                <a:latin typeface="Courier New" panose="02070309020205020404" pitchFamily="49" charset="0"/>
+                <a:sym typeface="Euclid Extra" pitchFamily="18" charset="2"/>
+              </a:rPr>
+              <a:t>           </a:t>
+            </a:r>
+            <a:r>
+              <a:rPr lang="en-US" altLang="zh-CN" sz="2000" b="1" dirty="0">
+                <a:solidFill>
+                  <a:srgbClr val="0432FF"/>
+                </a:solidFill>
+                <a:latin typeface="Courier New" panose="02070309020205020404" pitchFamily="49" charset="0"/>
+                <a:sym typeface="Euclid Extra" pitchFamily="18" charset="2"/>
+              </a:rPr>
+              <a:t>   </a:t>
+            </a:r>
+            <a:r>
+              <a:rPr lang="zh-CN" altLang="en-US" sz="2000" b="1" dirty="0">
+                <a:solidFill>
+                  <a:srgbClr val="0432FF"/>
+                </a:solidFill>
+                <a:latin typeface="Courier New" panose="02070309020205020404" pitchFamily="49" charset="0"/>
+                <a:sym typeface="Euclid Extra" pitchFamily="18" charset="2"/>
+              </a:rPr>
+              <a:t> </a:t>
+            </a:r>
+            <a:r>
+              <a:rPr lang="en-US" altLang="zh-CN" sz="2000" b="1" dirty="0">
+                <a:solidFill>
+                  <a:srgbClr val="0432FF"/>
                 </a:solidFill>
                 <a:latin typeface="Courier New" panose="02070309020205020404" pitchFamily="49" charset="0"/>
                 <a:sym typeface="Euclid Extra" pitchFamily="18" charset="2"/>
@@ -7375,7 +7415,7 @@
             <a:r>
               <a:rPr lang="en-US" altLang="zh-CN" sz="2000" b="1" dirty="0">
                 <a:solidFill>
-                  <a:schemeClr val="folHlink"/>
+                  <a:srgbClr val="0432FF"/>
                 </a:solidFill>
                 <a:latin typeface="Courier New" panose="02070309020205020404" pitchFamily="49" charset="0"/>
                 <a:sym typeface="Euclid Extra" pitchFamily="18" charset="2"/>
@@ -7385,7 +7425,7 @@
             <a:r>
               <a:rPr lang="zh-CN" altLang="en-US" sz="2000" b="1" dirty="0">
                 <a:solidFill>
-                  <a:schemeClr val="folHlink"/>
+                  <a:srgbClr val="0432FF"/>
                 </a:solidFill>
                 <a:latin typeface="Courier New" panose="02070309020205020404" pitchFamily="49" charset="0"/>
                 <a:sym typeface="Euclid Extra" pitchFamily="18" charset="2"/>
@@ -7395,7 +7435,7 @@
             <a:r>
               <a:rPr lang="en-US" altLang="zh-CN" sz="2000" b="1" dirty="0">
                 <a:solidFill>
-                  <a:schemeClr val="folHlink"/>
+                  <a:srgbClr val="0432FF"/>
                 </a:solidFill>
                 <a:latin typeface="Courier New" panose="02070309020205020404" pitchFamily="49" charset="0"/>
                 <a:sym typeface="Euclid Extra" pitchFamily="18" charset="2"/>
@@ -7414,7 +7454,7 @@
             <a:r>
               <a:rPr lang="en-US" altLang="zh-CN" sz="2000" b="1" dirty="0">
                 <a:solidFill>
-                  <a:schemeClr val="folHlink"/>
+                  <a:srgbClr val="0432FF"/>
                 </a:solidFill>
                 <a:latin typeface="Courier New" panose="02070309020205020404" pitchFamily="49" charset="0"/>
                 <a:sym typeface="Euclid Extra" pitchFamily="18" charset="2"/>
@@ -7424,7 +7464,7 @@
             <a:r>
               <a:rPr lang="zh-CN" altLang="en-US" sz="2000" b="1" dirty="0">
                 <a:solidFill>
-                  <a:schemeClr val="folHlink"/>
+                  <a:srgbClr val="0432FF"/>
                 </a:solidFill>
                 <a:latin typeface="Courier New" panose="02070309020205020404" pitchFamily="49" charset="0"/>
                 <a:sym typeface="Euclid Extra" pitchFamily="18" charset="2"/>
@@ -7434,7 +7474,7 @@
             <a:r>
               <a:rPr lang="en-US" altLang="zh-CN" sz="2000" b="1" dirty="0">
                 <a:solidFill>
-                  <a:schemeClr val="folHlink"/>
+                  <a:srgbClr val="0432FF"/>
                 </a:solidFill>
                 <a:latin typeface="Courier New" panose="02070309020205020404" pitchFamily="49" charset="0"/>
                 <a:sym typeface="Euclid Extra" pitchFamily="18" charset="2"/>
@@ -7453,27 +7493,47 @@
             <a:r>
               <a:rPr lang="en-US" altLang="zh-CN" sz="2000" b="1" dirty="0">
                 <a:solidFill>
-                  <a:schemeClr val="folHlink"/>
-                </a:solidFill>
-                <a:latin typeface="Courier New" panose="02070309020205020404" pitchFamily="49" charset="0"/>
-                <a:sym typeface="Euclid Extra" pitchFamily="18" charset="2"/>
-              </a:rPr>
-              <a:t>  return size;</a:t>
+                  <a:srgbClr val="0432FF"/>
+                </a:solidFill>
+                <a:latin typeface="Courier New" panose="02070309020205020404" pitchFamily="49" charset="0"/>
+                <a:sym typeface="Euclid Extra" pitchFamily="18" charset="2"/>
+              </a:rPr>
+              <a:t>  return n;</a:t>
             </a:r>
             <a:r>
               <a:rPr lang="zh-CN" altLang="en-US" sz="2000" b="1" dirty="0">
                 <a:solidFill>
-                  <a:schemeClr val="folHlink"/>
-                </a:solidFill>
-                <a:latin typeface="Courier New" panose="02070309020205020404" pitchFamily="49" charset="0"/>
-                <a:sym typeface="Euclid Extra" pitchFamily="18" charset="2"/>
-              </a:rPr>
-              <a:t>          </a:t>
-            </a:r>
-            <a:r>
-              <a:rPr lang="en-US" altLang="zh-CN" sz="2000" b="1" dirty="0">
-                <a:solidFill>
-                  <a:schemeClr val="folHlink"/>
+                  <a:srgbClr val="0432FF"/>
+                </a:solidFill>
+                <a:latin typeface="Courier New" panose="02070309020205020404" pitchFamily="49" charset="0"/>
+                <a:sym typeface="Euclid Extra" pitchFamily="18" charset="2"/>
+              </a:rPr>
+              <a:t>      </a:t>
+            </a:r>
+            <a:r>
+              <a:rPr lang="en-US" altLang="zh-CN" sz="2000" b="1" dirty="0">
+                <a:solidFill>
+                  <a:srgbClr val="0432FF"/>
+                </a:solidFill>
+                <a:latin typeface="Courier New" panose="02070309020205020404" pitchFamily="49" charset="0"/>
+                <a:sym typeface="Euclid Extra" pitchFamily="18" charset="2"/>
+              </a:rPr>
+              <a:t>   </a:t>
+            </a:r>
+            <a:r>
+              <a:rPr lang="zh-CN" altLang="en-US" sz="2000" b="1" dirty="0">
+                <a:solidFill>
+                  <a:srgbClr val="0432FF"/>
+                </a:solidFill>
+                <a:latin typeface="Courier New" panose="02070309020205020404" pitchFamily="49" charset="0"/>
+                <a:sym typeface="Euclid Extra" pitchFamily="18" charset="2"/>
+              </a:rPr>
+              <a:t>    </a:t>
+            </a:r>
+            <a:r>
+              <a:rPr lang="en-US" altLang="zh-CN" sz="2000" b="1" dirty="0">
+                <a:solidFill>
+                  <a:srgbClr val="0432FF"/>
                 </a:solidFill>
                 <a:latin typeface="Courier New" panose="02070309020205020404" pitchFamily="49" charset="0"/>
                 <a:sym typeface="Euclid Extra" pitchFamily="18" charset="2"/>
@@ -7492,7 +7552,7 @@
             <a:r>
               <a:rPr lang="en-US" altLang="zh-CN" sz="2000" b="1" dirty="0">
                 <a:solidFill>
-                  <a:schemeClr val="folHlink"/>
+                  <a:srgbClr val="0432FF"/>
                 </a:solidFill>
                 <a:latin typeface="Courier New" panose="02070309020205020404" pitchFamily="49" charset="0"/>
                 <a:sym typeface="Euclid Extra" pitchFamily="18" charset="2"/>
@@ -8219,7 +8279,7 @@
             <a:r>
               <a:rPr lang="en-US" altLang="zh-CN" sz="2000" b="1" dirty="0">
                 <a:solidFill>
-                  <a:schemeClr val="folHlink"/>
+                  <a:srgbClr val="0432FF"/>
                 </a:solidFill>
                 <a:latin typeface="Courier New" panose="02070309020205020404" pitchFamily="49" charset="0"/>
               </a:rPr>
@@ -8267,7 +8327,7 @@
             <a:r>
               <a:rPr lang="en-US" altLang="zh-CN" sz="2000" b="1" dirty="0">
                 <a:solidFill>
-                  <a:schemeClr val="folHlink"/>
+                  <a:srgbClr val="0432FF"/>
                 </a:solidFill>
                 <a:latin typeface="Courier New" panose="02070309020205020404" pitchFamily="49" charset="0"/>
               </a:rPr>
@@ -8351,53 +8411,57 @@
           <a:lstStyle/>
           <a:p>
             <a:r>
-              <a:rPr lang="en-US" altLang="zh-CN"/>
-              <a:t>Parametric poly:</a:t>
+              <a:rPr lang="en-US" altLang="zh-CN" dirty="0"/>
+              <a:t>Parametric poly’:</a:t>
             </a:r>
           </a:p>
           <a:p>
             <a:pPr lvl="1"/>
             <a:r>
-              <a:rPr lang="en-US" altLang="zh-CN"/>
+              <a:rPr lang="en-US" altLang="zh-CN" dirty="0"/>
               <a:t>data structures and functions take extra type parameters (hence the name)</a:t>
             </a:r>
           </a:p>
           <a:p>
             <a:pPr lvl="1"/>
             <a:r>
-              <a:rPr lang="en-US" altLang="zh-CN"/>
-              <a:t>instation at compile-time</a:t>
-            </a:r>
-          </a:p>
-          <a:p>
-            <a:r>
-              <a:rPr lang="en-US" altLang="zh-CN"/>
-              <a:t>Monomorphinization:</a:t>
+              <a:rPr lang="en-US" altLang="zh-CN" dirty="0"/>
+              <a:t>Instantiated at compile-time</a:t>
+            </a:r>
+          </a:p>
+          <a:p>
+            <a:r>
+              <a:rPr lang="en-US" altLang="zh-CN" dirty="0" err="1"/>
+              <a:t>Monomorphinization</a:t>
+            </a:r>
+            <a:r>
+              <a:rPr lang="en-US" altLang="zh-CN" dirty="0"/>
+              <a:t>:</a:t>
             </a:r>
           </a:p>
           <a:p>
             <a:pPr lvl="1"/>
             <a:r>
-              <a:rPr lang="en-US" altLang="zh-CN"/>
+              <a:rPr lang="en-US" altLang="zh-CN" dirty="0"/>
               <a:t>code eventually becomes monomorphic</a:t>
             </a:r>
           </a:p>
           <a:p>
             <a:pPr lvl="1"/>
             <a:r>
-              <a:rPr lang="en-US" altLang="zh-CN"/>
+              <a:rPr lang="en-US" altLang="zh-CN" dirty="0"/>
               <a:t>faithfully models the feature of </a:t>
             </a:r>
             <a:r>
-              <a:rPr lang="en-US" altLang="zh-CN">
-                <a:solidFill>
-                  <a:schemeClr val="folHlink"/>
+              <a:rPr lang="en-US" altLang="zh-CN" dirty="0">
+                <a:solidFill>
+                  <a:srgbClr val="0432FF"/>
                 </a:solidFill>
               </a:rPr>
               <a:t>template</a:t>
             </a:r>
             <a:r>
-              <a:rPr lang="en-US" altLang="zh-CN"/>
+              <a:rPr lang="en-US" altLang="zh-CN" dirty="0"/>
               <a:t> in C++</a:t>
             </a:r>
           </a:p>
@@ -8478,62 +8542,102 @@
           <a:lstStyle/>
           <a:p>
             <a:r>
-              <a:rPr lang="en-US" altLang="zh-CN" sz="2800"/>
+              <a:rPr lang="en-US" altLang="zh-CN" sz="2800" dirty="0"/>
               <a:t>Pros:</a:t>
             </a:r>
           </a:p>
           <a:p>
             <a:pPr lvl="1"/>
             <a:r>
-              <a:rPr lang="en-US" altLang="zh-CN" sz="2400"/>
+              <a:rPr lang="en-US" altLang="zh-CN" sz="2400" dirty="0"/>
               <a:t>very powerful and elegant</a:t>
             </a:r>
           </a:p>
           <a:p>
             <a:pPr lvl="1"/>
             <a:r>
-              <a:rPr lang="en-US" altLang="zh-CN" sz="2400"/>
-              <a:t>no runtime overhead (code is eventually mono)</a:t>
+              <a:rPr lang="en-US" altLang="zh-CN" sz="2400" dirty="0"/>
+              <a:t>no runtime overhead (code is mono</a:t>
+            </a:r>
+            <a:r>
+              <a:rPr lang="zh-CN" altLang="en-US" sz="2400" dirty="0"/>
+              <a:t> </a:t>
+            </a:r>
+            <a:r>
+              <a:rPr lang="en-US" altLang="zh-CN" sz="2400" dirty="0"/>
+              <a:t>at</a:t>
+            </a:r>
+            <a:r>
+              <a:rPr lang="zh-CN" altLang="en-US" sz="2400" dirty="0"/>
+              <a:t> </a:t>
+            </a:r>
+            <a:r>
+              <a:rPr lang="en-US" altLang="zh-CN" sz="2400" dirty="0"/>
+              <a:t>runtime)</a:t>
             </a:r>
           </a:p>
           <a:p>
             <a:pPr lvl="1"/>
             <a:r>
-              <a:rPr lang="en-US" altLang="zh-CN" sz="2400"/>
-              <a:t>of course, require some C hack</a:t>
-            </a:r>
-          </a:p>
-          <a:p>
-            <a:r>
-              <a:rPr lang="en-US" altLang="zh-CN" sz="2800"/>
+              <a:rPr lang="en-US" altLang="zh-CN" sz="2400" dirty="0"/>
+              <a:t>of course, require some hack of</a:t>
+            </a:r>
+            <a:r>
+              <a:rPr lang="zh-CN" altLang="en-US" sz="2400" dirty="0"/>
+              <a:t> </a:t>
+            </a:r>
+            <a:r>
+              <a:rPr lang="en-US" altLang="zh-CN" sz="2400" dirty="0"/>
+              <a:t>C</a:t>
+            </a:r>
+            <a:r>
+              <a:rPr lang="zh-CN" altLang="en-US" sz="2400" dirty="0"/>
+              <a:t> </a:t>
+            </a:r>
+            <a:r>
+              <a:rPr lang="en-US" altLang="zh-CN" sz="2400" dirty="0"/>
+              <a:t>macros</a:t>
+            </a:r>
+          </a:p>
+          <a:p>
+            <a:r>
+              <a:rPr lang="en-US" altLang="zh-CN" sz="2800" dirty="0"/>
               <a:t>Cons:</a:t>
             </a:r>
           </a:p>
           <a:p>
             <a:pPr lvl="1"/>
             <a:r>
-              <a:rPr lang="en-US" altLang="zh-CN" sz="2400"/>
-              <a:t>code explosion (due to monomorphinization)</a:t>
+              <a:rPr lang="en-US" altLang="zh-CN" sz="2400" dirty="0"/>
+              <a:t>code explosion (due to </a:t>
+            </a:r>
+            <a:r>
+              <a:rPr lang="en-US" altLang="zh-CN" sz="2400" dirty="0" err="1"/>
+              <a:t>monomorphinization</a:t>
+            </a:r>
+            <a:r>
+              <a:rPr lang="en-US" altLang="zh-CN" sz="2400" dirty="0"/>
+              <a:t>)</a:t>
             </a:r>
           </a:p>
           <a:p>
             <a:pPr lvl="2"/>
             <a:r>
-              <a:rPr lang="en-US" altLang="zh-CN" sz="2000"/>
-              <a:t>but seldom observed in practical code</a:t>
+              <a:rPr lang="en-US" altLang="zh-CN" sz="2000" dirty="0"/>
+              <a:t>but seldom observed in practice</a:t>
             </a:r>
           </a:p>
           <a:p>
             <a:pPr lvl="1"/>
             <a:r>
-              <a:rPr lang="en-US" altLang="zh-CN" sz="2400"/>
+              <a:rPr lang="en-US" altLang="zh-CN" sz="2400" dirty="0"/>
               <a:t>the poly code itself is not type checked</a:t>
             </a:r>
           </a:p>
           <a:p>
             <a:pPr lvl="1"/>
             <a:r>
-              <a:rPr lang="en-US" altLang="zh-CN" sz="2400"/>
+              <a:rPr lang="en-US" altLang="zh-CN" sz="2400" dirty="0"/>
               <a:t>compilation may be slow</a:t>
             </a:r>
           </a:p>
@@ -8621,14 +8725,34 @@
               <a:buNone/>
             </a:pPr>
             <a:r>
-              <a:rPr lang="en-US" altLang="zh-CN" sz="2000" b="1">
-                <a:solidFill>
-                  <a:schemeClr val="folHlink"/>
-                </a:solidFill>
-                <a:latin typeface="Courier New" panose="02070309020205020404" pitchFamily="49" charset="0"/>
-                <a:sym typeface="Euclid Extra" pitchFamily="18" charset="2"/>
-              </a:rPr>
-              <a:t>struct List_t{</a:t>
+              <a:rPr lang="en-US" altLang="zh-CN" sz="2000" b="1" dirty="0">
+                <a:solidFill>
+                  <a:srgbClr val="0432FF"/>
+                </a:solidFill>
+                <a:latin typeface="Courier New" panose="02070309020205020404" pitchFamily="49" charset="0"/>
+                <a:sym typeface="Euclid Extra" pitchFamily="18" charset="2"/>
+              </a:rPr>
+              <a:t>struct </a:t>
+            </a:r>
+            <a:r>
+              <a:rPr lang="en-US" altLang="zh-CN" sz="2000" b="1" dirty="0" err="1">
+                <a:solidFill>
+                  <a:srgbClr val="0432FF"/>
+                </a:solidFill>
+                <a:latin typeface="Courier New" panose="02070309020205020404" pitchFamily="49" charset="0"/>
+                <a:sym typeface="Euclid Extra" pitchFamily="18" charset="2"/>
+              </a:rPr>
+              <a:t>List_t</a:t>
+            </a:r>
+            <a:r>
+              <a:rPr lang="en-US" altLang="zh-CN" sz="2000" b="1" dirty="0">
+                <a:solidFill>
+                  <a:srgbClr val="0432FF"/>
+                </a:solidFill>
+                <a:latin typeface="Courier New" panose="02070309020205020404" pitchFamily="49" charset="0"/>
+                <a:sym typeface="Euclid Extra" pitchFamily="18" charset="2"/>
+              </a:rPr>
+              <a:t>{</a:t>
             </a:r>
           </a:p>
           <a:p>
@@ -8640,34 +8764,14 @@
               <a:buNone/>
             </a:pPr>
             <a:r>
-              <a:rPr lang="en-US" altLang="zh-CN" sz="2000" b="1">
-                <a:solidFill>
-                  <a:schemeClr val="folHlink"/>
-                </a:solidFill>
-                <a:latin typeface="Courier New" panose="02070309020205020404" pitchFamily="49" charset="0"/>
-                <a:sym typeface="Euclid Extra" pitchFamily="18" charset="2"/>
-              </a:rPr>
-              <a:t>  </a:t>
-            </a:r>
-            <a:r>
-              <a:rPr lang="en-US" altLang="zh-CN" sz="2000" b="1">
-                <a:solidFill>
-                  <a:schemeClr val="hlink"/>
-                </a:solidFill>
-                <a:latin typeface="Courier New" panose="02070309020205020404" pitchFamily="49" charset="0"/>
-                <a:sym typeface="Euclid Extra" pitchFamily="18" charset="2"/>
-              </a:rPr>
-              <a:t>X</a:t>
-            </a:r>
-            <a:r>
-              <a:rPr lang="en-US" altLang="zh-CN" sz="2000" b="1">
-                <a:solidFill>
-                  <a:schemeClr val="folHlink"/>
-                </a:solidFill>
-                <a:latin typeface="Courier New" panose="02070309020205020404" pitchFamily="49" charset="0"/>
-                <a:sym typeface="Euclid Extra" pitchFamily="18" charset="2"/>
-              </a:rPr>
-              <a:t> data;</a:t>
+              <a:rPr lang="en-US" altLang="zh-CN" sz="2000" b="1" dirty="0">
+                <a:solidFill>
+                  <a:srgbClr val="0432FF"/>
+                </a:solidFill>
+                <a:latin typeface="Courier New" panose="02070309020205020404" pitchFamily="49" charset="0"/>
+                <a:sym typeface="Euclid Extra" pitchFamily="18" charset="2"/>
+              </a:rPr>
+              <a:t>  X data;</a:t>
             </a:r>
           </a:p>
           <a:p>
@@ -8679,14 +8783,34 @@
               <a:buNone/>
             </a:pPr>
             <a:r>
-              <a:rPr lang="en-US" altLang="zh-CN" sz="2000" b="1">
-                <a:solidFill>
-                  <a:schemeClr val="folHlink"/>
-                </a:solidFill>
-                <a:latin typeface="Courier New" panose="02070309020205020404" pitchFamily="49" charset="0"/>
-                <a:sym typeface="Euclid Extra" pitchFamily="18" charset="2"/>
-              </a:rPr>
-              <a:t>  struct List_t *next;</a:t>
+              <a:rPr lang="zh-CN" altLang="en-US" sz="2000" b="1" dirty="0">
+                <a:solidFill>
+                  <a:srgbClr val="0432FF"/>
+                </a:solidFill>
+                <a:latin typeface="Courier New" panose="02070309020205020404" pitchFamily="49" charset="0"/>
+                <a:sym typeface="Euclid Extra" pitchFamily="18" charset="2"/>
+              </a:rPr>
+              <a:t>  </a:t>
+            </a:r>
+            <a:r>
+              <a:rPr lang="en-US" altLang="zh-CN" sz="2000" b="1" dirty="0" err="1">
+                <a:solidFill>
+                  <a:srgbClr val="0432FF"/>
+                </a:solidFill>
+                <a:latin typeface="Courier New" panose="02070309020205020404" pitchFamily="49" charset="0"/>
+                <a:sym typeface="Euclid Extra" pitchFamily="18" charset="2"/>
+              </a:rPr>
+              <a:t>List_t</a:t>
+            </a:r>
+            <a:r>
+              <a:rPr lang="en-US" altLang="zh-CN" sz="2000" b="1" dirty="0">
+                <a:solidFill>
+                  <a:srgbClr val="0432FF"/>
+                </a:solidFill>
+                <a:latin typeface="Courier New" panose="02070309020205020404" pitchFamily="49" charset="0"/>
+                <a:sym typeface="Euclid Extra" pitchFamily="18" charset="2"/>
+              </a:rPr>
+              <a:t> next;</a:t>
             </a:r>
           </a:p>
           <a:p>
@@ -8698,9 +8822,9 @@
               <a:buNone/>
             </a:pPr>
             <a:r>
-              <a:rPr lang="en-US" altLang="zh-CN" sz="2000" b="1">
-                <a:solidFill>
-                  <a:schemeClr val="folHlink"/>
+              <a:rPr lang="en-US" altLang="zh-CN" sz="2000" b="1" dirty="0">
+                <a:solidFill>
+                  <a:srgbClr val="0432FF"/>
                 </a:solidFill>
                 <a:latin typeface="Courier New" panose="02070309020205020404" pitchFamily="49" charset="0"/>
                 <a:sym typeface="Euclid Extra" pitchFamily="18" charset="2"/>
@@ -8716,7 +8840,7 @@
               <a:buFont typeface="Wingdings" pitchFamily="2" charset="2"/>
               <a:buNone/>
             </a:pPr>
-            <a:endParaRPr lang="en-US" altLang="zh-CN" sz="2000" b="1">
+            <a:endParaRPr lang="en-US" altLang="zh-CN" sz="2000" b="1" dirty="0">
               <a:solidFill>
                 <a:schemeClr val="folHlink"/>
               </a:solidFill>
@@ -8733,7 +8857,7 @@
               <a:buNone/>
             </a:pPr>
             <a:r>
-              <a:rPr lang="en-US" altLang="zh-CN" sz="2000" b="1">
+              <a:rPr lang="en-US" altLang="zh-CN" sz="2000" b="1" dirty="0">
                 <a:latin typeface="Courier New" panose="02070309020205020404" pitchFamily="49" charset="0"/>
                 <a:sym typeface="Euclid Extra" pitchFamily="18" charset="2"/>
               </a:rPr>
@@ -8749,7 +8873,7 @@
               <a:buNone/>
             </a:pPr>
             <a:r>
-              <a:rPr lang="en-US" altLang="zh-CN" sz="2000" b="1">
+              <a:rPr lang="en-US" altLang="zh-CN" sz="2000" b="1" dirty="0">
                 <a:latin typeface="Courier New" panose="02070309020205020404" pitchFamily="49" charset="0"/>
                 <a:sym typeface="Euclid Extra" pitchFamily="18" charset="2"/>
               </a:rPr>
@@ -8765,7 +8889,7 @@
               <a:buNone/>
             </a:pPr>
             <a:r>
-              <a:rPr lang="en-US" altLang="zh-CN" sz="2000" b="1">
+              <a:rPr lang="en-US" altLang="zh-CN" sz="2000" b="1" dirty="0">
                 <a:latin typeface="Courier New" panose="02070309020205020404" pitchFamily="49" charset="0"/>
                 <a:sym typeface="Euclid Extra" pitchFamily="18" charset="2"/>
               </a:rPr>
@@ -8780,7 +8904,7 @@
               <a:buFont typeface="Wingdings" pitchFamily="2" charset="2"/>
               <a:buNone/>
             </a:pPr>
-            <a:endParaRPr lang="en-US" altLang="zh-CN" sz="2000" b="1">
+            <a:endParaRPr lang="en-US" altLang="zh-CN" sz="2000" b="1" dirty="0">
               <a:latin typeface="Courier New" panose="02070309020205020404" pitchFamily="49" charset="0"/>
               <a:sym typeface="Euclid Extra" pitchFamily="18" charset="2"/>
             </a:endParaRPr>
@@ -8794,14 +8918,28 @@
               <a:buNone/>
             </a:pPr>
             <a:r>
-              <a:rPr lang="en-US" altLang="zh-CN" sz="2000" b="1">
-                <a:latin typeface="Courier New" panose="02070309020205020404" pitchFamily="49" charset="0"/>
-                <a:sym typeface="Euclid Extra" pitchFamily="18" charset="2"/>
-              </a:rPr>
-              <a:t>// In C, this type is “</a:t>
-            </a:r>
-            <a:r>
-              <a:rPr lang="en-US" altLang="zh-CN" sz="2000" b="1">
+              <a:rPr lang="en-US" altLang="zh-CN" sz="2000" b="1" dirty="0">
+                <a:latin typeface="Courier New" panose="02070309020205020404" pitchFamily="49" charset="0"/>
+                <a:sym typeface="Euclid Extra" pitchFamily="18" charset="2"/>
+              </a:rPr>
+              <a:t>// In C, this type is famous</a:t>
+            </a:r>
+            <a:r>
+              <a:rPr lang="zh-CN" altLang="en-US" sz="2000" b="1" dirty="0">
+                <a:latin typeface="Courier New" panose="02070309020205020404" pitchFamily="49" charset="0"/>
+                <a:sym typeface="Euclid Extra" pitchFamily="18" charset="2"/>
+              </a:rPr>
+              <a:t> </a:t>
+            </a:r>
+            <a:r>
+              <a:rPr lang="en-US" altLang="zh-CN" sz="2000" b="1" dirty="0">
+                <a:latin typeface="Courier New" panose="02070309020205020404" pitchFamily="49" charset="0"/>
+                <a:sym typeface="Euclid Extra" pitchFamily="18" charset="2"/>
+              </a:rPr>
+              <a:t>“</a:t>
+            </a:r>
+            <a:r>
+              <a:rPr lang="en-US" altLang="zh-CN" sz="2000" b="1" dirty="0">
                 <a:solidFill>
                   <a:schemeClr val="hlink"/>
                 </a:solidFill>
@@ -8811,13 +8949,13 @@
               <a:t>void *</a:t>
             </a:r>
             <a:r>
-              <a:rPr lang="en-US" altLang="zh-CN" sz="2000" b="1">
+              <a:rPr lang="en-US" altLang="zh-CN" sz="2000" b="1" dirty="0">
                 <a:latin typeface="Courier New" panose="02070309020205020404" pitchFamily="49" charset="0"/>
                 <a:sym typeface="Euclid Extra" pitchFamily="18" charset="2"/>
               </a:rPr>
               <a:t>”.</a:t>
             </a:r>
-            <a:endParaRPr lang="en-US" altLang="zh-CN" sz="2000" b="1">
+            <a:endParaRPr lang="en-US" altLang="zh-CN" sz="2000" b="1" dirty="0">
               <a:solidFill>
                 <a:schemeClr val="folHlink"/>
               </a:solidFill>
@@ -8997,33 +9135,53 @@
               <a:buNone/>
             </a:pPr>
             <a:r>
-              <a:rPr lang="en-US" altLang="zh-CN" sz="2000" b="1">
+              <a:rPr lang="en-US" altLang="zh-CN" sz="2000" b="1" dirty="0">
                 <a:solidFill>
                   <a:schemeClr val="folHlink"/>
                 </a:solidFill>
                 <a:latin typeface="Courier New" panose="02070309020205020404" pitchFamily="49" charset="0"/>
                 <a:sym typeface="Euclid Extra" pitchFamily="18" charset="2"/>
               </a:rPr>
-              <a:t>struct List_t{</a:t>
-            </a:r>
-          </a:p>
-          <a:p>
-            <a:pPr>
-              <a:buFont typeface="Wingdings" pitchFamily="2" charset="2"/>
-              <a:buNone/>
-            </a:pPr>
-            <a:r>
-              <a:rPr lang="en-US" altLang="zh-CN" sz="2000" b="1">
+              <a:t>struct </a:t>
+            </a:r>
+            <a:r>
+              <a:rPr lang="en-US" altLang="zh-CN" sz="2000" b="1" dirty="0" err="1">
                 <a:solidFill>
                   <a:schemeClr val="folHlink"/>
                 </a:solidFill>
                 <a:latin typeface="Courier New" panose="02070309020205020404" pitchFamily="49" charset="0"/>
                 <a:sym typeface="Euclid Extra" pitchFamily="18" charset="2"/>
               </a:rPr>
+              <a:t>List_t</a:t>
+            </a:r>
+            <a:r>
+              <a:rPr lang="en-US" altLang="zh-CN" sz="2000" b="1" dirty="0">
+                <a:solidFill>
+                  <a:schemeClr val="folHlink"/>
+                </a:solidFill>
+                <a:latin typeface="Courier New" panose="02070309020205020404" pitchFamily="49" charset="0"/>
+                <a:sym typeface="Euclid Extra" pitchFamily="18" charset="2"/>
+              </a:rPr>
+              <a:t>{</a:t>
+            </a:r>
+          </a:p>
+          <a:p>
+            <a:pPr>
+              <a:buFont typeface="Wingdings" pitchFamily="2" charset="2"/>
+              <a:buNone/>
+            </a:pPr>
+            <a:r>
+              <a:rPr lang="en-US" altLang="zh-CN" sz="2000" b="1" dirty="0">
+                <a:solidFill>
+                  <a:schemeClr val="folHlink"/>
+                </a:solidFill>
+                <a:latin typeface="Courier New" panose="02070309020205020404" pitchFamily="49" charset="0"/>
+                <a:sym typeface="Euclid Extra" pitchFamily="18" charset="2"/>
+              </a:rPr>
               <a:t>  </a:t>
             </a:r>
             <a:r>
-              <a:rPr lang="en-US" altLang="zh-CN" sz="2000" b="1">
+              <a:rPr lang="en-US" altLang="zh-CN" sz="2000" b="1" dirty="0">
                 <a:solidFill>
                   <a:schemeClr val="hlink"/>
                 </a:solidFill>
@@ -9033,7 +9191,7 @@
               <a:t>void *</a:t>
             </a:r>
             <a:r>
-              <a:rPr lang="en-US" altLang="zh-CN" sz="2000" b="1">
+              <a:rPr lang="en-US" altLang="zh-CN" sz="2000" b="1" dirty="0">
                 <a:solidFill>
                   <a:schemeClr val="folHlink"/>
                 </a:solidFill>
@@ -9049,29 +9207,49 @@
               <a:buNone/>
             </a:pPr>
             <a:r>
-              <a:rPr lang="en-US" altLang="zh-CN" sz="2000" b="1">
+              <a:rPr lang="zh-CN" altLang="en-US" sz="2000" b="1" dirty="0">
                 <a:solidFill>
                   <a:schemeClr val="folHlink"/>
                 </a:solidFill>
                 <a:latin typeface="Courier New" panose="02070309020205020404" pitchFamily="49" charset="0"/>
                 <a:sym typeface="Euclid Extra" pitchFamily="18" charset="2"/>
               </a:rPr>
-              <a:t>  struct List_t *next;</a:t>
-            </a:r>
-          </a:p>
-          <a:p>
-            <a:pPr>
-              <a:buFont typeface="Wingdings" pitchFamily="2" charset="2"/>
-              <a:buNone/>
-            </a:pPr>
-            <a:r>
-              <a:rPr lang="en-US" altLang="zh-CN" sz="2000" b="1">
+              <a:t>  </a:t>
+            </a:r>
+            <a:r>
+              <a:rPr lang="en-US" altLang="zh-CN" sz="2000" b="1" dirty="0" err="1">
                 <a:solidFill>
                   <a:schemeClr val="folHlink"/>
                 </a:solidFill>
                 <a:latin typeface="Courier New" panose="02070309020205020404" pitchFamily="49" charset="0"/>
                 <a:sym typeface="Euclid Extra" pitchFamily="18" charset="2"/>
               </a:rPr>
+              <a:t>List_t</a:t>
+            </a:r>
+            <a:r>
+              <a:rPr lang="en-US" altLang="zh-CN" sz="2000" b="1" dirty="0">
+                <a:solidFill>
+                  <a:schemeClr val="folHlink"/>
+                </a:solidFill>
+                <a:latin typeface="Courier New" panose="02070309020205020404" pitchFamily="49" charset="0"/>
+                <a:sym typeface="Euclid Extra" pitchFamily="18" charset="2"/>
+              </a:rPr>
+              <a:t> next;</a:t>
+            </a:r>
+          </a:p>
+          <a:p>
+            <a:pPr>
+              <a:buFont typeface="Wingdings" pitchFamily="2" charset="2"/>
+              <a:buNone/>
+            </a:pPr>
+            <a:r>
+              <a:rPr lang="en-US" altLang="zh-CN" sz="2000" b="1" dirty="0">
+                <a:solidFill>
+                  <a:schemeClr val="folHlink"/>
+                </a:solidFill>
+                <a:latin typeface="Courier New" panose="02070309020205020404" pitchFamily="49" charset="0"/>
+                <a:sym typeface="Euclid Extra" pitchFamily="18" charset="2"/>
+              </a:rPr>
               <a:t>};</a:t>
             </a:r>
           </a:p>
@@ -9080,7 +9258,7 @@
               <a:buFont typeface="Wingdings" pitchFamily="2" charset="2"/>
               <a:buNone/>
             </a:pPr>
-            <a:endParaRPr lang="en-US" altLang="zh-CN" sz="2000" b="1">
+            <a:endParaRPr lang="en-US" altLang="zh-CN" sz="2000" b="1" dirty="0">
               <a:solidFill>
                 <a:schemeClr val="folHlink"/>
               </a:solidFill>
@@ -9094,7 +9272,7 @@
               <a:buNone/>
             </a:pPr>
             <a:r>
-              <a:rPr lang="en-US" altLang="zh-CN" sz="2000" b="1">
+              <a:rPr lang="en-US" altLang="zh-CN" sz="2000" b="1" dirty="0">
                 <a:latin typeface="Courier New" panose="02070309020205020404" pitchFamily="49" charset="0"/>
                 <a:sym typeface="Euclid Extra" pitchFamily="18" charset="2"/>
               </a:rPr>
@@ -9187,7 +9365,7 @@
             <a:r>
               <a:rPr lang="en-US" altLang="zh-CN" sz="2000" b="1" dirty="0">
                 <a:solidFill>
-                  <a:schemeClr val="folHlink"/>
+                  <a:srgbClr val="0432FF"/>
                 </a:solidFill>
                 <a:latin typeface="Courier New" panose="02070309020205020404" pitchFamily="49" charset="0"/>
               </a:rPr>
@@ -9224,12 +9402,21 @@
                 </a:solidFill>
                 <a:latin typeface="Courier New" panose="02070309020205020404" pitchFamily="49" charset="0"/>
               </a:rPr>
-              <a:t>  for(int </a:t>
+              <a:t>  </a:t>
+            </a:r>
+            <a:r>
+              <a:rPr lang="en-US" altLang="zh-CN" sz="2000" b="1" dirty="0">
+                <a:solidFill>
+                  <a:srgbClr val="0432FF"/>
+                </a:solidFill>
+                <a:latin typeface="Courier New" panose="02070309020205020404" pitchFamily="49" charset="0"/>
+              </a:rPr>
+              <a:t>for(int </a:t>
             </a:r>
             <a:r>
               <a:rPr lang="en-US" altLang="zh-CN" sz="2000" b="1" dirty="0" err="1">
                 <a:solidFill>
-                  <a:schemeClr val="folHlink"/>
+                  <a:srgbClr val="0432FF"/>
                 </a:solidFill>
                 <a:latin typeface="Courier New" panose="02070309020205020404" pitchFamily="49" charset="0"/>
               </a:rPr>
@@ -9238,7 +9425,7 @@
             <a:r>
               <a:rPr lang="en-US" altLang="zh-CN" sz="2000" b="1" dirty="0">
                 <a:solidFill>
-                  <a:schemeClr val="folHlink"/>
+                  <a:srgbClr val="0432FF"/>
                 </a:solidFill>
                 <a:latin typeface="Courier New" panose="02070309020205020404" pitchFamily="49" charset="0"/>
               </a:rPr>
@@ -9247,7 +9434,7 @@
             <a:r>
               <a:rPr lang="en-US" altLang="zh-CN" sz="2000" b="1" dirty="0" err="1">
                 <a:solidFill>
-                  <a:schemeClr val="folHlink"/>
+                  <a:srgbClr val="0432FF"/>
                 </a:solidFill>
                 <a:latin typeface="Courier New" panose="02070309020205020404" pitchFamily="49" charset="0"/>
               </a:rPr>
@@ -9256,7 +9443,7 @@
             <a:r>
               <a:rPr lang="en-US" altLang="zh-CN" sz="2000" b="1" dirty="0">
                 <a:solidFill>
-                  <a:schemeClr val="folHlink"/>
+                  <a:srgbClr val="0432FF"/>
                 </a:solidFill>
                 <a:latin typeface="Courier New" panose="02070309020205020404" pitchFamily="49" charset="0"/>
               </a:rPr>
@@ -9265,7 +9452,7 @@
             <a:r>
               <a:rPr lang="en-US" altLang="zh-CN" sz="2000" b="1" dirty="0" err="1">
                 <a:solidFill>
-                  <a:schemeClr val="folHlink"/>
+                  <a:srgbClr val="0432FF"/>
                 </a:solidFill>
                 <a:latin typeface="Courier New" panose="02070309020205020404" pitchFamily="49" charset="0"/>
               </a:rPr>
@@ -9274,7 +9461,7 @@
             <a:r>
               <a:rPr lang="en-US" altLang="zh-CN" sz="2000" b="1" dirty="0">
                 <a:solidFill>
-                  <a:schemeClr val="folHlink"/>
+                  <a:srgbClr val="0432FF"/>
                 </a:solidFill>
                 <a:latin typeface="Courier New" panose="02070309020205020404" pitchFamily="49" charset="0"/>
               </a:rPr>
@@ -9292,16 +9479,43 @@
             <a:r>
               <a:rPr lang="en-US" altLang="zh-CN" sz="2000" b="1" dirty="0">
                 <a:solidFill>
-                  <a:schemeClr val="folHlink"/>
-                </a:solidFill>
-                <a:latin typeface="Courier New" panose="02070309020205020404" pitchFamily="49" charset="0"/>
-              </a:rPr>
-              <a:t>    int *p = malloc(</a:t>
+                  <a:srgbClr val="0432FF"/>
+                </a:solidFill>
+                <a:latin typeface="Courier New" panose="02070309020205020404" pitchFamily="49" charset="0"/>
+              </a:rPr>
+              <a:t>    int *p = </a:t>
             </a:r>
             <a:r>
               <a:rPr lang="en-US" altLang="zh-CN" sz="2000" b="1" dirty="0" err="1">
                 <a:solidFill>
-                  <a:schemeClr val="folHlink"/>
+                  <a:srgbClr val="0432FF"/>
+                </a:solidFill>
+                <a:latin typeface="Courier New" panose="02070309020205020404" pitchFamily="49" charset="0"/>
+              </a:rPr>
+              <a:t>calloc</a:t>
+            </a:r>
+            <a:r>
+              <a:rPr lang="en-US" altLang="zh-CN" sz="2000" b="1" dirty="0">
+                <a:solidFill>
+                  <a:srgbClr val="0432FF"/>
+                </a:solidFill>
+                <a:latin typeface="Courier New" panose="02070309020205020404" pitchFamily="49" charset="0"/>
+              </a:rPr>
+              <a:t>(1,</a:t>
+            </a:r>
+            <a:r>
+              <a:rPr lang="zh-CN" altLang="en-US" sz="2000" b="1" dirty="0">
+                <a:solidFill>
+                  <a:srgbClr val="0432FF"/>
+                </a:solidFill>
+                <a:latin typeface="Courier New" panose="02070309020205020404" pitchFamily="49" charset="0"/>
+              </a:rPr>
+              <a:t> </a:t>
+            </a:r>
+            <a:r>
+              <a:rPr lang="en-US" altLang="zh-CN" sz="2000" b="1" dirty="0" err="1">
+                <a:solidFill>
+                  <a:srgbClr val="0432FF"/>
                 </a:solidFill>
                 <a:latin typeface="Courier New" panose="02070309020205020404" pitchFamily="49" charset="0"/>
               </a:rPr>
@@ -9310,7 +9524,7 @@
             <a:r>
               <a:rPr lang="en-US" altLang="zh-CN" sz="2000" b="1" dirty="0">
                 <a:solidFill>
-                  <a:schemeClr val="folHlink"/>
+                  <a:srgbClr val="0432FF"/>
                 </a:solidFill>
                 <a:latin typeface="Courier New" panose="02070309020205020404" pitchFamily="49" charset="0"/>
               </a:rPr>
@@ -9328,7 +9542,7 @@
             <a:r>
               <a:rPr lang="en-US" altLang="zh-CN" sz="2000" b="1" dirty="0">
                 <a:solidFill>
-                  <a:schemeClr val="folHlink"/>
+                  <a:srgbClr val="0432FF"/>
                 </a:solidFill>
                 <a:latin typeface="Courier New" panose="02070309020205020404" pitchFamily="49" charset="0"/>
               </a:rPr>
@@ -9337,7 +9551,7 @@
             <a:r>
               <a:rPr lang="en-US" altLang="zh-CN" sz="2000" b="1" dirty="0" err="1">
                 <a:solidFill>
-                  <a:schemeClr val="folHlink"/>
+                  <a:srgbClr val="0432FF"/>
                 </a:solidFill>
                 <a:latin typeface="Courier New" panose="02070309020205020404" pitchFamily="49" charset="0"/>
               </a:rPr>
@@ -9346,7 +9560,7 @@
             <a:r>
               <a:rPr lang="en-US" altLang="zh-CN" sz="2000" b="1" dirty="0">
                 <a:solidFill>
-                  <a:schemeClr val="folHlink"/>
+                  <a:srgbClr val="0432FF"/>
                 </a:solidFill>
                 <a:latin typeface="Courier New" panose="02070309020205020404" pitchFamily="49" charset="0"/>
               </a:rPr>
@@ -9364,7 +9578,7 @@
             <a:r>
               <a:rPr lang="en-US" altLang="zh-CN" sz="2000" b="1" dirty="0">
                 <a:solidFill>
-                  <a:schemeClr val="folHlink"/>
+                  <a:srgbClr val="0432FF"/>
                 </a:solidFill>
                 <a:latin typeface="Courier New" panose="02070309020205020404" pitchFamily="49" charset="0"/>
               </a:rPr>
@@ -9373,7 +9587,7 @@
             <a:r>
               <a:rPr lang="en-US" altLang="zh-CN" sz="2000" b="1" dirty="0" err="1">
                 <a:solidFill>
-                  <a:schemeClr val="folHlink"/>
+                  <a:srgbClr val="0432FF"/>
                 </a:solidFill>
                 <a:latin typeface="Courier New" panose="02070309020205020404" pitchFamily="49" charset="0"/>
               </a:rPr>
@@ -9382,7 +9596,7 @@
             <a:r>
               <a:rPr lang="en-US" altLang="zh-CN" sz="2000" b="1" dirty="0">
                 <a:solidFill>
-                  <a:schemeClr val="folHlink"/>
+                  <a:srgbClr val="0432FF"/>
                 </a:solidFill>
                 <a:latin typeface="Courier New" panose="02070309020205020404" pitchFamily="49" charset="0"/>
               </a:rPr>
@@ -9400,7 +9614,7 @@
             <a:r>
               <a:rPr lang="en-US" altLang="zh-CN" sz="2000" b="1" dirty="0">
                 <a:solidFill>
-                  <a:schemeClr val="folHlink"/>
+                  <a:srgbClr val="0432FF"/>
                 </a:solidFill>
                 <a:latin typeface="Courier New" panose="02070309020205020404" pitchFamily="49" charset="0"/>
               </a:rPr>
@@ -9439,7 +9653,7 @@
             <a:r>
               <a:rPr lang="en-US" altLang="zh-CN" sz="2000" b="1" dirty="0">
                 <a:solidFill>
-                  <a:schemeClr val="folHlink"/>
+                  <a:srgbClr val="0432FF"/>
                 </a:solidFill>
                 <a:latin typeface="Courier New" panose="02070309020205020404" pitchFamily="49" charset="0"/>
               </a:rPr>
@@ -9448,7 +9662,7 @@
             <a:r>
               <a:rPr lang="en-US" altLang="zh-CN" sz="2000" b="1" dirty="0" err="1">
                 <a:solidFill>
-                  <a:schemeClr val="folHlink"/>
+                  <a:srgbClr val="0432FF"/>
                 </a:solidFill>
                 <a:latin typeface="Courier New" panose="02070309020205020404" pitchFamily="49" charset="0"/>
               </a:rPr>
@@ -9457,7 +9671,7 @@
             <a:r>
               <a:rPr lang="en-US" altLang="zh-CN" sz="2000" b="1" dirty="0">
                 <a:solidFill>
-                  <a:schemeClr val="folHlink"/>
+                  <a:srgbClr val="0432FF"/>
                 </a:solidFill>
                 <a:latin typeface="Courier New" panose="02070309020205020404" pitchFamily="49" charset="0"/>
               </a:rPr>
@@ -9466,7 +9680,7 @@
             <a:r>
               <a:rPr lang="en-US" altLang="zh-CN" sz="2000" b="1" dirty="0" err="1">
                 <a:solidFill>
-                  <a:schemeClr val="folHlink"/>
+                  <a:srgbClr val="0432FF"/>
                 </a:solidFill>
                 <a:latin typeface="Courier New" panose="02070309020205020404" pitchFamily="49" charset="0"/>
               </a:rPr>
@@ -9475,7 +9689,7 @@
             <a:r>
               <a:rPr lang="en-US" altLang="zh-CN" sz="2000" b="1" dirty="0">
                 <a:solidFill>
-                  <a:schemeClr val="folHlink"/>
+                  <a:srgbClr val="0432FF"/>
                 </a:solidFill>
                 <a:latin typeface="Courier New" panose="02070309020205020404" pitchFamily="49" charset="0"/>
               </a:rPr>
@@ -9484,7 +9698,7 @@
             <a:r>
               <a:rPr lang="en-US" altLang="zh-CN" sz="2000" b="1" dirty="0" err="1">
                 <a:solidFill>
-                  <a:schemeClr val="folHlink"/>
+                  <a:srgbClr val="0432FF"/>
                 </a:solidFill>
                 <a:latin typeface="Courier New" panose="02070309020205020404" pitchFamily="49" charset="0"/>
               </a:rPr>
@@ -9493,7 +9707,7 @@
             <a:r>
               <a:rPr lang="en-US" altLang="zh-CN" sz="2000" b="1" dirty="0">
                 <a:solidFill>
-                  <a:schemeClr val="folHlink"/>
+                  <a:srgbClr val="0432FF"/>
                 </a:solidFill>
                 <a:latin typeface="Courier New" panose="02070309020205020404" pitchFamily="49" charset="0"/>
               </a:rPr>
@@ -9511,16 +9725,43 @@
             <a:r>
               <a:rPr lang="en-US" altLang="zh-CN" sz="2000" b="1" dirty="0">
                 <a:solidFill>
-                  <a:schemeClr val="folHlink"/>
-                </a:solidFill>
-                <a:latin typeface="Courier New" panose="02070309020205020404" pitchFamily="49" charset="0"/>
-              </a:rPr>
-              <a:t>    double *p = malloc(</a:t>
+                  <a:srgbClr val="0432FF"/>
+                </a:solidFill>
+                <a:latin typeface="Courier New" panose="02070309020205020404" pitchFamily="49" charset="0"/>
+              </a:rPr>
+              <a:t>    double *p = </a:t>
             </a:r>
             <a:r>
               <a:rPr lang="en-US" altLang="zh-CN" sz="2000" b="1" dirty="0" err="1">
                 <a:solidFill>
-                  <a:schemeClr val="folHlink"/>
+                  <a:srgbClr val="0432FF"/>
+                </a:solidFill>
+                <a:latin typeface="Courier New" panose="02070309020205020404" pitchFamily="49" charset="0"/>
+              </a:rPr>
+              <a:t>calloc</a:t>
+            </a:r>
+            <a:r>
+              <a:rPr lang="en-US" altLang="zh-CN" sz="2000" b="1" dirty="0">
+                <a:solidFill>
+                  <a:srgbClr val="0432FF"/>
+                </a:solidFill>
+                <a:latin typeface="Courier New" panose="02070309020205020404" pitchFamily="49" charset="0"/>
+              </a:rPr>
+              <a:t>(1,</a:t>
+            </a:r>
+            <a:r>
+              <a:rPr lang="zh-CN" altLang="en-US" sz="2000" b="1" dirty="0">
+                <a:solidFill>
+                  <a:srgbClr val="0432FF"/>
+                </a:solidFill>
+                <a:latin typeface="Courier New" panose="02070309020205020404" pitchFamily="49" charset="0"/>
+              </a:rPr>
+              <a:t> </a:t>
+            </a:r>
+            <a:r>
+              <a:rPr lang="en-US" altLang="zh-CN" sz="2000" b="1" dirty="0" err="1">
+                <a:solidFill>
+                  <a:srgbClr val="0432FF"/>
                 </a:solidFill>
                 <a:latin typeface="Courier New" panose="02070309020205020404" pitchFamily="49" charset="0"/>
               </a:rPr>
@@ -9529,7 +9770,7 @@
             <a:r>
               <a:rPr lang="en-US" altLang="zh-CN" sz="2000" b="1" dirty="0">
                 <a:solidFill>
-                  <a:schemeClr val="folHlink"/>
+                  <a:srgbClr val="0432FF"/>
                 </a:solidFill>
                 <a:latin typeface="Courier New" panose="02070309020205020404" pitchFamily="49" charset="0"/>
               </a:rPr>
@@ -9547,7 +9788,7 @@
             <a:r>
               <a:rPr lang="en-US" altLang="zh-CN" sz="2000" b="1" dirty="0">
                 <a:solidFill>
-                  <a:schemeClr val="folHlink"/>
+                  <a:srgbClr val="0432FF"/>
                 </a:solidFill>
                 <a:latin typeface="Courier New" panose="02070309020205020404" pitchFamily="49" charset="0"/>
               </a:rPr>
@@ -9556,7 +9797,7 @@
             <a:r>
               <a:rPr lang="en-US" altLang="zh-CN" sz="2000" b="1" dirty="0" err="1">
                 <a:solidFill>
-                  <a:schemeClr val="folHlink"/>
+                  <a:srgbClr val="0432FF"/>
                 </a:solidFill>
                 <a:latin typeface="Courier New" panose="02070309020205020404" pitchFamily="49" charset="0"/>
               </a:rPr>
@@ -9565,7 +9806,7 @@
             <a:r>
               <a:rPr lang="en-US" altLang="zh-CN" sz="2000" b="1" dirty="0">
                 <a:solidFill>
-                  <a:schemeClr val="folHlink"/>
+                  <a:srgbClr val="0432FF"/>
                 </a:solidFill>
                 <a:latin typeface="Courier New" panose="02070309020205020404" pitchFamily="49" charset="0"/>
               </a:rPr>
@@ -9583,7 +9824,7 @@
             <a:r>
               <a:rPr lang="en-US" altLang="zh-CN" sz="2000" b="1" dirty="0">
                 <a:solidFill>
-                  <a:schemeClr val="folHlink"/>
+                  <a:srgbClr val="0432FF"/>
                 </a:solidFill>
                 <a:latin typeface="Courier New" panose="02070309020205020404" pitchFamily="49" charset="0"/>
               </a:rPr>
@@ -9592,7 +9833,7 @@
             <a:r>
               <a:rPr lang="en-US" altLang="zh-CN" sz="2000" b="1" dirty="0" err="1">
                 <a:solidFill>
-                  <a:schemeClr val="folHlink"/>
+                  <a:srgbClr val="0432FF"/>
                 </a:solidFill>
                 <a:latin typeface="Courier New" panose="02070309020205020404" pitchFamily="49" charset="0"/>
               </a:rPr>
@@ -9601,7 +9842,7 @@
             <a:r>
               <a:rPr lang="en-US" altLang="zh-CN" sz="2000" b="1" dirty="0">
                 <a:solidFill>
-                  <a:schemeClr val="folHlink"/>
+                  <a:srgbClr val="0432FF"/>
                 </a:solidFill>
                 <a:latin typeface="Courier New" panose="02070309020205020404" pitchFamily="49" charset="0"/>
               </a:rPr>
@@ -9619,7 +9860,7 @@
             <a:r>
               <a:rPr lang="en-US" altLang="zh-CN" sz="2000" b="1" dirty="0">
                 <a:solidFill>
-                  <a:schemeClr val="folHlink"/>
+                  <a:srgbClr val="0432FF"/>
                 </a:solidFill>
                 <a:latin typeface="Courier New" panose="02070309020205020404" pitchFamily="49" charset="0"/>
               </a:rPr>
@@ -9636,6 +9877,9 @@
             </a:pPr>
             <a:r>
               <a:rPr lang="en-US" altLang="zh-CN" sz="2000" b="1" dirty="0">
+                <a:solidFill>
+                  <a:srgbClr val="0432FF"/>
+                </a:solidFill>
                 <a:latin typeface="Courier New" panose="02070309020205020404" pitchFamily="49" charset="0"/>
               </a:rPr>
               <a:t>}</a:t>
@@ -9878,13 +10122,13 @@
           <a:lstStyle/>
           <a:p>
             <a:r>
-              <a:rPr lang="en-US" altLang="zh-CN"/>
+              <a:rPr lang="en-US" altLang="zh-CN" dirty="0"/>
               <a:t>All pointer types can be treated as a subtype of </a:t>
             </a:r>
             <a:r>
-              <a:rPr lang="en-US" altLang="zh-CN">
-                <a:solidFill>
-                  <a:schemeClr val="folHlink"/>
+              <a:rPr lang="en-US" altLang="zh-CN" dirty="0">
+                <a:solidFill>
+                  <a:srgbClr val="0432FF"/>
                 </a:solidFill>
               </a:rPr>
               <a:t>void *</a:t>
@@ -9893,36 +10137,42 @@
           <a:p>
             <a:pPr lvl="1"/>
             <a:r>
-              <a:rPr lang="en-US" altLang="zh-CN"/>
-              <a:t>so we</a:t>
-            </a:r>
-            <a:r>
-              <a:rPr lang="en-US" altLang="zh-CN">
-                <a:latin typeface="Arial" panose="020B0604020202020204" pitchFamily="34" charset="0"/>
-              </a:rPr>
-              <a:t>’</a:t>
-            </a:r>
-            <a:r>
-              <a:rPr lang="en-US" altLang="zh-CN"/>
-              <a:t>d have to heap-allocate all objects to accompany this type</a:t>
-            </a:r>
-          </a:p>
-          <a:p>
-            <a:r>
-              <a:rPr lang="en-US" altLang="zh-CN"/>
+              <a:rPr lang="en-US" altLang="zh-CN" dirty="0"/>
+              <a:t>but</a:t>
+            </a:r>
+            <a:r>
+              <a:rPr lang="zh-CN" altLang="en-US" dirty="0"/>
+              <a:t> </a:t>
+            </a:r>
+            <a:r>
+              <a:rPr lang="en-US" altLang="zh-CN" dirty="0"/>
+              <a:t>we</a:t>
+            </a:r>
+            <a:r>
+              <a:rPr lang="zh-CN" altLang="en-US" dirty="0"/>
+              <a:t> </a:t>
+            </a:r>
+            <a:r>
+              <a:rPr lang="en-US" altLang="zh-CN" dirty="0"/>
+              <a:t>have to heap-allocate all objects to accompany this type</a:t>
+            </a:r>
+          </a:p>
+          <a:p>
+            <a:r>
+              <a:rPr lang="en-US" altLang="zh-CN" dirty="0"/>
               <a:t>Java or C# go even further: all objects are heap-allocated</a:t>
             </a:r>
           </a:p>
           <a:p>
             <a:pPr lvl="1"/>
             <a:r>
-              <a:rPr lang="en-US" altLang="zh-CN"/>
+              <a:rPr lang="en-US" altLang="zh-CN" dirty="0"/>
               <a:t>the most general type is </a:t>
             </a:r>
             <a:r>
-              <a:rPr lang="en-US" altLang="zh-CN">
-                <a:solidFill>
-                  <a:schemeClr val="folHlink"/>
+              <a:rPr lang="en-US" altLang="zh-CN" dirty="0">
+                <a:solidFill>
+                  <a:srgbClr val="0432FF"/>
                 </a:solidFill>
               </a:rPr>
               <a:t>Object</a:t>
@@ -9931,19 +10181,19 @@
           <a:p>
             <a:pPr lvl="1"/>
             <a:r>
-              <a:rPr lang="en-US" altLang="zh-CN"/>
+              <a:rPr lang="en-US" altLang="zh-CN" dirty="0"/>
               <a:t>this models Java </a:t>
             </a:r>
             <a:r>
-              <a:rPr lang="en-US" altLang="zh-CN">
-                <a:solidFill>
-                  <a:schemeClr val="folHlink"/>
+              <a:rPr lang="en-US" altLang="zh-CN" dirty="0">
+                <a:solidFill>
+                  <a:srgbClr val="0432FF"/>
                 </a:solidFill>
               </a:rPr>
               <a:t>generic</a:t>
             </a:r>
             <a:r>
-              <a:rPr lang="en-US" altLang="zh-CN"/>
+              <a:rPr lang="en-US" altLang="zh-CN" dirty="0"/>
               <a:t> honestly</a:t>
             </a:r>
           </a:p>
@@ -10132,8 +10382,32 @@
           <a:lstStyle/>
           <a:p>
             <a:r>
-              <a:rPr lang="en-US" altLang="zh-CN"/>
-              <a:t>Think abstractly</a:t>
+              <a:rPr lang="en-US" altLang="zh-CN" dirty="0"/>
+              <a:t>Polymorphism</a:t>
+            </a:r>
+            <a:r>
+              <a:rPr lang="zh-CN" altLang="en-US" dirty="0"/>
+              <a:t> </a:t>
+            </a:r>
+            <a:r>
+              <a:rPr lang="en-US" altLang="zh-CN" dirty="0"/>
+              <a:t>Enforces</a:t>
+            </a:r>
+            <a:r>
+              <a:rPr lang="zh-CN" altLang="en-US" dirty="0"/>
+              <a:t> </a:t>
+            </a:r>
+            <a:r>
+              <a:rPr lang="en-US" altLang="zh-CN" dirty="0"/>
+              <a:t>Abstract</a:t>
+            </a:r>
+            <a:r>
+              <a:rPr lang="zh-CN" altLang="en-US" dirty="0"/>
+              <a:t> </a:t>
+            </a:r>
+            <a:r>
+              <a:rPr lang="en-US" altLang="zh-CN" dirty="0"/>
+              <a:t>Think</a:t>
             </a:r>
           </a:p>
         </p:txBody>
@@ -10169,7 +10443,7 @@
             <a:r>
               <a:rPr lang="en-US" altLang="zh-CN" sz="2000" b="1" dirty="0">
                 <a:solidFill>
-                  <a:schemeClr val="folHlink"/>
+                  <a:srgbClr val="0432FF"/>
                 </a:solidFill>
                 <a:latin typeface="Courier New" panose="02070309020205020404" pitchFamily="49" charset="0"/>
                 <a:sym typeface="Euclid Extra" pitchFamily="18" charset="2"/>
@@ -10179,7 +10453,7 @@
             <a:r>
               <a:rPr lang="en-US" altLang="zh-CN" sz="2000" b="1" dirty="0" err="1">
                 <a:solidFill>
-                  <a:schemeClr val="folHlink"/>
+                  <a:srgbClr val="0432FF"/>
                 </a:solidFill>
                 <a:latin typeface="Courier New" panose="02070309020205020404" pitchFamily="49" charset="0"/>
                 <a:sym typeface="Euclid Extra" pitchFamily="18" charset="2"/>
@@ -10189,7 +10463,7 @@
             <a:r>
               <a:rPr lang="en-US" altLang="zh-CN" sz="2000" b="1" dirty="0">
                 <a:solidFill>
-                  <a:schemeClr val="folHlink"/>
+                  <a:srgbClr val="0432FF"/>
                 </a:solidFill>
                 <a:latin typeface="Courier New" panose="02070309020205020404" pitchFamily="49" charset="0"/>
                 <a:sym typeface="Euclid Extra" pitchFamily="18" charset="2"/>
@@ -10208,7 +10482,7 @@
             <a:r>
               <a:rPr lang="en-US" altLang="zh-CN" sz="2000" b="1" dirty="0">
                 <a:solidFill>
-                  <a:schemeClr val="folHlink"/>
+                  <a:srgbClr val="0432FF"/>
                 </a:solidFill>
                 <a:latin typeface="Courier New" panose="02070309020205020404" pitchFamily="49" charset="0"/>
                 <a:sym typeface="Euclid Extra" pitchFamily="18" charset="2"/>
@@ -10225,19 +10499,19 @@
               <a:buNone/>
             </a:pPr>
             <a:r>
-              <a:rPr lang="en-US" altLang="zh-CN" sz="2000" b="1" dirty="0">
-                <a:solidFill>
-                  <a:schemeClr val="folHlink"/>
-                </a:solidFill>
-                <a:latin typeface="Courier New" panose="02070309020205020404" pitchFamily="49" charset="0"/>
-                <a:sym typeface="Euclid Extra" pitchFamily="18" charset="2"/>
-              </a:rPr>
-              <a:t>  struct </a:t>
+              <a:rPr lang="zh-CN" altLang="en-US" sz="2000" b="1" dirty="0">
+                <a:solidFill>
+                  <a:srgbClr val="0432FF"/>
+                </a:solidFill>
+                <a:latin typeface="Courier New" panose="02070309020205020404" pitchFamily="49" charset="0"/>
+                <a:sym typeface="Euclid Extra" pitchFamily="18" charset="2"/>
+              </a:rPr>
+              <a:t>  </a:t>
             </a:r>
             <a:r>
               <a:rPr lang="en-US" altLang="zh-CN" sz="2000" b="1" dirty="0" err="1">
                 <a:solidFill>
-                  <a:schemeClr val="folHlink"/>
+                  <a:srgbClr val="0432FF"/>
                 </a:solidFill>
                 <a:latin typeface="Courier New" panose="02070309020205020404" pitchFamily="49" charset="0"/>
                 <a:sym typeface="Euclid Extra" pitchFamily="18" charset="2"/>
@@ -10247,12 +10521,12 @@
             <a:r>
               <a:rPr lang="en-US" altLang="zh-CN" sz="2000" b="1" dirty="0">
                 <a:solidFill>
-                  <a:schemeClr val="folHlink"/>
-                </a:solidFill>
-                <a:latin typeface="Courier New" panose="02070309020205020404" pitchFamily="49" charset="0"/>
-                <a:sym typeface="Euclid Extra" pitchFamily="18" charset="2"/>
-              </a:rPr>
-              <a:t> *next;</a:t>
+                  <a:srgbClr val="0432FF"/>
+                </a:solidFill>
+                <a:latin typeface="Courier New" panose="02070309020205020404" pitchFamily="49" charset="0"/>
+                <a:sym typeface="Euclid Extra" pitchFamily="18" charset="2"/>
+              </a:rPr>
+              <a:t> next;</a:t>
             </a:r>
           </a:p>
           <a:p>
@@ -10266,7 +10540,7 @@
             <a:r>
               <a:rPr lang="en-US" altLang="zh-CN" sz="2000" b="1" dirty="0">
                 <a:solidFill>
-                  <a:schemeClr val="folHlink"/>
+                  <a:srgbClr val="0432FF"/>
                 </a:solidFill>
                 <a:latin typeface="Courier New" panose="02070309020205020404" pitchFamily="49" charset="0"/>
                 <a:sym typeface="Euclid Extra" pitchFamily="18" charset="2"/>
@@ -10317,7 +10591,7 @@
             <a:r>
               <a:rPr lang="en-US" altLang="zh-CN" sz="2000" b="1" dirty="0">
                 <a:solidFill>
-                  <a:schemeClr val="folHlink"/>
+                  <a:srgbClr val="0432FF"/>
                 </a:solidFill>
                 <a:latin typeface="Courier New" panose="02070309020205020404" pitchFamily="49" charset="0"/>
                 <a:sym typeface="Euclid Extra" pitchFamily="18" charset="2"/>
@@ -10327,7 +10601,7 @@
             <a:r>
               <a:rPr lang="en-US" altLang="zh-CN" sz="2000" b="1" dirty="0" err="1">
                 <a:solidFill>
-                  <a:schemeClr val="folHlink"/>
+                  <a:srgbClr val="0432FF"/>
                 </a:solidFill>
                 <a:latin typeface="Courier New" panose="02070309020205020404" pitchFamily="49" charset="0"/>
                 <a:sym typeface="Euclid Extra" pitchFamily="18" charset="2"/>
@@ -10337,19 +10611,12 @@
             <a:r>
               <a:rPr lang="en-US" altLang="zh-CN" sz="2000" b="1" dirty="0">
                 <a:solidFill>
-                  <a:schemeClr val="folHlink"/>
-                </a:solidFill>
-                <a:latin typeface="Courier New" panose="02070309020205020404" pitchFamily="49" charset="0"/>
-                <a:sym typeface="Euclid Extra" pitchFamily="18" charset="2"/>
-              </a:rPr>
-              <a:t> l, int x);</a:t>
-            </a:r>
-            <a:r>
-              <a:rPr lang="en-US" altLang="zh-CN" sz="2000" b="1" dirty="0">
-                <a:latin typeface="Courier New" panose="02070309020205020404" pitchFamily="49" charset="0"/>
-                <a:sym typeface="Euclid Extra" pitchFamily="18" charset="2"/>
-              </a:rPr>
-              <a:t> </a:t>
+                  <a:srgbClr val="0432FF"/>
+                </a:solidFill>
+                <a:latin typeface="Courier New" panose="02070309020205020404" pitchFamily="49" charset="0"/>
+                <a:sym typeface="Euclid Extra" pitchFamily="18" charset="2"/>
+              </a:rPr>
+              <a:t> l, int x); </a:t>
             </a:r>
           </a:p>
           <a:p>
@@ -10365,7 +10632,77 @@
                 <a:latin typeface="Courier New" panose="02070309020205020404" pitchFamily="49" charset="0"/>
                 <a:sym typeface="Euclid Extra" pitchFamily="18" charset="2"/>
               </a:rPr>
-              <a:t>// Or this function?</a:t>
+              <a:t>// Or this function</a:t>
+            </a:r>
+            <a:r>
+              <a:rPr lang="zh-CN" altLang="en-US" sz="2000" b="1" dirty="0">
+                <a:latin typeface="Courier New" panose="02070309020205020404" pitchFamily="49" charset="0"/>
+                <a:sym typeface="Euclid Extra" pitchFamily="18" charset="2"/>
+              </a:rPr>
+              <a:t> </a:t>
+            </a:r>
+            <a:r>
+              <a:rPr lang="en-US" altLang="zh-CN" sz="2000" b="1" dirty="0">
+                <a:latin typeface="Courier New" panose="02070309020205020404" pitchFamily="49" charset="0"/>
+                <a:sym typeface="Euclid Extra" pitchFamily="18" charset="2"/>
+              </a:rPr>
+              <a:t>to</a:t>
+            </a:r>
+            <a:r>
+              <a:rPr lang="zh-CN" altLang="en-US" sz="2000" b="1" dirty="0">
+                <a:latin typeface="Courier New" panose="02070309020205020404" pitchFamily="49" charset="0"/>
+                <a:sym typeface="Euclid Extra" pitchFamily="18" charset="2"/>
+              </a:rPr>
+              <a:t> </a:t>
+            </a:r>
+            <a:r>
+              <a:rPr lang="en-US" altLang="zh-CN" sz="2000" b="1" dirty="0">
+                <a:latin typeface="Courier New" panose="02070309020205020404" pitchFamily="49" charset="0"/>
+                <a:sym typeface="Euclid Extra" pitchFamily="18" charset="2"/>
+              </a:rPr>
+              <a:t>sum</a:t>
+            </a:r>
+            <a:r>
+              <a:rPr lang="zh-CN" altLang="en-US" sz="2000" b="1" dirty="0">
+                <a:latin typeface="Courier New" panose="02070309020205020404" pitchFamily="49" charset="0"/>
+                <a:sym typeface="Euclid Extra" pitchFamily="18" charset="2"/>
+              </a:rPr>
+              <a:t> </a:t>
+            </a:r>
+            <a:r>
+              <a:rPr lang="en-US" altLang="zh-CN" sz="2000" b="1" dirty="0">
+                <a:latin typeface="Courier New" panose="02070309020205020404" pitchFamily="49" charset="0"/>
+                <a:sym typeface="Euclid Extra" pitchFamily="18" charset="2"/>
+              </a:rPr>
+              <a:t>up</a:t>
+            </a:r>
+            <a:r>
+              <a:rPr lang="zh-CN" altLang="en-US" sz="2000" b="1" dirty="0">
+                <a:latin typeface="Courier New" panose="02070309020205020404" pitchFamily="49" charset="0"/>
+                <a:sym typeface="Euclid Extra" pitchFamily="18" charset="2"/>
+              </a:rPr>
+              <a:t> </a:t>
+            </a:r>
+            <a:r>
+              <a:rPr lang="en-US" altLang="zh-CN" sz="2000" b="1" dirty="0">
+                <a:latin typeface="Courier New" panose="02070309020205020404" pitchFamily="49" charset="0"/>
+                <a:sym typeface="Euclid Extra" pitchFamily="18" charset="2"/>
+              </a:rPr>
+              <a:t>all</a:t>
+            </a:r>
+            <a:r>
+              <a:rPr lang="zh-CN" altLang="en-US" sz="2000" b="1" dirty="0">
+                <a:latin typeface="Courier New" panose="02070309020205020404" pitchFamily="49" charset="0"/>
+                <a:sym typeface="Euclid Extra" pitchFamily="18" charset="2"/>
+              </a:rPr>
+              <a:t> </a:t>
+            </a:r>
+            <a:r>
+              <a:rPr lang="en-US" altLang="zh-CN" sz="2000" b="1" dirty="0">
+                <a:latin typeface="Courier New" panose="02070309020205020404" pitchFamily="49" charset="0"/>
+                <a:sym typeface="Euclid Extra" pitchFamily="18" charset="2"/>
+              </a:rPr>
+              <a:t>elements?</a:t>
             </a:r>
           </a:p>
           <a:p>
@@ -10379,7 +10716,7 @@
             <a:r>
               <a:rPr lang="en-US" altLang="zh-CN" sz="2000" b="1" dirty="0">
                 <a:solidFill>
-                  <a:schemeClr val="folHlink"/>
+                  <a:srgbClr val="0432FF"/>
                 </a:solidFill>
                 <a:latin typeface="Courier New" panose="02070309020205020404" pitchFamily="49" charset="0"/>
                 <a:sym typeface="Euclid Extra" pitchFamily="18" charset="2"/>
@@ -10389,7 +10726,7 @@
             <a:r>
               <a:rPr lang="en-US" altLang="zh-CN" sz="2000" b="1" dirty="0" err="1">
                 <a:solidFill>
-                  <a:schemeClr val="folHlink"/>
+                  <a:srgbClr val="0432FF"/>
                 </a:solidFill>
                 <a:latin typeface="Courier New" panose="02070309020205020404" pitchFamily="49" charset="0"/>
                 <a:sym typeface="Euclid Extra" pitchFamily="18" charset="2"/>
@@ -10399,7 +10736,7 @@
             <a:r>
               <a:rPr lang="en-US" altLang="zh-CN" sz="2000" b="1" dirty="0">
                 <a:solidFill>
-                  <a:schemeClr val="folHlink"/>
+                  <a:srgbClr val="0432FF"/>
                 </a:solidFill>
                 <a:latin typeface="Courier New" panose="02070309020205020404" pitchFamily="49" charset="0"/>
                 <a:sym typeface="Euclid Extra" pitchFamily="18" charset="2"/>
@@ -10409,7 +10746,7 @@
             <a:r>
               <a:rPr lang="en-US" altLang="zh-CN" sz="2000" b="1" dirty="0" err="1">
                 <a:solidFill>
-                  <a:schemeClr val="folHlink"/>
+                  <a:srgbClr val="0432FF"/>
                 </a:solidFill>
                 <a:latin typeface="Courier New" panose="02070309020205020404" pitchFamily="49" charset="0"/>
                 <a:sym typeface="Euclid Extra" pitchFamily="18" charset="2"/>
@@ -10419,7 +10756,7 @@
             <a:r>
               <a:rPr lang="en-US" altLang="zh-CN" sz="2000" b="1" dirty="0">
                 <a:solidFill>
-                  <a:schemeClr val="folHlink"/>
+                  <a:srgbClr val="0432FF"/>
                 </a:solidFill>
                 <a:latin typeface="Courier New" panose="02070309020205020404" pitchFamily="49" charset="0"/>
                 <a:sym typeface="Euclid Extra" pitchFamily="18" charset="2"/>
@@ -10440,7 +10777,63 @@
                 <a:latin typeface="Courier New" panose="02070309020205020404" pitchFamily="49" charset="0"/>
                 <a:sym typeface="Euclid Extra" pitchFamily="18" charset="2"/>
               </a:rPr>
-              <a:t>// Or this one?</a:t>
+              <a:t>// Or this one</a:t>
+            </a:r>
+            <a:r>
+              <a:rPr lang="zh-CN" altLang="en-US" sz="2000" b="1" dirty="0">
+                <a:latin typeface="Courier New" panose="02070309020205020404" pitchFamily="49" charset="0"/>
+                <a:sym typeface="Euclid Extra" pitchFamily="18" charset="2"/>
+              </a:rPr>
+              <a:t> </a:t>
+            </a:r>
+            <a:r>
+              <a:rPr lang="en-US" altLang="zh-CN" sz="2000" b="1" dirty="0">
+                <a:latin typeface="Courier New" panose="02070309020205020404" pitchFamily="49" charset="0"/>
+                <a:sym typeface="Euclid Extra" pitchFamily="18" charset="2"/>
+              </a:rPr>
+              <a:t>to</a:t>
+            </a:r>
+            <a:r>
+              <a:rPr lang="zh-CN" altLang="en-US" sz="2000" b="1" dirty="0">
+                <a:latin typeface="Courier New" panose="02070309020205020404" pitchFamily="49" charset="0"/>
+                <a:sym typeface="Euclid Extra" pitchFamily="18" charset="2"/>
+              </a:rPr>
+              <a:t> </a:t>
+            </a:r>
+            <a:r>
+              <a:rPr lang="en-US" altLang="zh-CN" sz="2000" b="1" dirty="0">
+                <a:latin typeface="Courier New" panose="02070309020205020404" pitchFamily="49" charset="0"/>
+                <a:sym typeface="Euclid Extra" pitchFamily="18" charset="2"/>
+              </a:rPr>
+              <a:t>print</a:t>
+            </a:r>
+            <a:r>
+              <a:rPr lang="zh-CN" altLang="en-US" sz="2000" b="1" dirty="0">
+                <a:latin typeface="Courier New" panose="02070309020205020404" pitchFamily="49" charset="0"/>
+                <a:sym typeface="Euclid Extra" pitchFamily="18" charset="2"/>
+              </a:rPr>
+              <a:t> </a:t>
+            </a:r>
+            <a:r>
+              <a:rPr lang="en-US" altLang="zh-CN" sz="2000" b="1" dirty="0">
+                <a:latin typeface="Courier New" panose="02070309020205020404" pitchFamily="49" charset="0"/>
+                <a:sym typeface="Euclid Extra" pitchFamily="18" charset="2"/>
+              </a:rPr>
+              <a:t>this</a:t>
+            </a:r>
+            <a:r>
+              <a:rPr lang="zh-CN" altLang="en-US" sz="2000" b="1" dirty="0">
+                <a:latin typeface="Courier New" panose="02070309020205020404" pitchFamily="49" charset="0"/>
+                <a:sym typeface="Euclid Extra" pitchFamily="18" charset="2"/>
+              </a:rPr>
+              <a:t> </a:t>
+            </a:r>
+            <a:r>
+              <a:rPr lang="en-US" altLang="zh-CN" sz="2000" b="1" dirty="0">
+                <a:latin typeface="Courier New" panose="02070309020205020404" pitchFamily="49" charset="0"/>
+                <a:sym typeface="Euclid Extra" pitchFamily="18" charset="2"/>
+              </a:rPr>
+              <a:t>list?</a:t>
             </a:r>
           </a:p>
           <a:p>
@@ -10454,7 +10847,7 @@
             <a:r>
               <a:rPr lang="en-US" altLang="zh-CN" sz="2000" b="1" dirty="0">
                 <a:solidFill>
-                  <a:schemeClr val="folHlink"/>
+                  <a:srgbClr val="0432FF"/>
                 </a:solidFill>
                 <a:latin typeface="Courier New" panose="02070309020205020404" pitchFamily="49" charset="0"/>
                 <a:sym typeface="Euclid Extra" pitchFamily="18" charset="2"/>
@@ -10464,7 +10857,7 @@
             <a:r>
               <a:rPr lang="en-US" altLang="zh-CN" sz="2000" b="1" dirty="0" err="1">
                 <a:solidFill>
-                  <a:schemeClr val="folHlink"/>
+                  <a:srgbClr val="0432FF"/>
                 </a:solidFill>
                 <a:latin typeface="Courier New" panose="02070309020205020404" pitchFamily="49" charset="0"/>
                 <a:sym typeface="Euclid Extra" pitchFamily="18" charset="2"/>
@@ -10474,7 +10867,7 @@
             <a:r>
               <a:rPr lang="en-US" altLang="zh-CN" sz="2000" b="1" dirty="0">
                 <a:solidFill>
-                  <a:schemeClr val="folHlink"/>
+                  <a:srgbClr val="0432FF"/>
                 </a:solidFill>
                 <a:latin typeface="Courier New" panose="02070309020205020404" pitchFamily="49" charset="0"/>
                 <a:sym typeface="Euclid Extra" pitchFamily="18" charset="2"/>
@@ -10907,17 +11300,37 @@
             <a:r>
               <a:rPr lang="en-US" altLang="zh-CN" sz="2000" b="1" dirty="0">
                 <a:solidFill>
-                  <a:schemeClr val="folHlink"/>
-                </a:solidFill>
-                <a:latin typeface="Courier New" panose="02070309020205020404" pitchFamily="49" charset="0"/>
-                <a:sym typeface="Euclid Extra" pitchFamily="18" charset="2"/>
-              </a:rPr>
-              <a:t>void print(</a:t>
+                  <a:srgbClr val="0432FF"/>
+                </a:solidFill>
+                <a:latin typeface="Courier New" panose="02070309020205020404" pitchFamily="49" charset="0"/>
+                <a:sym typeface="Euclid Extra" pitchFamily="18" charset="2"/>
+              </a:rPr>
+              <a:t>void </a:t>
             </a:r>
             <a:r>
               <a:rPr lang="en-US" altLang="zh-CN" sz="2000" b="1" dirty="0" err="1">
                 <a:solidFill>
-                  <a:schemeClr val="folHlink"/>
+                  <a:srgbClr val="0432FF"/>
+                </a:solidFill>
+                <a:latin typeface="Courier New" panose="02070309020205020404" pitchFamily="49" charset="0"/>
+                <a:sym typeface="Euclid Extra" pitchFamily="18" charset="2"/>
+              </a:rPr>
+              <a:t>List_print</a:t>
+            </a:r>
+            <a:r>
+              <a:rPr lang="en-US" altLang="zh-CN" sz="2000" b="1" dirty="0">
+                <a:solidFill>
+                  <a:srgbClr val="0432FF"/>
+                </a:solidFill>
+                <a:latin typeface="Courier New" panose="02070309020205020404" pitchFamily="49" charset="0"/>
+                <a:sym typeface="Euclid Extra" pitchFamily="18" charset="2"/>
+              </a:rPr>
+              <a:t>(</a:t>
+            </a:r>
+            <a:r>
+              <a:rPr lang="en-US" altLang="zh-CN" sz="2000" b="1" dirty="0" err="1">
+                <a:solidFill>
+                  <a:srgbClr val="0432FF"/>
                 </a:solidFill>
                 <a:latin typeface="Courier New" panose="02070309020205020404" pitchFamily="49" charset="0"/>
                 <a:sym typeface="Euclid Extra" pitchFamily="18" charset="2"/>
@@ -10927,7 +11340,7 @@
             <a:r>
               <a:rPr lang="en-US" altLang="zh-CN" sz="2000" b="1" dirty="0">
                 <a:solidFill>
-                  <a:schemeClr val="folHlink"/>
+                  <a:srgbClr val="0432FF"/>
                 </a:solidFill>
                 <a:latin typeface="Courier New" panose="02070309020205020404" pitchFamily="49" charset="0"/>
                 <a:sym typeface="Euclid Extra" pitchFamily="18" charset="2"/>
@@ -10943,7 +11356,7 @@
             <a:r>
               <a:rPr lang="en-US" altLang="zh-CN" sz="2000" b="1" dirty="0">
                 <a:solidFill>
-                  <a:schemeClr val="folHlink"/>
+                  <a:srgbClr val="0432FF"/>
                 </a:solidFill>
                 <a:latin typeface="Courier New" panose="02070309020205020404" pitchFamily="49" charset="0"/>
                 <a:sym typeface="Euclid Extra" pitchFamily="18" charset="2"/>
@@ -10953,7 +11366,7 @@
             <a:r>
               <a:rPr lang="en-US" altLang="zh-CN" sz="2000" b="1" dirty="0" err="1">
                 <a:solidFill>
-                  <a:schemeClr val="folHlink"/>
+                  <a:srgbClr val="0432FF"/>
                 </a:solidFill>
                 <a:latin typeface="Courier New" panose="02070309020205020404" pitchFamily="49" charset="0"/>
                 <a:sym typeface="Euclid Extra" pitchFamily="18" charset="2"/>
@@ -10963,7 +11376,7 @@
             <a:r>
               <a:rPr lang="en-US" altLang="zh-CN" sz="2000" b="1" dirty="0">
                 <a:solidFill>
-                  <a:schemeClr val="folHlink"/>
+                  <a:srgbClr val="0432FF"/>
                 </a:solidFill>
                 <a:latin typeface="Courier New" panose="02070309020205020404" pitchFamily="49" charset="0"/>
                 <a:sym typeface="Euclid Extra" pitchFamily="18" charset="2"/>
@@ -10979,7 +11392,7 @@
             <a:r>
               <a:rPr lang="en-US" altLang="zh-CN" sz="2000" b="1" dirty="0">
                 <a:solidFill>
-                  <a:schemeClr val="folHlink"/>
+                  <a:srgbClr val="0432FF"/>
                 </a:solidFill>
                 <a:latin typeface="Courier New" panose="02070309020205020404" pitchFamily="49" charset="0"/>
                 <a:sym typeface="Euclid Extra" pitchFamily="18" charset="2"/>
@@ -10995,7 +11408,7 @@
             <a:r>
               <a:rPr lang="en-US" altLang="zh-CN" sz="2000" b="1" dirty="0">
                 <a:solidFill>
-                  <a:schemeClr val="folHlink"/>
+                  <a:srgbClr val="0432FF"/>
                 </a:solidFill>
                 <a:latin typeface="Courier New" panose="02070309020205020404" pitchFamily="49" charset="0"/>
                 <a:sym typeface="Euclid Extra" pitchFamily="18" charset="2"/>
@@ -11005,7 +11418,7 @@
             <a:r>
               <a:rPr lang="en-US" altLang="zh-CN" sz="2000" b="1" dirty="0" err="1">
                 <a:solidFill>
-                  <a:schemeClr val="folHlink"/>
+                  <a:srgbClr val="0432FF"/>
                 </a:solidFill>
                 <a:latin typeface="Courier New" panose="02070309020205020404" pitchFamily="49" charset="0"/>
                 <a:sym typeface="Euclid Extra" pitchFamily="18" charset="2"/>
@@ -11015,7 +11428,7 @@
             <a:r>
               <a:rPr lang="en-US" altLang="zh-CN" sz="2000" b="1" dirty="0">
                 <a:solidFill>
-                  <a:schemeClr val="folHlink"/>
+                  <a:srgbClr val="0432FF"/>
                 </a:solidFill>
                 <a:latin typeface="Courier New" panose="02070309020205020404" pitchFamily="49" charset="0"/>
                 <a:sym typeface="Euclid Extra" pitchFamily="18" charset="2"/>
@@ -11031,7 +11444,7 @@
             <a:r>
               <a:rPr lang="en-US" altLang="zh-CN" sz="2000" b="1" dirty="0">
                 <a:solidFill>
-                  <a:schemeClr val="folHlink"/>
+                  <a:srgbClr val="0432FF"/>
                 </a:solidFill>
                 <a:latin typeface="Courier New" panose="02070309020205020404" pitchFamily="49" charset="0"/>
                 <a:sym typeface="Euclid Extra" pitchFamily="18" charset="2"/>
@@ -11047,7 +11460,7 @@
             <a:r>
               <a:rPr lang="en-US" altLang="zh-CN" sz="2000" b="1" dirty="0">
                 <a:solidFill>
-                  <a:schemeClr val="folHlink"/>
+                  <a:srgbClr val="0432FF"/>
                 </a:solidFill>
                 <a:latin typeface="Courier New" panose="02070309020205020404" pitchFamily="49" charset="0"/>
                 <a:sym typeface="Euclid Extra" pitchFamily="18" charset="2"/>
@@ -11063,7 +11476,7 @@
             <a:r>
               <a:rPr lang="en-US" altLang="zh-CN" sz="2000" b="1" dirty="0">
                 <a:solidFill>
-                  <a:schemeClr val="folHlink"/>
+                  <a:srgbClr val="0432FF"/>
                 </a:solidFill>
                 <a:latin typeface="Courier New" panose="02070309020205020404" pitchFamily="49" charset="0"/>
                 <a:sym typeface="Euclid Extra" pitchFamily="18" charset="2"/>
@@ -11079,17 +11492,13 @@
             <a:r>
               <a:rPr lang="en-US" altLang="zh-CN" sz="2000" b="1" dirty="0">
                 <a:solidFill>
-                  <a:schemeClr val="folHlink"/>
+                  <a:srgbClr val="0432FF"/>
                 </a:solidFill>
                 <a:latin typeface="Courier New" panose="02070309020205020404" pitchFamily="49" charset="0"/>
                 <a:sym typeface="Euclid Extra" pitchFamily="18" charset="2"/>
               </a:rPr>
               <a:t>}</a:t>
             </a:r>
-            <a:endParaRPr lang="en-US" altLang="zh-CN" sz="2000" b="1" dirty="0">
-              <a:latin typeface="Courier New" panose="02070309020205020404" pitchFamily="49" charset="0"/>
-              <a:sym typeface="Euclid Extra" pitchFamily="18" charset="2"/>
-            </a:endParaRPr>
           </a:p>
         </p:txBody>
       </p:sp>
@@ -11187,7 +11596,7 @@
             <a:r>
               <a:rPr lang="en-US" altLang="zh-CN" sz="2000" b="1" dirty="0">
                 <a:solidFill>
-                  <a:schemeClr val="folHlink"/>
+                  <a:srgbClr val="0432FF"/>
                 </a:solidFill>
                 <a:latin typeface="Courier New" panose="02070309020205020404" pitchFamily="49" charset="0"/>
                 <a:sym typeface="Euclid Extra" pitchFamily="18" charset="2"/>
@@ -11197,17 +11606,17 @@
             <a:r>
               <a:rPr lang="zh-CN" altLang="en-US" sz="2000" b="1" dirty="0">
                 <a:solidFill>
-                  <a:schemeClr val="folHlink"/>
-                </a:solidFill>
-                <a:latin typeface="Courier New" panose="02070309020205020404" pitchFamily="49" charset="0"/>
-                <a:sym typeface="Euclid Extra" pitchFamily="18" charset="2"/>
-              </a:rPr>
-              <a:t>      </a:t>
-            </a:r>
-            <a:r>
-              <a:rPr lang="en-US" altLang="zh-CN" sz="2000" b="1" dirty="0">
-                <a:solidFill>
-                  <a:schemeClr val="folHlink"/>
+                  <a:srgbClr val="0432FF"/>
+                </a:solidFill>
+                <a:latin typeface="Courier New" panose="02070309020205020404" pitchFamily="49" charset="0"/>
+                <a:sym typeface="Euclid Extra" pitchFamily="18" charset="2"/>
+              </a:rPr>
+              <a:t>            </a:t>
+            </a:r>
+            <a:r>
+              <a:rPr lang="en-US" altLang="zh-CN" sz="2000" b="1" dirty="0">
+                <a:solidFill>
+                  <a:srgbClr val="0432FF"/>
                 </a:solidFill>
                 <a:latin typeface="Courier New" panose="02070309020205020404" pitchFamily="49" charset="0"/>
                 <a:sym typeface="Euclid Extra" pitchFamily="18" charset="2"/>
@@ -11223,7 +11632,7 @@
             <a:r>
               <a:rPr lang="en-US" altLang="zh-CN" sz="2000" b="1" dirty="0">
                 <a:solidFill>
-                  <a:schemeClr val="folHlink"/>
+                  <a:srgbClr val="0432FF"/>
                 </a:solidFill>
                 <a:latin typeface="Courier New" panose="02070309020205020404" pitchFamily="49" charset="0"/>
                 <a:sym typeface="Euclid Extra" pitchFamily="18" charset="2"/>
@@ -11233,7 +11642,7 @@
             <a:r>
               <a:rPr lang="en-US" altLang="zh-CN" sz="2000" b="1" dirty="0" err="1">
                 <a:solidFill>
-                  <a:schemeClr val="folHlink"/>
+                  <a:srgbClr val="0432FF"/>
                 </a:solidFill>
                 <a:latin typeface="Courier New" panose="02070309020205020404" pitchFamily="49" charset="0"/>
                 <a:sym typeface="Euclid Extra" pitchFamily="18" charset="2"/>
@@ -11243,7 +11652,7 @@
             <a:r>
               <a:rPr lang="en-US" altLang="zh-CN" sz="2000" b="1" dirty="0">
                 <a:solidFill>
-                  <a:schemeClr val="folHlink"/>
+                  <a:srgbClr val="0432FF"/>
                 </a:solidFill>
                 <a:latin typeface="Courier New" panose="02070309020205020404" pitchFamily="49" charset="0"/>
                 <a:sym typeface="Euclid Extra" pitchFamily="18" charset="2"/>
@@ -11253,17 +11662,17 @@
             <a:r>
               <a:rPr lang="zh-CN" altLang="en-US" sz="2000" b="1" dirty="0">
                 <a:solidFill>
-                  <a:schemeClr val="folHlink"/>
-                </a:solidFill>
-                <a:latin typeface="Courier New" panose="02070309020205020404" pitchFamily="49" charset="0"/>
-                <a:sym typeface="Euclid Extra" pitchFamily="18" charset="2"/>
-              </a:rPr>
-              <a:t>         </a:t>
-            </a:r>
-            <a:r>
-              <a:rPr lang="en-US" altLang="zh-CN" sz="2000" b="1" dirty="0">
-                <a:solidFill>
-                  <a:schemeClr val="folHlink"/>
+                  <a:srgbClr val="0432FF"/>
+                </a:solidFill>
+                <a:latin typeface="Courier New" panose="02070309020205020404" pitchFamily="49" charset="0"/>
+                <a:sym typeface="Euclid Extra" pitchFamily="18" charset="2"/>
+              </a:rPr>
+              <a:t>               </a:t>
+            </a:r>
+            <a:r>
+              <a:rPr lang="en-US" altLang="zh-CN" sz="2000" b="1" dirty="0">
+                <a:solidFill>
+                  <a:srgbClr val="0432FF"/>
                 </a:solidFill>
                 <a:latin typeface="Courier New" panose="02070309020205020404" pitchFamily="49" charset="0"/>
                 <a:sym typeface="Euclid Extra" pitchFamily="18" charset="2"/>
@@ -11279,27 +11688,47 @@
             <a:r>
               <a:rPr lang="en-US" altLang="zh-CN" sz="2000" b="1" dirty="0">
                 <a:solidFill>
-                  <a:schemeClr val="folHlink"/>
-                </a:solidFill>
-                <a:latin typeface="Courier New" panose="02070309020205020404" pitchFamily="49" charset="0"/>
-                <a:sym typeface="Euclid Extra" pitchFamily="18" charset="2"/>
-              </a:rPr>
-              <a:t>  X data;</a:t>
+                  <a:srgbClr val="0432FF"/>
+                </a:solidFill>
+                <a:latin typeface="Courier New" panose="02070309020205020404" pitchFamily="49" charset="0"/>
+                <a:sym typeface="Euclid Extra" pitchFamily="18" charset="2"/>
+              </a:rPr>
+              <a:t>  </a:t>
+            </a:r>
+            <a:r>
+              <a:rPr lang="en-US" altLang="zh-CN" sz="2000" b="1" dirty="0">
+                <a:solidFill>
+                  <a:srgbClr val="FF0000"/>
+                </a:solidFill>
+                <a:latin typeface="Courier New" panose="02070309020205020404" pitchFamily="49" charset="0"/>
+                <a:sym typeface="Euclid Extra" pitchFamily="18" charset="2"/>
+              </a:rPr>
+              <a:t>X</a:t>
+            </a:r>
+            <a:r>
+              <a:rPr lang="en-US" altLang="zh-CN" sz="2000" b="1" dirty="0">
+                <a:solidFill>
+                  <a:srgbClr val="0432FF"/>
+                </a:solidFill>
+                <a:latin typeface="Courier New" panose="02070309020205020404" pitchFamily="49" charset="0"/>
+                <a:sym typeface="Euclid Extra" pitchFamily="18" charset="2"/>
+              </a:rPr>
+              <a:t> data;</a:t>
             </a:r>
             <a:r>
               <a:rPr lang="zh-CN" altLang="en-US" sz="2000" b="1" dirty="0">
                 <a:solidFill>
-                  <a:schemeClr val="folHlink"/>
-                </a:solidFill>
-                <a:latin typeface="Courier New" panose="02070309020205020404" pitchFamily="49" charset="0"/>
-                <a:sym typeface="Euclid Extra" pitchFamily="18" charset="2"/>
-              </a:rPr>
-              <a:t>              </a:t>
-            </a:r>
-            <a:r>
-              <a:rPr lang="en-US" altLang="zh-CN" sz="2000" b="1" dirty="0">
-                <a:solidFill>
-                  <a:schemeClr val="folHlink"/>
+                  <a:srgbClr val="0432FF"/>
+                </a:solidFill>
+                <a:latin typeface="Courier New" panose="02070309020205020404" pitchFamily="49" charset="0"/>
+                <a:sym typeface="Euclid Extra" pitchFamily="18" charset="2"/>
+              </a:rPr>
+              <a:t>                    </a:t>
+            </a:r>
+            <a:r>
+              <a:rPr lang="en-US" altLang="zh-CN" sz="2000" b="1" dirty="0">
+                <a:solidFill>
+                  <a:srgbClr val="0432FF"/>
                 </a:solidFill>
                 <a:latin typeface="Courier New" panose="02070309020205020404" pitchFamily="49" charset="0"/>
                 <a:sym typeface="Euclid Extra" pitchFamily="18" charset="2"/>
@@ -11313,19 +11742,19 @@
               <a:buNone/>
             </a:pPr>
             <a:r>
-              <a:rPr lang="en-US" altLang="zh-CN" sz="2000" b="1" dirty="0">
-                <a:solidFill>
-                  <a:schemeClr val="folHlink"/>
-                </a:solidFill>
-                <a:latin typeface="Courier New" panose="02070309020205020404" pitchFamily="49" charset="0"/>
-                <a:sym typeface="Euclid Extra" pitchFamily="18" charset="2"/>
-              </a:rPr>
-              <a:t>  struct </a:t>
+              <a:rPr lang="zh-CN" altLang="en-US" sz="2000" b="1" dirty="0">
+                <a:solidFill>
+                  <a:srgbClr val="0432FF"/>
+                </a:solidFill>
+                <a:latin typeface="Courier New" panose="02070309020205020404" pitchFamily="49" charset="0"/>
+                <a:sym typeface="Euclid Extra" pitchFamily="18" charset="2"/>
+              </a:rPr>
+              <a:t>  </a:t>
             </a:r>
             <a:r>
               <a:rPr lang="en-US" altLang="zh-CN" sz="2000" b="1" dirty="0" err="1">
                 <a:solidFill>
-                  <a:schemeClr val="folHlink"/>
+                  <a:srgbClr val="0432FF"/>
                 </a:solidFill>
                 <a:latin typeface="Courier New" panose="02070309020205020404" pitchFamily="49" charset="0"/>
                 <a:sym typeface="Euclid Extra" pitchFamily="18" charset="2"/>
@@ -11335,17 +11764,155 @@
             <a:r>
               <a:rPr lang="en-US" altLang="zh-CN" sz="2000" b="1" dirty="0">
                 <a:solidFill>
-                  <a:schemeClr val="folHlink"/>
-                </a:solidFill>
-                <a:latin typeface="Courier New" panose="02070309020205020404" pitchFamily="49" charset="0"/>
-                <a:sym typeface="Euclid Extra" pitchFamily="18" charset="2"/>
-              </a:rPr>
-              <a:t> *next;</a:t>
+                  <a:srgbClr val="0432FF"/>
+                </a:solidFill>
+                <a:latin typeface="Courier New" panose="02070309020205020404" pitchFamily="49" charset="0"/>
+                <a:sym typeface="Euclid Extra" pitchFamily="18" charset="2"/>
+              </a:rPr>
+              <a:t> next;</a:t>
             </a:r>
             <a:r>
               <a:rPr lang="zh-CN" altLang="en-US" sz="2000" b="1" dirty="0">
                 <a:solidFill>
-                  <a:schemeClr val="folHlink"/>
+                  <a:srgbClr val="0432FF"/>
+                </a:solidFill>
+                <a:latin typeface="Courier New" panose="02070309020205020404" pitchFamily="49" charset="0"/>
+                <a:sym typeface="Euclid Extra" pitchFamily="18" charset="2"/>
+              </a:rPr>
+              <a:t>               </a:t>
+            </a:r>
+            <a:r>
+              <a:rPr lang="en-US" altLang="zh-CN" sz="2000" b="1" dirty="0">
+                <a:solidFill>
+                  <a:srgbClr val="0432FF"/>
+                </a:solidFill>
+                <a:latin typeface="Courier New" panose="02070309020205020404" pitchFamily="49" charset="0"/>
+                <a:sym typeface="Euclid Extra" pitchFamily="18" charset="2"/>
+              </a:rPr>
+              <a:t>\</a:t>
+            </a:r>
+          </a:p>
+          <a:p>
+            <a:pPr>
+              <a:buFont typeface="Wingdings" pitchFamily="2" charset="2"/>
+              <a:buNone/>
+            </a:pPr>
+            <a:r>
+              <a:rPr lang="en-US" altLang="zh-CN" sz="2000" b="1" dirty="0">
+                <a:solidFill>
+                  <a:srgbClr val="0432FF"/>
+                </a:solidFill>
+                <a:latin typeface="Courier New" panose="02070309020205020404" pitchFamily="49" charset="0"/>
+                <a:sym typeface="Euclid Extra" pitchFamily="18" charset="2"/>
+              </a:rPr>
+              <a:t>};</a:t>
+            </a:r>
+            <a:r>
+              <a:rPr lang="zh-CN" altLang="en-US" sz="2000" b="1" dirty="0">
+                <a:solidFill>
+                  <a:srgbClr val="0432FF"/>
+                </a:solidFill>
+                <a:latin typeface="Courier New" panose="02070309020205020404" pitchFamily="49" charset="0"/>
+                <a:sym typeface="Euclid Extra" pitchFamily="18" charset="2"/>
+              </a:rPr>
+              <a:t>                           </a:t>
+            </a:r>
+            <a:r>
+              <a:rPr lang="en-US" altLang="zh-CN" sz="2000" b="1" dirty="0">
+                <a:solidFill>
+                  <a:srgbClr val="0432FF"/>
+                </a:solidFill>
+                <a:latin typeface="Courier New" panose="02070309020205020404" pitchFamily="49" charset="0"/>
+                <a:sym typeface="Euclid Extra" pitchFamily="18" charset="2"/>
+              </a:rPr>
+              <a:t>\</a:t>
+            </a:r>
+          </a:p>
+          <a:p>
+            <a:pPr>
+              <a:buFont typeface="Wingdings" pitchFamily="2" charset="2"/>
+              <a:buNone/>
+            </a:pPr>
+            <a:r>
+              <a:rPr lang="zh-CN" altLang="en-US" sz="2000" b="1" dirty="0">
+                <a:solidFill>
+                  <a:srgbClr val="0432FF"/>
+                </a:solidFill>
+                <a:latin typeface="Courier New" panose="02070309020205020404" pitchFamily="49" charset="0"/>
+                <a:sym typeface="Euclid Extra" pitchFamily="18" charset="2"/>
+              </a:rPr>
+              <a:t>                             </a:t>
+            </a:r>
+            <a:r>
+              <a:rPr lang="en-US" altLang="zh-CN" sz="2000" b="1" dirty="0">
+                <a:solidFill>
+                  <a:srgbClr val="0432FF"/>
+                </a:solidFill>
+                <a:latin typeface="Courier New" panose="02070309020205020404" pitchFamily="49" charset="0"/>
+                <a:sym typeface="Euclid Extra" pitchFamily="18" charset="2"/>
+              </a:rPr>
+              <a:t>\</a:t>
+            </a:r>
+          </a:p>
+          <a:p>
+            <a:pPr>
+              <a:buFont typeface="Wingdings" pitchFamily="2" charset="2"/>
+              <a:buNone/>
+            </a:pPr>
+            <a:r>
+              <a:rPr lang="en-US" altLang="zh-CN" sz="2000" b="1" dirty="0">
+                <a:solidFill>
+                  <a:srgbClr val="0432FF"/>
+                </a:solidFill>
+                <a:latin typeface="Courier New" panose="02070309020205020404" pitchFamily="49" charset="0"/>
+                <a:sym typeface="Euclid Extra" pitchFamily="18" charset="2"/>
+              </a:rPr>
+              <a:t>void </a:t>
+            </a:r>
+            <a:r>
+              <a:rPr lang="en-US" altLang="zh-CN" sz="2000" b="1" dirty="0" err="1">
+                <a:solidFill>
+                  <a:srgbClr val="0432FF"/>
+                </a:solidFill>
+                <a:latin typeface="Courier New" panose="02070309020205020404" pitchFamily="49" charset="0"/>
+                <a:sym typeface="Euclid Extra" pitchFamily="18" charset="2"/>
+              </a:rPr>
+              <a:t>Print_print</a:t>
+            </a:r>
+            <a:r>
+              <a:rPr lang="en-US" altLang="zh-CN" sz="2000" b="1" dirty="0">
+                <a:solidFill>
+                  <a:srgbClr val="0432FF"/>
+                </a:solidFill>
+                <a:latin typeface="Courier New" panose="02070309020205020404" pitchFamily="49" charset="0"/>
+                <a:sym typeface="Euclid Extra" pitchFamily="18" charset="2"/>
+              </a:rPr>
+              <a:t>(</a:t>
+            </a:r>
+            <a:r>
+              <a:rPr lang="en-US" altLang="zh-CN" sz="2000" b="1" dirty="0" err="1">
+                <a:solidFill>
+                  <a:srgbClr val="0432FF"/>
+                </a:solidFill>
+                <a:latin typeface="Courier New" panose="02070309020205020404" pitchFamily="49" charset="0"/>
+                <a:sym typeface="Euclid Extra" pitchFamily="18" charset="2"/>
+              </a:rPr>
+              <a:t>List_t</a:t>
+            </a:r>
+            <a:r>
+              <a:rPr lang="en-US" altLang="zh-CN" sz="2000" b="1" dirty="0">
+                <a:solidFill>
+                  <a:srgbClr val="0432FF"/>
+                </a:solidFill>
+                <a:latin typeface="Courier New" panose="02070309020205020404" pitchFamily="49" charset="0"/>
+                <a:sym typeface="Euclid Extra" pitchFamily="18" charset="2"/>
+              </a:rPr>
+              <a:t> l);</a:t>
+            </a:r>
+            <a:r>
+              <a:rPr lang="zh-CN" altLang="en-US" sz="2000" b="1" dirty="0">
+                <a:solidFill>
+                  <a:srgbClr val="0432FF"/>
                 </a:solidFill>
                 <a:latin typeface="Courier New" panose="02070309020205020404" pitchFamily="49" charset="0"/>
                 <a:sym typeface="Euclid Extra" pitchFamily="18" charset="2"/>
@@ -11355,125 +11922,7 @@
             <a:r>
               <a:rPr lang="en-US" altLang="zh-CN" sz="2000" b="1" dirty="0">
                 <a:solidFill>
-                  <a:schemeClr val="folHlink"/>
-                </a:solidFill>
-                <a:latin typeface="Courier New" panose="02070309020205020404" pitchFamily="49" charset="0"/>
-                <a:sym typeface="Euclid Extra" pitchFamily="18" charset="2"/>
-              </a:rPr>
-              <a:t>\</a:t>
-            </a:r>
-          </a:p>
-          <a:p>
-            <a:pPr>
-              <a:buFont typeface="Wingdings" pitchFamily="2" charset="2"/>
-              <a:buNone/>
-            </a:pPr>
-            <a:r>
-              <a:rPr lang="en-US" altLang="zh-CN" sz="2000" b="1" dirty="0">
-                <a:solidFill>
-                  <a:schemeClr val="folHlink"/>
-                </a:solidFill>
-                <a:latin typeface="Courier New" panose="02070309020205020404" pitchFamily="49" charset="0"/>
-                <a:sym typeface="Euclid Extra" pitchFamily="18" charset="2"/>
-              </a:rPr>
-              <a:t>};</a:t>
-            </a:r>
-            <a:r>
-              <a:rPr lang="zh-CN" altLang="en-US" sz="2000" b="1" dirty="0">
-                <a:solidFill>
-                  <a:schemeClr val="folHlink"/>
-                </a:solidFill>
-                <a:latin typeface="Courier New" panose="02070309020205020404" pitchFamily="49" charset="0"/>
-                <a:sym typeface="Euclid Extra" pitchFamily="18" charset="2"/>
-              </a:rPr>
-              <a:t>                     </a:t>
-            </a:r>
-            <a:r>
-              <a:rPr lang="en-US" altLang="zh-CN" sz="2000" b="1" dirty="0">
-                <a:solidFill>
-                  <a:schemeClr val="folHlink"/>
-                </a:solidFill>
-                <a:latin typeface="Courier New" panose="02070309020205020404" pitchFamily="49" charset="0"/>
-                <a:sym typeface="Euclid Extra" pitchFamily="18" charset="2"/>
-              </a:rPr>
-              <a:t>\</a:t>
-            </a:r>
-          </a:p>
-          <a:p>
-            <a:pPr>
-              <a:buFont typeface="Wingdings" pitchFamily="2" charset="2"/>
-              <a:buNone/>
-            </a:pPr>
-            <a:r>
-              <a:rPr lang="zh-CN" altLang="en-US" sz="2000" b="1" dirty="0">
-                <a:solidFill>
-                  <a:schemeClr val="folHlink"/>
-                </a:solidFill>
-                <a:latin typeface="Courier New" panose="02070309020205020404" pitchFamily="49" charset="0"/>
-                <a:sym typeface="Euclid Extra" pitchFamily="18" charset="2"/>
-              </a:rPr>
-              <a:t>                       </a:t>
-            </a:r>
-            <a:r>
-              <a:rPr lang="en-US" altLang="zh-CN" sz="2000" b="1" dirty="0">
-                <a:solidFill>
-                  <a:schemeClr val="folHlink"/>
-                </a:solidFill>
-                <a:latin typeface="Courier New" panose="02070309020205020404" pitchFamily="49" charset="0"/>
-                <a:sym typeface="Euclid Extra" pitchFamily="18" charset="2"/>
-              </a:rPr>
-              <a:t>\</a:t>
-            </a:r>
-          </a:p>
-          <a:p>
-            <a:pPr>
-              <a:buFont typeface="Wingdings" pitchFamily="2" charset="2"/>
-              <a:buNone/>
-            </a:pPr>
-            <a:r>
-              <a:rPr lang="en-US" altLang="zh-CN" sz="2000" b="1" dirty="0">
-                <a:solidFill>
-                  <a:schemeClr val="folHlink"/>
-                </a:solidFill>
-                <a:latin typeface="Courier New" panose="02070309020205020404" pitchFamily="49" charset="0"/>
-                <a:sym typeface="Euclid Extra" pitchFamily="18" charset="2"/>
-              </a:rPr>
-              <a:t>void print(</a:t>
-            </a:r>
-            <a:r>
-              <a:rPr lang="en-US" altLang="zh-CN" sz="2000" b="1" dirty="0" err="1">
-                <a:solidFill>
-                  <a:schemeClr val="folHlink"/>
-                </a:solidFill>
-                <a:latin typeface="Courier New" panose="02070309020205020404" pitchFamily="49" charset="0"/>
-                <a:sym typeface="Euclid Extra" pitchFamily="18" charset="2"/>
-              </a:rPr>
-              <a:t>List_t</a:t>
-            </a:r>
-            <a:r>
-              <a:rPr lang="en-US" altLang="zh-CN" sz="2000" b="1" dirty="0">
-                <a:solidFill>
-                  <a:schemeClr val="folHlink"/>
-                </a:solidFill>
-                <a:latin typeface="Courier New" panose="02070309020205020404" pitchFamily="49" charset="0"/>
-                <a:sym typeface="Euclid Extra" pitchFamily="18" charset="2"/>
-              </a:rPr>
-              <a:t> l);</a:t>
-            </a:r>
-            <a:r>
-              <a:rPr lang="zh-CN" altLang="en-US" sz="2000" b="1" dirty="0">
-                <a:solidFill>
-                  <a:schemeClr val="folHlink"/>
-                </a:solidFill>
-                <a:latin typeface="Courier New" panose="02070309020205020404" pitchFamily="49" charset="0"/>
-                <a:sym typeface="Euclid Extra" pitchFamily="18" charset="2"/>
-              </a:rPr>
-              <a:t> </a:t>
-            </a:r>
-            <a:r>
-              <a:rPr lang="en-US" altLang="zh-CN" sz="2000" b="1" dirty="0">
-                <a:solidFill>
-                  <a:schemeClr val="folHlink"/>
+                  <a:srgbClr val="0432FF"/>
                 </a:solidFill>
                 <a:latin typeface="Courier New" panose="02070309020205020404" pitchFamily="49" charset="0"/>
                 <a:sym typeface="Euclid Extra" pitchFamily="18" charset="2"/>
@@ -11564,17 +12013,37 @@
             <a:r>
               <a:rPr lang="en-US" altLang="zh-CN" sz="2000" b="1" dirty="0">
                 <a:solidFill>
-                  <a:schemeClr val="folHlink"/>
-                </a:solidFill>
-                <a:latin typeface="Courier New" panose="02070309020205020404" pitchFamily="49" charset="0"/>
-                <a:sym typeface="Euclid Extra" pitchFamily="18" charset="2"/>
-              </a:rPr>
-              <a:t>void print(</a:t>
+                  <a:srgbClr val="0432FF"/>
+                </a:solidFill>
+                <a:latin typeface="Courier New" panose="02070309020205020404" pitchFamily="49" charset="0"/>
+                <a:sym typeface="Euclid Extra" pitchFamily="18" charset="2"/>
+              </a:rPr>
+              <a:t>void </a:t>
             </a:r>
             <a:r>
               <a:rPr lang="en-US" altLang="zh-CN" sz="2000" b="1" dirty="0" err="1">
                 <a:solidFill>
-                  <a:schemeClr val="folHlink"/>
+                  <a:srgbClr val="0432FF"/>
+                </a:solidFill>
+                <a:latin typeface="Courier New" panose="02070309020205020404" pitchFamily="49" charset="0"/>
+                <a:sym typeface="Euclid Extra" pitchFamily="18" charset="2"/>
+              </a:rPr>
+              <a:t>List_print</a:t>
+            </a:r>
+            <a:r>
+              <a:rPr lang="en-US" altLang="zh-CN" sz="2000" b="1" dirty="0">
+                <a:solidFill>
+                  <a:srgbClr val="0432FF"/>
+                </a:solidFill>
+                <a:latin typeface="Courier New" panose="02070309020205020404" pitchFamily="49" charset="0"/>
+                <a:sym typeface="Euclid Extra" pitchFamily="18" charset="2"/>
+              </a:rPr>
+              <a:t>(</a:t>
+            </a:r>
+            <a:r>
+              <a:rPr lang="en-US" altLang="zh-CN" sz="2000" b="1" dirty="0" err="1">
+                <a:solidFill>
+                  <a:srgbClr val="0432FF"/>
                 </a:solidFill>
                 <a:latin typeface="Courier New" panose="02070309020205020404" pitchFamily="49" charset="0"/>
                 <a:sym typeface="Euclid Extra" pitchFamily="18" charset="2"/>
@@ -11584,7 +12053,7 @@
             <a:r>
               <a:rPr lang="en-US" altLang="zh-CN" sz="2000" b="1" dirty="0">
                 <a:solidFill>
-                  <a:schemeClr val="folHlink"/>
+                  <a:srgbClr val="0432FF"/>
                 </a:solidFill>
                 <a:latin typeface="Courier New" panose="02070309020205020404" pitchFamily="49" charset="0"/>
                 <a:sym typeface="Euclid Extra" pitchFamily="18" charset="2"/>
@@ -11600,7 +12069,7 @@
             <a:r>
               <a:rPr lang="en-US" altLang="zh-CN" sz="2000" b="1" dirty="0">
                 <a:solidFill>
-                  <a:schemeClr val="folHlink"/>
+                  <a:srgbClr val="0432FF"/>
                 </a:solidFill>
                 <a:latin typeface="Courier New" panose="02070309020205020404" pitchFamily="49" charset="0"/>
                 <a:sym typeface="Euclid Extra" pitchFamily="18" charset="2"/>
@@ -11610,7 +12079,7 @@
             <a:r>
               <a:rPr lang="en-US" altLang="zh-CN" sz="2000" b="1" dirty="0" err="1">
                 <a:solidFill>
-                  <a:schemeClr val="folHlink"/>
+                  <a:srgbClr val="0432FF"/>
                 </a:solidFill>
                 <a:latin typeface="Courier New" panose="02070309020205020404" pitchFamily="49" charset="0"/>
                 <a:sym typeface="Euclid Extra" pitchFamily="18" charset="2"/>
@@ -11620,7 +12089,7 @@
             <a:r>
               <a:rPr lang="en-US" altLang="zh-CN" sz="2000" b="1" dirty="0">
                 <a:solidFill>
-                  <a:schemeClr val="folHlink"/>
+                  <a:srgbClr val="0432FF"/>
                 </a:solidFill>
                 <a:latin typeface="Courier New" panose="02070309020205020404" pitchFamily="49" charset="0"/>
                 <a:sym typeface="Euclid Extra" pitchFamily="18" charset="2"/>
@@ -11636,7 +12105,7 @@
             <a:r>
               <a:rPr lang="en-US" altLang="zh-CN" sz="2000" b="1" dirty="0">
                 <a:solidFill>
-                  <a:schemeClr val="folHlink"/>
+                  <a:srgbClr val="0432FF"/>
                 </a:solidFill>
                 <a:latin typeface="Courier New" panose="02070309020205020404" pitchFamily="49" charset="0"/>
                 <a:sym typeface="Euclid Extra" pitchFamily="18" charset="2"/>
@@ -11652,7 +12121,7 @@
             <a:r>
               <a:rPr lang="en-US" altLang="zh-CN" sz="2000" b="1" dirty="0">
                 <a:solidFill>
-                  <a:schemeClr val="folHlink"/>
+                  <a:srgbClr val="0432FF"/>
                 </a:solidFill>
                 <a:latin typeface="Courier New" panose="02070309020205020404" pitchFamily="49" charset="0"/>
                 <a:sym typeface="Euclid Extra" pitchFamily="18" charset="2"/>
@@ -11662,7 +12131,7 @@
             <a:r>
               <a:rPr lang="en-US" altLang="zh-CN" sz="2000" b="1" dirty="0" err="1">
                 <a:solidFill>
-                  <a:schemeClr val="folHlink"/>
+                  <a:srgbClr val="0432FF"/>
                 </a:solidFill>
                 <a:latin typeface="Courier New" panose="02070309020205020404" pitchFamily="49" charset="0"/>
                 <a:sym typeface="Euclid Extra" pitchFamily="18" charset="2"/>
@@ -11672,7 +12141,7 @@
             <a:r>
               <a:rPr lang="en-US" altLang="zh-CN" sz="2000" b="1" dirty="0">
                 <a:solidFill>
-                  <a:schemeClr val="folHlink"/>
+                  <a:srgbClr val="0432FF"/>
                 </a:solidFill>
                 <a:latin typeface="Courier New" panose="02070309020205020404" pitchFamily="49" charset="0"/>
                 <a:sym typeface="Euclid Extra" pitchFamily="18" charset="2"/>
@@ -11682,7 +12151,7 @@
             <a:r>
               <a:rPr lang="en-US" altLang="zh-CN" sz="2000" b="1" dirty="0">
                 <a:solidFill>
-                  <a:schemeClr val="hlink"/>
+                  <a:srgbClr val="FF0000"/>
                 </a:solidFill>
                 <a:latin typeface="Courier New" panose="02070309020205020404" pitchFamily="49" charset="0"/>
                 <a:sym typeface="Euclid Extra" pitchFamily="18" charset="2"/>
@@ -11692,7 +12161,7 @@
             <a:r>
               <a:rPr lang="en-US" altLang="zh-CN" sz="2000" b="1" dirty="0">
                 <a:solidFill>
-                  <a:schemeClr val="folHlink"/>
+                  <a:srgbClr val="0432FF"/>
                 </a:solidFill>
                 <a:latin typeface="Courier New" panose="02070309020205020404" pitchFamily="49" charset="0"/>
                 <a:sym typeface="Euclid Extra" pitchFamily="18" charset="2"/>
@@ -11708,7 +12177,7 @@
             <a:r>
               <a:rPr lang="en-US" altLang="zh-CN" sz="2000" b="1" dirty="0">
                 <a:solidFill>
-                  <a:schemeClr val="folHlink"/>
+                  <a:srgbClr val="0432FF"/>
                 </a:solidFill>
                 <a:latin typeface="Courier New" panose="02070309020205020404" pitchFamily="49" charset="0"/>
                 <a:sym typeface="Euclid Extra" pitchFamily="18" charset="2"/>
@@ -11724,7 +12193,7 @@
             <a:r>
               <a:rPr lang="en-US" altLang="zh-CN" sz="2000" b="1" dirty="0">
                 <a:solidFill>
-                  <a:schemeClr val="folHlink"/>
+                  <a:srgbClr val="0432FF"/>
                 </a:solidFill>
                 <a:latin typeface="Courier New" panose="02070309020205020404" pitchFamily="49" charset="0"/>
                 <a:sym typeface="Euclid Extra" pitchFamily="18" charset="2"/>
@@ -11740,7 +12209,7 @@
             <a:r>
               <a:rPr lang="en-US" altLang="zh-CN" sz="2000" b="1" dirty="0">
                 <a:solidFill>
-                  <a:schemeClr val="folHlink"/>
+                  <a:srgbClr val="0432FF"/>
                 </a:solidFill>
                 <a:latin typeface="Courier New" panose="02070309020205020404" pitchFamily="49" charset="0"/>
                 <a:sym typeface="Euclid Extra" pitchFamily="18" charset="2"/>
@@ -11756,17 +12225,13 @@
             <a:r>
               <a:rPr lang="en-US" altLang="zh-CN" sz="2000" b="1" dirty="0">
                 <a:solidFill>
-                  <a:schemeClr val="folHlink"/>
+                  <a:srgbClr val="0432FF"/>
                 </a:solidFill>
                 <a:latin typeface="Courier New" panose="02070309020205020404" pitchFamily="49" charset="0"/>
                 <a:sym typeface="Euclid Extra" pitchFamily="18" charset="2"/>
               </a:rPr>
               <a:t>}</a:t>
             </a:r>
-            <a:endParaRPr lang="en-US" altLang="zh-CN" sz="2000" b="1" dirty="0">
-              <a:latin typeface="Courier New" panose="02070309020205020404" pitchFamily="49" charset="0"/>
-              <a:sym typeface="Euclid Extra" pitchFamily="18" charset="2"/>
-            </a:endParaRPr>
           </a:p>
         </p:txBody>
       </p:sp>
@@ -11864,7 +12329,7 @@
             <a:r>
               <a:rPr lang="en-US" altLang="zh-CN" sz="2000" b="1" dirty="0">
                 <a:solidFill>
-                  <a:schemeClr val="folHlink"/>
+                  <a:srgbClr val="0432FF"/>
                 </a:solidFill>
                 <a:latin typeface="Courier New" panose="02070309020205020404" pitchFamily="49" charset="0"/>
                 <a:sym typeface="Euclid Extra" pitchFamily="18" charset="2"/>
@@ -11874,7 +12339,7 @@
             <a:r>
               <a:rPr lang="zh-CN" altLang="en-US" sz="2000" b="1" dirty="0">
                 <a:solidFill>
-                  <a:schemeClr val="folHlink"/>
+                  <a:srgbClr val="0432FF"/>
                 </a:solidFill>
                 <a:latin typeface="Courier New" panose="02070309020205020404" pitchFamily="49" charset="0"/>
                 <a:sym typeface="Euclid Extra" pitchFamily="18" charset="2"/>
@@ -11884,7 +12349,7 @@
             <a:r>
               <a:rPr lang="en-US" altLang="zh-CN" sz="2000" b="1" dirty="0">
                 <a:solidFill>
-                  <a:schemeClr val="folHlink"/>
+                  <a:srgbClr val="0432FF"/>
                 </a:solidFill>
                 <a:latin typeface="Courier New" panose="02070309020205020404" pitchFamily="49" charset="0"/>
                 <a:sym typeface="Euclid Extra" pitchFamily="18" charset="2"/>
@@ -11900,7 +12365,7 @@
             <a:r>
               <a:rPr lang="en-US" altLang="zh-CN" sz="2000" b="1" dirty="0">
                 <a:solidFill>
-                  <a:schemeClr val="folHlink"/>
+                  <a:srgbClr val="0432FF"/>
                 </a:solidFill>
                 <a:latin typeface="Courier New" panose="02070309020205020404" pitchFamily="49" charset="0"/>
                 <a:sym typeface="Euclid Extra" pitchFamily="18" charset="2"/>
@@ -11910,7 +12375,7 @@
             <a:r>
               <a:rPr lang="en-US" altLang="zh-CN" sz="2000" b="1" dirty="0" err="1">
                 <a:solidFill>
-                  <a:schemeClr val="folHlink"/>
+                  <a:srgbClr val="0432FF"/>
                 </a:solidFill>
                 <a:latin typeface="Courier New" panose="02070309020205020404" pitchFamily="49" charset="0"/>
                 <a:sym typeface="Euclid Extra" pitchFamily="18" charset="2"/>
@@ -11920,7 +12385,7 @@
             <a:r>
               <a:rPr lang="en-US" altLang="zh-CN" sz="2000" b="1" dirty="0">
                 <a:solidFill>
-                  <a:schemeClr val="folHlink"/>
+                  <a:srgbClr val="0432FF"/>
                 </a:solidFill>
                 <a:latin typeface="Courier New" panose="02070309020205020404" pitchFamily="49" charset="0"/>
                 <a:sym typeface="Euclid Extra" pitchFamily="18" charset="2"/>
@@ -11930,7 +12395,7 @@
             <a:r>
               <a:rPr lang="zh-CN" altLang="en-US" sz="2000" b="1" dirty="0">
                 <a:solidFill>
-                  <a:schemeClr val="folHlink"/>
+                  <a:srgbClr val="0432FF"/>
                 </a:solidFill>
                 <a:latin typeface="Courier New" panose="02070309020205020404" pitchFamily="49" charset="0"/>
                 <a:sym typeface="Euclid Extra" pitchFamily="18" charset="2"/>
@@ -11940,7 +12405,7 @@
             <a:r>
               <a:rPr lang="en-US" altLang="zh-CN" sz="2000" b="1" dirty="0">
                 <a:solidFill>
-                  <a:schemeClr val="folHlink"/>
+                  <a:srgbClr val="0432FF"/>
                 </a:solidFill>
                 <a:latin typeface="Courier New" panose="02070309020205020404" pitchFamily="49" charset="0"/>
                 <a:sym typeface="Euclid Extra" pitchFamily="18" charset="2"/>
@@ -11956,7 +12421,7 @@
             <a:r>
               <a:rPr lang="en-US" altLang="zh-CN" sz="2000" b="1" dirty="0">
                 <a:solidFill>
-                  <a:schemeClr val="folHlink"/>
+                  <a:srgbClr val="0432FF"/>
                 </a:solidFill>
                 <a:latin typeface="Courier New" panose="02070309020205020404" pitchFamily="49" charset="0"/>
                 <a:sym typeface="Euclid Extra" pitchFamily="18" charset="2"/>
@@ -11966,7 +12431,7 @@
             <a:r>
               <a:rPr lang="zh-CN" altLang="en-US" sz="2000" b="1" dirty="0">
                 <a:solidFill>
-                  <a:schemeClr val="folHlink"/>
+                  <a:srgbClr val="0432FF"/>
                 </a:solidFill>
                 <a:latin typeface="Courier New" panose="02070309020205020404" pitchFamily="49" charset="0"/>
                 <a:sym typeface="Euclid Extra" pitchFamily="18" charset="2"/>
@@ -11976,7 +12441,7 @@
             <a:r>
               <a:rPr lang="en-US" altLang="zh-CN" sz="2000" b="1" dirty="0">
                 <a:solidFill>
-                  <a:schemeClr val="folHlink"/>
+                  <a:srgbClr val="0432FF"/>
                 </a:solidFill>
                 <a:latin typeface="Courier New" panose="02070309020205020404" pitchFamily="49" charset="0"/>
                 <a:sym typeface="Euclid Extra" pitchFamily="18" charset="2"/>
@@ -11990,19 +12455,19 @@
               <a:buNone/>
             </a:pPr>
             <a:r>
-              <a:rPr lang="en-US" altLang="zh-CN" sz="2000" b="1" dirty="0">
-                <a:solidFill>
-                  <a:schemeClr val="folHlink"/>
-                </a:solidFill>
-                <a:latin typeface="Courier New" panose="02070309020205020404" pitchFamily="49" charset="0"/>
-                <a:sym typeface="Euclid Extra" pitchFamily="18" charset="2"/>
-              </a:rPr>
-              <a:t>  struct </a:t>
+              <a:rPr lang="zh-CN" altLang="en-US" sz="2000" b="1" dirty="0">
+                <a:solidFill>
+                  <a:srgbClr val="0432FF"/>
+                </a:solidFill>
+                <a:latin typeface="Courier New" panose="02070309020205020404" pitchFamily="49" charset="0"/>
+                <a:sym typeface="Euclid Extra" pitchFamily="18" charset="2"/>
+              </a:rPr>
+              <a:t>  </a:t>
             </a:r>
             <a:r>
               <a:rPr lang="en-US" altLang="zh-CN" sz="2000" b="1" dirty="0" err="1">
                 <a:solidFill>
-                  <a:schemeClr val="folHlink"/>
+                  <a:srgbClr val="0432FF"/>
                 </a:solidFill>
                 <a:latin typeface="Courier New" panose="02070309020205020404" pitchFamily="49" charset="0"/>
                 <a:sym typeface="Euclid Extra" pitchFamily="18" charset="2"/>
@@ -12012,27 +12477,27 @@
             <a:r>
               <a:rPr lang="en-US" altLang="zh-CN" sz="2000" b="1" dirty="0">
                 <a:solidFill>
-                  <a:schemeClr val="folHlink"/>
-                </a:solidFill>
-                <a:latin typeface="Courier New" panose="02070309020205020404" pitchFamily="49" charset="0"/>
-                <a:sym typeface="Euclid Extra" pitchFamily="18" charset="2"/>
-              </a:rPr>
-              <a:t> *next;</a:t>
+                  <a:srgbClr val="0432FF"/>
+                </a:solidFill>
+                <a:latin typeface="Courier New" panose="02070309020205020404" pitchFamily="49" charset="0"/>
+                <a:sym typeface="Euclid Extra" pitchFamily="18" charset="2"/>
+              </a:rPr>
+              <a:t> next;</a:t>
             </a:r>
             <a:r>
               <a:rPr lang="zh-CN" altLang="en-US" sz="2000" b="1" dirty="0">
                 <a:solidFill>
-                  <a:schemeClr val="folHlink"/>
-                </a:solidFill>
-                <a:latin typeface="Courier New" panose="02070309020205020404" pitchFamily="49" charset="0"/>
-                <a:sym typeface="Euclid Extra" pitchFamily="18" charset="2"/>
-              </a:rPr>
-              <a:t> </a:t>
-            </a:r>
-            <a:r>
-              <a:rPr lang="en-US" altLang="zh-CN" sz="2000" b="1" dirty="0">
-                <a:solidFill>
-                  <a:schemeClr val="folHlink"/>
+                  <a:srgbClr val="0432FF"/>
+                </a:solidFill>
+                <a:latin typeface="Courier New" panose="02070309020205020404" pitchFamily="49" charset="0"/>
+                <a:sym typeface="Euclid Extra" pitchFamily="18" charset="2"/>
+              </a:rPr>
+              <a:t>         </a:t>
+            </a:r>
+            <a:r>
+              <a:rPr lang="en-US" altLang="zh-CN" sz="2000" b="1" dirty="0">
+                <a:solidFill>
+                  <a:srgbClr val="0432FF"/>
                 </a:solidFill>
                 <a:latin typeface="Courier New" panose="02070309020205020404" pitchFamily="49" charset="0"/>
                 <a:sym typeface="Euclid Extra" pitchFamily="18" charset="2"/>
@@ -12048,7 +12513,7 @@
             <a:r>
               <a:rPr lang="en-US" altLang="zh-CN" sz="2000" b="1" dirty="0">
                 <a:solidFill>
-                  <a:schemeClr val="folHlink"/>
+                  <a:srgbClr val="0432FF"/>
                 </a:solidFill>
                 <a:latin typeface="Courier New" panose="02070309020205020404" pitchFamily="49" charset="0"/>
                 <a:sym typeface="Euclid Extra" pitchFamily="18" charset="2"/>
@@ -12058,13 +12523,26 @@
             <a:r>
               <a:rPr lang="zh-CN" altLang="en-US" sz="2000" b="1" dirty="0">
                 <a:solidFill>
-                  <a:schemeClr val="folHlink"/>
+                  <a:srgbClr val="0432FF"/>
                 </a:solidFill>
                 <a:latin typeface="Courier New" panose="02070309020205020404" pitchFamily="49" charset="0"/>
                 <a:sym typeface="Euclid Extra" pitchFamily="18" charset="2"/>
               </a:rPr>
               <a:t>                     </a:t>
             </a:r>
+            <a:endParaRPr lang="en-US" altLang="zh-CN" sz="2000" b="1" dirty="0">
+              <a:solidFill>
+                <a:srgbClr val="0432FF"/>
+              </a:solidFill>
+              <a:latin typeface="Courier New" panose="02070309020205020404" pitchFamily="49" charset="0"/>
+              <a:sym typeface="Euclid Extra" pitchFamily="18" charset="2"/>
+            </a:endParaRPr>
+          </a:p>
+          <a:p>
+            <a:pPr>
+              <a:buFont typeface="Wingdings" pitchFamily="2" charset="2"/>
+              <a:buNone/>
+            </a:pPr>
             <a:endParaRPr lang="en-US" altLang="zh-CN" sz="2000" b="1" dirty="0">
               <a:solidFill>
                 <a:schemeClr val="folHlink"/>
@@ -12078,46 +12556,53 @@
               <a:buFont typeface="Wingdings" pitchFamily="2" charset="2"/>
               <a:buNone/>
             </a:pPr>
-            <a:endParaRPr lang="en-US" altLang="zh-CN" sz="2000" b="1" dirty="0">
-              <a:solidFill>
-                <a:schemeClr val="folHlink"/>
-              </a:solidFill>
-              <a:latin typeface="Courier New" panose="02070309020205020404" pitchFamily="49" charset="0"/>
-              <a:sym typeface="Euclid Extra" pitchFamily="18" charset="2"/>
-            </a:endParaRPr>
-          </a:p>
-          <a:p>
-            <a:pPr>
-              <a:buFont typeface="Wingdings" pitchFamily="2" charset="2"/>
-              <a:buNone/>
-            </a:pPr>
-            <a:r>
-              <a:rPr lang="en-US" altLang="zh-CN" sz="2000" b="1" dirty="0">
-                <a:latin typeface="Courier New" panose="02070309020205020404" pitchFamily="49" charset="0"/>
-                <a:sym typeface="Euclid Extra" pitchFamily="18" charset="2"/>
-              </a:rPr>
-              <a:t>// so we’d have to make “print” more abstract!</a:t>
-            </a:r>
-          </a:p>
-          <a:p>
-            <a:pPr>
-              <a:buFont typeface="Wingdings" pitchFamily="2" charset="2"/>
-              <a:buNone/>
-            </a:pPr>
-            <a:r>
-              <a:rPr lang="en-US" altLang="zh-CN" sz="2000" b="1" dirty="0">
-                <a:solidFill>
-                  <a:schemeClr val="folHlink"/>
-                </a:solidFill>
-                <a:latin typeface="Courier New" panose="02070309020205020404" pitchFamily="49" charset="0"/>
-                <a:sym typeface="Euclid Extra" pitchFamily="18" charset="2"/>
-              </a:rPr>
-              <a:t>void print(</a:t>
+            <a:r>
+              <a:rPr lang="en-US" altLang="zh-CN" sz="2000" b="1" dirty="0">
+                <a:latin typeface="Courier New" panose="02070309020205020404" pitchFamily="49" charset="0"/>
+                <a:sym typeface="Euclid Extra" pitchFamily="18" charset="2"/>
+              </a:rPr>
+              <a:t>// so we have to make “print” more abstract!</a:t>
+            </a:r>
+          </a:p>
+          <a:p>
+            <a:pPr>
+              <a:buFont typeface="Wingdings" pitchFamily="2" charset="2"/>
+              <a:buNone/>
+            </a:pPr>
+            <a:r>
+              <a:rPr lang="en-US" altLang="zh-CN" sz="2000" b="1" dirty="0">
+                <a:solidFill>
+                  <a:srgbClr val="0432FF"/>
+                </a:solidFill>
+                <a:latin typeface="Courier New" panose="02070309020205020404" pitchFamily="49" charset="0"/>
+                <a:sym typeface="Euclid Extra" pitchFamily="18" charset="2"/>
+              </a:rPr>
+              <a:t>void </a:t>
             </a:r>
             <a:r>
               <a:rPr lang="en-US" altLang="zh-CN" sz="2000" b="1" dirty="0" err="1">
                 <a:solidFill>
-                  <a:schemeClr val="folHlink"/>
+                  <a:srgbClr val="0432FF"/>
+                </a:solidFill>
+                <a:latin typeface="Courier New" panose="02070309020205020404" pitchFamily="49" charset="0"/>
+                <a:sym typeface="Euclid Extra" pitchFamily="18" charset="2"/>
+              </a:rPr>
+              <a:t>List_print</a:t>
+            </a:r>
+            <a:r>
+              <a:rPr lang="en-US" altLang="zh-CN" sz="2000" b="1" dirty="0">
+                <a:solidFill>
+                  <a:srgbClr val="0432FF"/>
+                </a:solidFill>
+                <a:latin typeface="Courier New" panose="02070309020205020404" pitchFamily="49" charset="0"/>
+                <a:sym typeface="Euclid Extra" pitchFamily="18" charset="2"/>
+              </a:rPr>
+              <a:t>(</a:t>
+            </a:r>
+            <a:r>
+              <a:rPr lang="en-US" altLang="zh-CN" sz="2000" b="1" dirty="0" err="1">
+                <a:solidFill>
+                  <a:srgbClr val="0432FF"/>
                 </a:solidFill>
                 <a:latin typeface="Courier New" panose="02070309020205020404" pitchFamily="49" charset="0"/>
                 <a:sym typeface="Euclid Extra" pitchFamily="18" charset="2"/>
@@ -12127,7 +12612,7 @@
             <a:r>
               <a:rPr lang="en-US" altLang="zh-CN" sz="2000" b="1" dirty="0">
                 <a:solidFill>
-                  <a:schemeClr val="folHlink"/>
+                  <a:srgbClr val="0432FF"/>
                 </a:solidFill>
                 <a:latin typeface="Courier New" panose="02070309020205020404" pitchFamily="49" charset="0"/>
                 <a:sym typeface="Euclid Extra" pitchFamily="18" charset="2"/>
@@ -12137,37 +12622,17 @@
             <a:r>
               <a:rPr lang="en-US" altLang="zh-CN" sz="2000" b="1" dirty="0">
                 <a:solidFill>
-                  <a:schemeClr val="hlink"/>
-                </a:solidFill>
-                <a:latin typeface="Courier New" panose="02070309020205020404" pitchFamily="49" charset="0"/>
-                <a:sym typeface="Euclid Extra" pitchFamily="18" charset="2"/>
-              </a:rPr>
-              <a:t>void (*</a:t>
-            </a:r>
-            <a:r>
-              <a:rPr lang="en-US" altLang="zh-CN" sz="2000" b="1" dirty="0" err="1">
-                <a:solidFill>
-                  <a:schemeClr val="hlink"/>
-                </a:solidFill>
-                <a:latin typeface="Courier New" panose="02070309020205020404" pitchFamily="49" charset="0"/>
-                <a:sym typeface="Euclid Extra" pitchFamily="18" charset="2"/>
-              </a:rPr>
-              <a:t>pt</a:t>
-            </a:r>
-            <a:r>
-              <a:rPr lang="en-US" altLang="zh-CN" sz="2000" b="1" dirty="0">
-                <a:solidFill>
-                  <a:schemeClr val="hlink"/>
-                </a:solidFill>
-                <a:latin typeface="Courier New" panose="02070309020205020404" pitchFamily="49" charset="0"/>
-                <a:sym typeface="Euclid Extra" pitchFamily="18" charset="2"/>
-              </a:rPr>
-              <a:t>)(X)</a:t>
-            </a:r>
-            <a:r>
-              <a:rPr lang="en-US" altLang="zh-CN" sz="2000" b="1" dirty="0">
-                <a:solidFill>
-                  <a:schemeClr val="folHlink"/>
+                  <a:srgbClr val="FF0000"/>
+                </a:solidFill>
+                <a:latin typeface="Courier New" panose="02070309020205020404" pitchFamily="49" charset="0"/>
+                <a:sym typeface="Euclid Extra" pitchFamily="18" charset="2"/>
+              </a:rPr>
+              <a:t>void (*pt)(X)</a:t>
+            </a:r>
+            <a:r>
+              <a:rPr lang="en-US" altLang="zh-CN" sz="2000" b="1" dirty="0">
+                <a:solidFill>
+                  <a:srgbClr val="0432FF"/>
                 </a:solidFill>
                 <a:latin typeface="Courier New" panose="02070309020205020404" pitchFamily="49" charset="0"/>
                 <a:sym typeface="Euclid Extra" pitchFamily="18" charset="2"/>
@@ -12392,17 +12857,37 @@
             <a:r>
               <a:rPr lang="en-US" altLang="zh-CN" sz="2000" b="1" dirty="0">
                 <a:solidFill>
-                  <a:schemeClr val="folHlink"/>
-                </a:solidFill>
-                <a:latin typeface="Courier New" panose="02070309020205020404" pitchFamily="49" charset="0"/>
-                <a:sym typeface="Euclid Extra" pitchFamily="18" charset="2"/>
-              </a:rPr>
-              <a:t>void print(</a:t>
+                  <a:srgbClr val="0432FF"/>
+                </a:solidFill>
+                <a:latin typeface="Courier New" panose="02070309020205020404" pitchFamily="49" charset="0"/>
+                <a:sym typeface="Euclid Extra" pitchFamily="18" charset="2"/>
+              </a:rPr>
+              <a:t>void </a:t>
             </a:r>
             <a:r>
               <a:rPr lang="en-US" altLang="zh-CN" sz="2000" b="1" dirty="0" err="1">
                 <a:solidFill>
-                  <a:schemeClr val="folHlink"/>
+                  <a:srgbClr val="0432FF"/>
+                </a:solidFill>
+                <a:latin typeface="Courier New" panose="02070309020205020404" pitchFamily="49" charset="0"/>
+                <a:sym typeface="Euclid Extra" pitchFamily="18" charset="2"/>
+              </a:rPr>
+              <a:t>List_print</a:t>
+            </a:r>
+            <a:r>
+              <a:rPr lang="en-US" altLang="zh-CN" sz="2000" b="1" dirty="0">
+                <a:solidFill>
+                  <a:srgbClr val="0432FF"/>
+                </a:solidFill>
+                <a:latin typeface="Courier New" panose="02070309020205020404" pitchFamily="49" charset="0"/>
+                <a:sym typeface="Euclid Extra" pitchFamily="18" charset="2"/>
+              </a:rPr>
+              <a:t>(</a:t>
+            </a:r>
+            <a:r>
+              <a:rPr lang="en-US" altLang="zh-CN" sz="2000" b="1" dirty="0" err="1">
+                <a:solidFill>
+                  <a:srgbClr val="0432FF"/>
                 </a:solidFill>
                 <a:latin typeface="Courier New" panose="02070309020205020404" pitchFamily="49" charset="0"/>
                 <a:sym typeface="Euclid Extra" pitchFamily="18" charset="2"/>
@@ -12412,7 +12897,7 @@
             <a:r>
               <a:rPr lang="en-US" altLang="zh-CN" sz="2000" b="1" dirty="0">
                 <a:solidFill>
-                  <a:schemeClr val="folHlink"/>
+                  <a:srgbClr val="0432FF"/>
                 </a:solidFill>
                 <a:latin typeface="Courier New" panose="02070309020205020404" pitchFamily="49" charset="0"/>
                 <a:sym typeface="Euclid Extra" pitchFamily="18" charset="2"/>
@@ -12422,17 +12907,95 @@
             <a:r>
               <a:rPr lang="en-US" altLang="zh-CN" sz="2000" b="1" dirty="0">
                 <a:solidFill>
-                  <a:schemeClr val="hlink"/>
-                </a:solidFill>
-                <a:latin typeface="Courier New" panose="02070309020205020404" pitchFamily="49" charset="0"/>
-                <a:sym typeface="Euclid Extra" pitchFamily="18" charset="2"/>
-              </a:rPr>
-              <a:t>void (*</a:t>
+                  <a:srgbClr val="FF0000"/>
+                </a:solidFill>
+                <a:latin typeface="Courier New" panose="02070309020205020404" pitchFamily="49" charset="0"/>
+                <a:sym typeface="Euclid Extra" pitchFamily="18" charset="2"/>
+              </a:rPr>
+              <a:t>void (*pt)(X)</a:t>
+            </a:r>
+            <a:r>
+              <a:rPr lang="en-US" altLang="zh-CN" sz="2000" b="1" dirty="0">
+                <a:solidFill>
+                  <a:srgbClr val="0432FF"/>
+                </a:solidFill>
+                <a:latin typeface="Courier New" panose="02070309020205020404" pitchFamily="49" charset="0"/>
+                <a:sym typeface="Euclid Extra" pitchFamily="18" charset="2"/>
+              </a:rPr>
+              <a:t>){</a:t>
+            </a:r>
+          </a:p>
+          <a:p>
+            <a:pPr>
+              <a:buFont typeface="Wingdings" pitchFamily="2" charset="2"/>
+              <a:buNone/>
+            </a:pPr>
+            <a:r>
+              <a:rPr lang="en-US" altLang="zh-CN" sz="2000" b="1" dirty="0">
+                <a:solidFill>
+                  <a:srgbClr val="0432FF"/>
+                </a:solidFill>
+                <a:latin typeface="Courier New" panose="02070309020205020404" pitchFamily="49" charset="0"/>
+                <a:sym typeface="Euclid Extra" pitchFamily="18" charset="2"/>
+              </a:rPr>
+              <a:t>  </a:t>
             </a:r>
             <a:r>
               <a:rPr lang="en-US" altLang="zh-CN" sz="2000" b="1" dirty="0" err="1">
                 <a:solidFill>
-                  <a:schemeClr val="hlink"/>
+                  <a:srgbClr val="0432FF"/>
+                </a:solidFill>
+                <a:latin typeface="Courier New" panose="02070309020205020404" pitchFamily="49" charset="0"/>
+                <a:sym typeface="Euclid Extra" pitchFamily="18" charset="2"/>
+              </a:rPr>
+              <a:t>List_t</a:t>
+            </a:r>
+            <a:r>
+              <a:rPr lang="en-US" altLang="zh-CN" sz="2000" b="1" dirty="0">
+                <a:solidFill>
+                  <a:srgbClr val="0432FF"/>
+                </a:solidFill>
+                <a:latin typeface="Courier New" panose="02070309020205020404" pitchFamily="49" charset="0"/>
+                <a:sym typeface="Euclid Extra" pitchFamily="18" charset="2"/>
+              </a:rPr>
+              <a:t> temp = l-&gt;next;</a:t>
+            </a:r>
+          </a:p>
+          <a:p>
+            <a:pPr>
+              <a:buFont typeface="Wingdings" pitchFamily="2" charset="2"/>
+              <a:buNone/>
+            </a:pPr>
+            <a:r>
+              <a:rPr lang="en-US" altLang="zh-CN" sz="2000" b="1" dirty="0">
+                <a:solidFill>
+                  <a:srgbClr val="0432FF"/>
+                </a:solidFill>
+                <a:latin typeface="Courier New" panose="02070309020205020404" pitchFamily="49" charset="0"/>
+                <a:sym typeface="Euclid Extra" pitchFamily="18" charset="2"/>
+              </a:rPr>
+              <a:t>  while(temp){</a:t>
+            </a:r>
+          </a:p>
+          <a:p>
+            <a:pPr>
+              <a:buFont typeface="Wingdings" pitchFamily="2" charset="2"/>
+              <a:buNone/>
+            </a:pPr>
+            <a:r>
+              <a:rPr lang="en-US" altLang="zh-CN" sz="2000" b="1" dirty="0">
+                <a:solidFill>
+                  <a:srgbClr val="0432FF"/>
+                </a:solidFill>
+                <a:latin typeface="Courier New" panose="02070309020205020404" pitchFamily="49" charset="0"/>
+                <a:sym typeface="Euclid Extra" pitchFamily="18" charset="2"/>
+              </a:rPr>
+              <a:t>    </a:t>
+            </a:r>
+            <a:r>
+              <a:rPr lang="en-US" altLang="zh-CN" sz="2000" b="1" dirty="0" err="1">
+                <a:solidFill>
+                  <a:srgbClr val="0432FF"/>
                 </a:solidFill>
                 <a:latin typeface="Courier New" panose="02070309020205020404" pitchFamily="49" charset="0"/>
                 <a:sym typeface="Euclid Extra" pitchFamily="18" charset="2"/>
@@ -12442,105 +13005,7 @@
             <a:r>
               <a:rPr lang="en-US" altLang="zh-CN" sz="2000" b="1" dirty="0">
                 <a:solidFill>
-                  <a:schemeClr val="hlink"/>
-                </a:solidFill>
-                <a:latin typeface="Courier New" panose="02070309020205020404" pitchFamily="49" charset="0"/>
-                <a:sym typeface="Euclid Extra" pitchFamily="18" charset="2"/>
-              </a:rPr>
-              <a:t>)(X)</a:t>
-            </a:r>
-            <a:r>
-              <a:rPr lang="en-US" altLang="zh-CN" sz="2000" b="1" dirty="0">
-                <a:solidFill>
-                  <a:schemeClr val="folHlink"/>
-                </a:solidFill>
-                <a:latin typeface="Courier New" panose="02070309020205020404" pitchFamily="49" charset="0"/>
-                <a:sym typeface="Euclid Extra" pitchFamily="18" charset="2"/>
-              </a:rPr>
-              <a:t>){</a:t>
-            </a:r>
-          </a:p>
-          <a:p>
-            <a:pPr>
-              <a:buFont typeface="Wingdings" pitchFamily="2" charset="2"/>
-              <a:buNone/>
-            </a:pPr>
-            <a:r>
-              <a:rPr lang="en-US" altLang="zh-CN" sz="2000" b="1" dirty="0">
-                <a:solidFill>
-                  <a:schemeClr val="folHlink"/>
-                </a:solidFill>
-                <a:latin typeface="Courier New" panose="02070309020205020404" pitchFamily="49" charset="0"/>
-                <a:sym typeface="Euclid Extra" pitchFamily="18" charset="2"/>
-              </a:rPr>
-              <a:t>  </a:t>
-            </a:r>
-            <a:r>
-              <a:rPr lang="en-US" altLang="zh-CN" sz="2000" b="1" dirty="0" err="1">
-                <a:solidFill>
-                  <a:schemeClr val="folHlink"/>
-                </a:solidFill>
-                <a:latin typeface="Courier New" panose="02070309020205020404" pitchFamily="49" charset="0"/>
-                <a:sym typeface="Euclid Extra" pitchFamily="18" charset="2"/>
-              </a:rPr>
-              <a:t>List_t</a:t>
-            </a:r>
-            <a:r>
-              <a:rPr lang="en-US" altLang="zh-CN" sz="2000" b="1" dirty="0">
-                <a:solidFill>
-                  <a:schemeClr val="folHlink"/>
-                </a:solidFill>
-                <a:latin typeface="Courier New" panose="02070309020205020404" pitchFamily="49" charset="0"/>
-                <a:sym typeface="Euclid Extra" pitchFamily="18" charset="2"/>
-              </a:rPr>
-              <a:t> temp = l-&gt;next;</a:t>
-            </a:r>
-          </a:p>
-          <a:p>
-            <a:pPr>
-              <a:buFont typeface="Wingdings" pitchFamily="2" charset="2"/>
-              <a:buNone/>
-            </a:pPr>
-            <a:r>
-              <a:rPr lang="en-US" altLang="zh-CN" sz="2000" b="1" dirty="0">
-                <a:solidFill>
-                  <a:schemeClr val="folHlink"/>
-                </a:solidFill>
-                <a:latin typeface="Courier New" panose="02070309020205020404" pitchFamily="49" charset="0"/>
-                <a:sym typeface="Euclid Extra" pitchFamily="18" charset="2"/>
-              </a:rPr>
-              <a:t>  while(temp){</a:t>
-            </a:r>
-          </a:p>
-          <a:p>
-            <a:pPr>
-              <a:buFont typeface="Wingdings" pitchFamily="2" charset="2"/>
-              <a:buNone/>
-            </a:pPr>
-            <a:r>
-              <a:rPr lang="en-US" altLang="zh-CN" sz="2000" b="1" dirty="0">
-                <a:solidFill>
-                  <a:schemeClr val="folHlink"/>
-                </a:solidFill>
-                <a:latin typeface="Courier New" panose="02070309020205020404" pitchFamily="49" charset="0"/>
-                <a:sym typeface="Euclid Extra" pitchFamily="18" charset="2"/>
-              </a:rPr>
-              <a:t>    </a:t>
-            </a:r>
-            <a:r>
-              <a:rPr lang="en-US" altLang="zh-CN" sz="2000" b="1" dirty="0" err="1">
-                <a:solidFill>
-                  <a:schemeClr val="folHlink"/>
-                </a:solidFill>
-                <a:latin typeface="Courier New" panose="02070309020205020404" pitchFamily="49" charset="0"/>
-                <a:sym typeface="Euclid Extra" pitchFamily="18" charset="2"/>
-              </a:rPr>
-              <a:t>pt</a:t>
-            </a:r>
-            <a:r>
-              <a:rPr lang="en-US" altLang="zh-CN" sz="2000" b="1" dirty="0">
-                <a:solidFill>
-                  <a:schemeClr val="folHlink"/>
+                  <a:srgbClr val="0432FF"/>
                 </a:solidFill>
                 <a:latin typeface="Courier New" panose="02070309020205020404" pitchFamily="49" charset="0"/>
                 <a:sym typeface="Euclid Extra" pitchFamily="18" charset="2"/>
@@ -12556,7 +13021,7 @@
             <a:r>
               <a:rPr lang="en-US" altLang="zh-CN" sz="2000" b="1" dirty="0">
                 <a:solidFill>
-                  <a:schemeClr val="folHlink"/>
+                  <a:srgbClr val="0432FF"/>
                 </a:solidFill>
                 <a:latin typeface="Courier New" panose="02070309020205020404" pitchFamily="49" charset="0"/>
                 <a:sym typeface="Euclid Extra" pitchFamily="18" charset="2"/>
@@ -12572,7 +13037,7 @@
             <a:r>
               <a:rPr lang="en-US" altLang="zh-CN" sz="2000" b="1" dirty="0">
                 <a:solidFill>
-                  <a:schemeClr val="folHlink"/>
+                  <a:srgbClr val="0432FF"/>
                 </a:solidFill>
                 <a:latin typeface="Courier New" panose="02070309020205020404" pitchFamily="49" charset="0"/>
                 <a:sym typeface="Euclid Extra" pitchFamily="18" charset="2"/>
@@ -12588,7 +13053,7 @@
             <a:r>
               <a:rPr lang="en-US" altLang="zh-CN" sz="2000" b="1" dirty="0">
                 <a:solidFill>
-                  <a:schemeClr val="folHlink"/>
+                  <a:srgbClr val="0432FF"/>
                 </a:solidFill>
                 <a:latin typeface="Courier New" panose="02070309020205020404" pitchFamily="49" charset="0"/>
                 <a:sym typeface="Euclid Extra" pitchFamily="18" charset="2"/>
@@ -12604,17 +13069,13 @@
             <a:r>
               <a:rPr lang="en-US" altLang="zh-CN" sz="2000" b="1" dirty="0">
                 <a:solidFill>
-                  <a:schemeClr val="folHlink"/>
+                  <a:srgbClr val="0432FF"/>
                 </a:solidFill>
                 <a:latin typeface="Courier New" panose="02070309020205020404" pitchFamily="49" charset="0"/>
                 <a:sym typeface="Euclid Extra" pitchFamily="18" charset="2"/>
               </a:rPr>
               <a:t>}</a:t>
             </a:r>
-            <a:endParaRPr lang="en-US" altLang="zh-CN" sz="2000" b="1" dirty="0">
-              <a:latin typeface="Courier New" panose="02070309020205020404" pitchFamily="49" charset="0"/>
-              <a:sym typeface="Euclid Extra" pitchFamily="18" charset="2"/>
-            </a:endParaRPr>
           </a:p>
         </p:txBody>
       </p:sp>
@@ -12717,7 +13178,7 @@
             <a:r>
               <a:rPr lang="en-US" altLang="zh-CN" sz="2000" b="1" dirty="0">
                 <a:solidFill>
-                  <a:schemeClr val="folHlink"/>
+                  <a:srgbClr val="0432FF"/>
                 </a:solidFill>
                 <a:latin typeface="Courier New" panose="02070309020205020404" pitchFamily="49" charset="0"/>
               </a:rPr>
@@ -12734,7 +13195,7 @@
             </a:pPr>
             <a:endParaRPr lang="en-US" altLang="zh-CN" sz="2000" b="1" dirty="0">
               <a:solidFill>
-                <a:schemeClr val="folHlink"/>
+                <a:srgbClr val="0432FF"/>
               </a:solidFill>
               <a:latin typeface="Courier New" panose="02070309020205020404" pitchFamily="49" charset="0"/>
             </a:endParaRPr>
@@ -12750,11 +13211,29 @@
             <a:r>
               <a:rPr lang="en-US" altLang="zh-CN" sz="2000" b="1" dirty="0">
                 <a:solidFill>
-                  <a:schemeClr val="folHlink"/>
-                </a:solidFill>
-                <a:latin typeface="Courier New" panose="02070309020205020404" pitchFamily="49" charset="0"/>
-              </a:rPr>
-              <a:t>void f(int x){</a:t>
+                  <a:srgbClr val="0432FF"/>
+                </a:solidFill>
+                <a:latin typeface="Courier New" panose="02070309020205020404" pitchFamily="49" charset="0"/>
+              </a:rPr>
+              <a:t>void </a:t>
+            </a:r>
+            <a:r>
+              <a:rPr lang="en-US" altLang="zh-CN" sz="2000" b="1" dirty="0" err="1">
+                <a:solidFill>
+                  <a:srgbClr val="0432FF"/>
+                </a:solidFill>
+                <a:latin typeface="Courier New" panose="02070309020205020404" pitchFamily="49" charset="0"/>
+              </a:rPr>
+              <a:t>print_int</a:t>
+            </a:r>
+            <a:r>
+              <a:rPr lang="en-US" altLang="zh-CN" sz="2000" b="1" dirty="0">
+                <a:solidFill>
+                  <a:srgbClr val="0432FF"/>
+                </a:solidFill>
+                <a:latin typeface="Courier New" panose="02070309020205020404" pitchFamily="49" charset="0"/>
+              </a:rPr>
+              <a:t>(int x){</a:t>
             </a:r>
           </a:p>
           <a:p>
@@ -12768,7 +13247,7 @@
             <a:r>
               <a:rPr lang="en-US" altLang="zh-CN" sz="2000" b="1" dirty="0">
                 <a:solidFill>
-                  <a:schemeClr val="folHlink"/>
+                  <a:srgbClr val="0432FF"/>
                 </a:solidFill>
                 <a:latin typeface="Courier New" panose="02070309020205020404" pitchFamily="49" charset="0"/>
               </a:rPr>
@@ -12777,7 +13256,7 @@
             <a:r>
               <a:rPr lang="en-US" altLang="zh-CN" sz="2000" b="1" dirty="0" err="1">
                 <a:solidFill>
-                  <a:schemeClr val="folHlink"/>
+                  <a:srgbClr val="0432FF"/>
                 </a:solidFill>
                 <a:latin typeface="Courier New" panose="02070309020205020404" pitchFamily="49" charset="0"/>
               </a:rPr>
@@ -12786,7 +13265,7 @@
             <a:r>
               <a:rPr lang="en-US" altLang="zh-CN" sz="2000" b="1" dirty="0">
                 <a:solidFill>
-                  <a:schemeClr val="folHlink"/>
+                  <a:srgbClr val="0432FF"/>
                 </a:solidFill>
                 <a:latin typeface="Courier New" panose="02070309020205020404" pitchFamily="49" charset="0"/>
               </a:rPr>
@@ -12804,7 +13283,7 @@
             <a:r>
               <a:rPr lang="en-US" altLang="zh-CN" sz="2000" b="1" dirty="0">
                 <a:solidFill>
-                  <a:schemeClr val="folHlink"/>
+                  <a:srgbClr val="0432FF"/>
                 </a:solidFill>
                 <a:latin typeface="Courier New" panose="02070309020205020404" pitchFamily="49" charset="0"/>
               </a:rPr>
@@ -12821,7 +13300,7 @@
             </a:pPr>
             <a:endParaRPr lang="en-US" altLang="zh-CN" sz="2000" b="1" dirty="0">
               <a:solidFill>
-                <a:schemeClr val="folHlink"/>
+                <a:srgbClr val="0432FF"/>
               </a:solidFill>
               <a:latin typeface="Courier New" panose="02070309020205020404" pitchFamily="49" charset="0"/>
             </a:endParaRPr>
@@ -12837,7 +13316,7 @@
             <a:r>
               <a:rPr lang="en-US" altLang="zh-CN" sz="2000" b="1" dirty="0">
                 <a:solidFill>
-                  <a:schemeClr val="folHlink"/>
+                  <a:srgbClr val="0432FF"/>
                 </a:solidFill>
                 <a:latin typeface="Courier New" panose="02070309020205020404" pitchFamily="49" charset="0"/>
               </a:rPr>
@@ -12854,6 +13333,9 @@
             </a:pPr>
             <a:r>
               <a:rPr lang="en-US" altLang="zh-CN" sz="2000" b="1" dirty="0">
+                <a:solidFill>
+                  <a:srgbClr val="0432FF"/>
+                </a:solidFill>
                 <a:latin typeface="Courier New" panose="02070309020205020404" pitchFamily="49" charset="0"/>
               </a:rPr>
               <a:t>  </a:t>
@@ -12861,7 +13343,7 @@
             <a:r>
               <a:rPr lang="en-US" altLang="zh-CN" sz="2000" b="1" dirty="0" err="1">
                 <a:solidFill>
-                  <a:schemeClr val="folHlink"/>
+                  <a:srgbClr val="0432FF"/>
                 </a:solidFill>
                 <a:latin typeface="Courier New" panose="02070309020205020404" pitchFamily="49" charset="0"/>
               </a:rPr>
@@ -12870,17 +13352,26 @@
             <a:r>
               <a:rPr lang="en-US" altLang="zh-CN" sz="2000" b="1" dirty="0">
                 <a:solidFill>
-                  <a:schemeClr val="folHlink"/>
-                </a:solidFill>
-                <a:latin typeface="Courier New" panose="02070309020205020404" pitchFamily="49" charset="0"/>
-              </a:rPr>
-              <a:t> list = …;</a:t>
-            </a:r>
-            <a:r>
-              <a:rPr lang="en-US" altLang="zh-CN" sz="2000" b="1" dirty="0">
-                <a:latin typeface="Courier New" panose="02070309020205020404" pitchFamily="49" charset="0"/>
-              </a:rPr>
-              <a:t>        // cook a list of int</a:t>
+                  <a:srgbClr val="0432FF"/>
+                </a:solidFill>
+                <a:latin typeface="Courier New" panose="02070309020205020404" pitchFamily="49" charset="0"/>
+              </a:rPr>
+              <a:t> list; </a:t>
+            </a:r>
+            <a:r>
+              <a:rPr lang="zh-CN" altLang="en-US" sz="2000" b="1" dirty="0">
+                <a:solidFill>
+                  <a:srgbClr val="0432FF"/>
+                </a:solidFill>
+                <a:latin typeface="Courier New" panose="02070309020205020404" pitchFamily="49" charset="0"/>
+              </a:rPr>
+              <a:t>  </a:t>
+            </a:r>
+            <a:r>
+              <a:rPr lang="en-US" altLang="zh-CN" sz="2000" b="1" dirty="0">
+                <a:latin typeface="Courier New" panose="02070309020205020404" pitchFamily="49" charset="0"/>
+              </a:rPr>
+              <a:t>// cook a list of int</a:t>
             </a:r>
           </a:p>
           <a:p>
@@ -12893,6 +13384,9 @@
             </a:pPr>
             <a:r>
               <a:rPr lang="en-US" altLang="zh-CN" sz="2000" b="1" dirty="0">
+                <a:solidFill>
+                  <a:srgbClr val="0432FF"/>
+                </a:solidFill>
                 <a:latin typeface="Courier New" panose="02070309020205020404" pitchFamily="49" charset="0"/>
               </a:rPr>
               <a:t>  </a:t>
@@ -12900,7 +13394,7 @@
             <a:r>
               <a:rPr lang="en-US" altLang="zh-CN" sz="2000" b="1" dirty="0" err="1">
                 <a:solidFill>
-                  <a:schemeClr val="folHlink"/>
+                  <a:srgbClr val="0432FF"/>
                 </a:solidFill>
                 <a:latin typeface="Courier New" panose="02070309020205020404" pitchFamily="49" charset="0"/>
               </a:rPr>
@@ -12909,11 +13403,29 @@
             <a:r>
               <a:rPr lang="en-US" altLang="zh-CN" sz="2000" b="1" dirty="0">
                 <a:solidFill>
-                  <a:schemeClr val="folHlink"/>
-                </a:solidFill>
-                <a:latin typeface="Courier New" panose="02070309020205020404" pitchFamily="49" charset="0"/>
-              </a:rPr>
-              <a:t>(list, f);</a:t>
+                  <a:srgbClr val="0432FF"/>
+                </a:solidFill>
+                <a:latin typeface="Courier New" panose="02070309020205020404" pitchFamily="49" charset="0"/>
+              </a:rPr>
+              <a:t>(list, </a:t>
+            </a:r>
+            <a:r>
+              <a:rPr lang="en-US" altLang="zh-CN" sz="2000" b="1" dirty="0" err="1">
+                <a:solidFill>
+                  <a:srgbClr val="0432FF"/>
+                </a:solidFill>
+                <a:latin typeface="Courier New" panose="02070309020205020404" pitchFamily="49" charset="0"/>
+              </a:rPr>
+              <a:t>print_int</a:t>
+            </a:r>
+            <a:r>
+              <a:rPr lang="en-US" altLang="zh-CN" sz="2000" b="1" dirty="0">
+                <a:solidFill>
+                  <a:srgbClr val="0432FF"/>
+                </a:solidFill>
+                <a:latin typeface="Courier New" panose="02070309020205020404" pitchFamily="49" charset="0"/>
+              </a:rPr>
+              <a:t>);</a:t>
             </a:r>
           </a:p>
           <a:p>
@@ -12927,7 +13439,7 @@
             <a:r>
               <a:rPr lang="en-US" altLang="zh-CN" sz="2000" b="1" dirty="0">
                 <a:solidFill>
-                  <a:schemeClr val="folHlink"/>
+                  <a:srgbClr val="0432FF"/>
                 </a:solidFill>
                 <a:latin typeface="Courier New" panose="02070309020205020404" pitchFamily="49" charset="0"/>
               </a:rPr>
@@ -13036,7 +13548,7 @@
             <a:r>
               <a:rPr lang="en-US" altLang="zh-CN" sz="2000" b="1" dirty="0">
                 <a:solidFill>
-                  <a:schemeClr val="folHlink"/>
+                  <a:srgbClr val="0432FF"/>
                 </a:solidFill>
                 <a:latin typeface="Courier New" panose="02070309020205020404" pitchFamily="49" charset="0"/>
                 <a:sym typeface="Euclid Extra" pitchFamily="18" charset="2"/>
@@ -13046,17 +13558,17 @@
             <a:r>
               <a:rPr lang="en-US" altLang="zh-CN" sz="2000" b="1" dirty="0" err="1">
                 <a:solidFill>
-                  <a:schemeClr val="folHlink"/>
-                </a:solidFill>
-                <a:latin typeface="Courier New" panose="02070309020205020404" pitchFamily="49" charset="0"/>
-                <a:sym typeface="Euclid Extra" pitchFamily="18" charset="2"/>
-              </a:rPr>
-              <a:t>List_t_int</a:t>
-            </a:r>
-            <a:r>
-              <a:rPr lang="en-US" altLang="zh-CN" sz="2000" b="1" dirty="0">
-                <a:solidFill>
-                  <a:schemeClr val="folHlink"/>
+                  <a:srgbClr val="FF0000"/>
+                </a:solidFill>
+                <a:latin typeface="Courier New" panose="02070309020205020404" pitchFamily="49" charset="0"/>
+                <a:sym typeface="Euclid Extra" pitchFamily="18" charset="2"/>
+              </a:rPr>
+              <a:t>List_int</a:t>
+            </a:r>
+            <a:r>
+              <a:rPr lang="en-US" altLang="zh-CN" sz="2000" b="1" dirty="0">
+                <a:solidFill>
+                  <a:srgbClr val="0432FF"/>
                 </a:solidFill>
                 <a:latin typeface="Courier New" panose="02070309020205020404" pitchFamily="49" charset="0"/>
                 <a:sym typeface="Euclid Extra" pitchFamily="18" charset="2"/>
@@ -13075,12 +13587,32 @@
             <a:r>
               <a:rPr lang="en-US" altLang="zh-CN" sz="2000" b="1" dirty="0">
                 <a:solidFill>
-                  <a:schemeClr val="folHlink"/>
-                </a:solidFill>
-                <a:latin typeface="Courier New" panose="02070309020205020404" pitchFamily="49" charset="0"/>
-                <a:sym typeface="Euclid Extra" pitchFamily="18" charset="2"/>
-              </a:rPr>
-              <a:t>  int data;</a:t>
+                  <a:srgbClr val="0432FF"/>
+                </a:solidFill>
+                <a:latin typeface="Courier New" panose="02070309020205020404" pitchFamily="49" charset="0"/>
+                <a:sym typeface="Euclid Extra" pitchFamily="18" charset="2"/>
+              </a:rPr>
+              <a:t>  </a:t>
+            </a:r>
+            <a:r>
+              <a:rPr lang="en-US" altLang="zh-CN" sz="2000" b="1" dirty="0">
+                <a:solidFill>
+                  <a:srgbClr val="FF0000"/>
+                </a:solidFill>
+                <a:latin typeface="Courier New" panose="02070309020205020404" pitchFamily="49" charset="0"/>
+                <a:sym typeface="Euclid Extra" pitchFamily="18" charset="2"/>
+              </a:rPr>
+              <a:t>int </a:t>
+            </a:r>
+            <a:r>
+              <a:rPr lang="en-US" altLang="zh-CN" sz="2000" b="1" dirty="0">
+                <a:solidFill>
+                  <a:srgbClr val="0432FF"/>
+                </a:solidFill>
+                <a:latin typeface="Courier New" panose="02070309020205020404" pitchFamily="49" charset="0"/>
+                <a:sym typeface="Euclid Extra" pitchFamily="18" charset="2"/>
+              </a:rPr>
+              <a:t>data;</a:t>
             </a:r>
           </a:p>
           <a:p>
@@ -13094,32 +13626,42 @@
             <a:r>
               <a:rPr lang="en-US" altLang="zh-CN" sz="2000" b="1" dirty="0">
                 <a:solidFill>
-                  <a:schemeClr val="folHlink"/>
-                </a:solidFill>
-                <a:latin typeface="Courier New" panose="02070309020205020404" pitchFamily="49" charset="0"/>
-                <a:sym typeface="Euclid Extra" pitchFamily="18" charset="2"/>
-              </a:rPr>
-              <a:t>  struct </a:t>
+                  <a:srgbClr val="FF0000"/>
+                </a:solidFill>
+                <a:latin typeface="Courier New" panose="02070309020205020404" pitchFamily="49" charset="0"/>
+                <a:sym typeface="Euclid Extra" pitchFamily="18" charset="2"/>
+              </a:rPr>
+              <a:t>  </a:t>
             </a:r>
             <a:r>
               <a:rPr lang="en-US" altLang="zh-CN" sz="2000" b="1" dirty="0" err="1">
                 <a:solidFill>
-                  <a:schemeClr val="folHlink"/>
-                </a:solidFill>
-                <a:latin typeface="Courier New" panose="02070309020205020404" pitchFamily="49" charset="0"/>
-                <a:sym typeface="Euclid Extra" pitchFamily="18" charset="2"/>
-              </a:rPr>
-              <a:t>List_t_int</a:t>
-            </a:r>
-            <a:r>
-              <a:rPr lang="en-US" altLang="zh-CN" sz="2000" b="1" dirty="0">
-                <a:solidFill>
-                  <a:schemeClr val="folHlink"/>
-                </a:solidFill>
-                <a:latin typeface="Courier New" panose="02070309020205020404" pitchFamily="49" charset="0"/>
-                <a:sym typeface="Euclid Extra" pitchFamily="18" charset="2"/>
-              </a:rPr>
-              <a:t> *next;</a:t>
+                  <a:srgbClr val="FF0000"/>
+                </a:solidFill>
+                <a:latin typeface="Courier New" panose="02070309020205020404" pitchFamily="49" charset="0"/>
+                <a:sym typeface="Euclid Extra" pitchFamily="18" charset="2"/>
+              </a:rPr>
+              <a:t>List_int</a:t>
+            </a:r>
+            <a:r>
+              <a:rPr lang="en-US" altLang="zh-CN" sz="2000" b="1" dirty="0">
+                <a:solidFill>
+                  <a:srgbClr val="FF0000"/>
+                </a:solidFill>
+                <a:latin typeface="Courier New" panose="02070309020205020404" pitchFamily="49" charset="0"/>
+                <a:sym typeface="Euclid Extra" pitchFamily="18" charset="2"/>
+              </a:rPr>
+              <a:t> </a:t>
+            </a:r>
+            <a:r>
+              <a:rPr lang="en-US" altLang="zh-CN" sz="2000" b="1" dirty="0">
+                <a:solidFill>
+                  <a:srgbClr val="0432FF"/>
+                </a:solidFill>
+                <a:latin typeface="Courier New" panose="02070309020205020404" pitchFamily="49" charset="0"/>
+                <a:sym typeface="Euclid Extra" pitchFamily="18" charset="2"/>
+              </a:rPr>
+              <a:t>next;</a:t>
             </a:r>
           </a:p>
           <a:p>
@@ -13133,7 +13675,7 @@
             <a:r>
               <a:rPr lang="en-US" altLang="zh-CN" sz="2000" b="1" dirty="0">
                 <a:solidFill>
-                  <a:schemeClr val="folHlink"/>
+                  <a:srgbClr val="0432FF"/>
                 </a:solidFill>
                 <a:latin typeface="Courier New" panose="02070309020205020404" pitchFamily="49" charset="0"/>
                 <a:sym typeface="Euclid Extra" pitchFamily="18" charset="2"/>
@@ -13168,7 +13710,7 @@
             <a:r>
               <a:rPr lang="en-US" altLang="zh-CN" sz="2000" b="1" dirty="0">
                 <a:solidFill>
-                  <a:schemeClr val="folHlink"/>
+                  <a:srgbClr val="0432FF"/>
                 </a:solidFill>
                 <a:latin typeface="Courier New" panose="02070309020205020404" pitchFamily="49" charset="0"/>
                 <a:sym typeface="Euclid Extra" pitchFamily="18" charset="2"/>
@@ -13178,22 +13720,32 @@
             <a:r>
               <a:rPr lang="en-US" altLang="zh-CN" sz="2000" b="1" dirty="0" err="1">
                 <a:solidFill>
-                  <a:schemeClr val="folHlink"/>
-                </a:solidFill>
-                <a:latin typeface="Courier New" panose="02070309020205020404" pitchFamily="49" charset="0"/>
-                <a:sym typeface="Euclid Extra" pitchFamily="18" charset="2"/>
-              </a:rPr>
-              <a:t>List_t_int</a:t>
-            </a:r>
-            <a:r>
-              <a:rPr lang="en-US" altLang="zh-CN" sz="2000" b="1" dirty="0">
-                <a:solidFill>
-                  <a:schemeClr val="folHlink"/>
-                </a:solidFill>
-                <a:latin typeface="Courier New" panose="02070309020205020404" pitchFamily="49" charset="0"/>
-                <a:sym typeface="Euclid Extra" pitchFamily="18" charset="2"/>
-              </a:rPr>
-              <a:t> l){</a:t>
+                  <a:srgbClr val="FF0000"/>
+                </a:solidFill>
+                <a:latin typeface="Courier New" panose="02070309020205020404" pitchFamily="49" charset="0"/>
+                <a:sym typeface="Euclid Extra" pitchFamily="18" charset="2"/>
+              </a:rPr>
+              <a:t>List_int</a:t>
+            </a:r>
+            <a:r>
+              <a:rPr lang="en-US" altLang="zh-CN" sz="2000" b="1" dirty="0">
+                <a:solidFill>
+                  <a:srgbClr val="FF0000"/>
+                </a:solidFill>
+                <a:latin typeface="Courier New" panose="02070309020205020404" pitchFamily="49" charset="0"/>
+                <a:sym typeface="Euclid Extra" pitchFamily="18" charset="2"/>
+              </a:rPr>
+              <a:t> </a:t>
+            </a:r>
+            <a:r>
+              <a:rPr lang="en-US" altLang="zh-CN" sz="2000" b="1" dirty="0">
+                <a:solidFill>
+                  <a:srgbClr val="0432FF"/>
+                </a:solidFill>
+                <a:latin typeface="Courier New" panose="02070309020205020404" pitchFamily="49" charset="0"/>
+                <a:sym typeface="Euclid Extra" pitchFamily="18" charset="2"/>
+              </a:rPr>
+              <a:t>l){</a:t>
             </a:r>
           </a:p>
           <a:p>
@@ -13207,12 +13759,12 @@
             <a:r>
               <a:rPr lang="en-US" altLang="zh-CN" sz="2000" b="1" dirty="0">
                 <a:solidFill>
-                  <a:schemeClr val="folHlink"/>
-                </a:solidFill>
-                <a:latin typeface="Courier New" panose="02070309020205020404" pitchFamily="49" charset="0"/>
-                <a:sym typeface="Euclid Extra" pitchFamily="18" charset="2"/>
-              </a:rPr>
-              <a:t>  int size=0; </a:t>
+                  <a:srgbClr val="0432FF"/>
+                </a:solidFill>
+                <a:latin typeface="Courier New" panose="02070309020205020404" pitchFamily="49" charset="0"/>
+                <a:sym typeface="Euclid Extra" pitchFamily="18" charset="2"/>
+              </a:rPr>
+              <a:t>  int n = 0; </a:t>
             </a:r>
           </a:p>
           <a:p>
@@ -13226,7 +13778,7 @@
             <a:r>
               <a:rPr lang="en-US" altLang="zh-CN" sz="2000" b="1" dirty="0">
                 <a:solidFill>
-                  <a:schemeClr val="folHlink"/>
+                  <a:srgbClr val="0432FF"/>
                 </a:solidFill>
                 <a:latin typeface="Courier New" panose="02070309020205020404" pitchFamily="49" charset="0"/>
                 <a:sym typeface="Euclid Extra" pitchFamily="18" charset="2"/>
@@ -13236,22 +13788,32 @@
             <a:r>
               <a:rPr lang="en-US" altLang="zh-CN" sz="2000" b="1" dirty="0" err="1">
                 <a:solidFill>
-                  <a:schemeClr val="folHlink"/>
-                </a:solidFill>
-                <a:latin typeface="Courier New" panose="02070309020205020404" pitchFamily="49" charset="0"/>
-                <a:sym typeface="Euclid Extra" pitchFamily="18" charset="2"/>
-              </a:rPr>
-              <a:t>List_t_int</a:t>
-            </a:r>
-            <a:r>
-              <a:rPr lang="en-US" altLang="zh-CN" sz="2000" b="1" dirty="0">
-                <a:solidFill>
-                  <a:schemeClr val="folHlink"/>
-                </a:solidFill>
-                <a:latin typeface="Courier New" panose="02070309020205020404" pitchFamily="49" charset="0"/>
-                <a:sym typeface="Euclid Extra" pitchFamily="18" charset="2"/>
-              </a:rPr>
-              <a:t> temp = l-&gt;next;</a:t>
+                  <a:srgbClr val="FF0000"/>
+                </a:solidFill>
+                <a:latin typeface="Courier New" panose="02070309020205020404" pitchFamily="49" charset="0"/>
+                <a:sym typeface="Euclid Extra" pitchFamily="18" charset="2"/>
+              </a:rPr>
+              <a:t>List_int</a:t>
+            </a:r>
+            <a:r>
+              <a:rPr lang="en-US" altLang="zh-CN" sz="2000" b="1" dirty="0">
+                <a:solidFill>
+                  <a:srgbClr val="FF0000"/>
+                </a:solidFill>
+                <a:latin typeface="Courier New" panose="02070309020205020404" pitchFamily="49" charset="0"/>
+                <a:sym typeface="Euclid Extra" pitchFamily="18" charset="2"/>
+              </a:rPr>
+              <a:t> </a:t>
+            </a:r>
+            <a:r>
+              <a:rPr lang="en-US" altLang="zh-CN" sz="2000" b="1" dirty="0">
+                <a:solidFill>
+                  <a:srgbClr val="0432FF"/>
+                </a:solidFill>
+                <a:latin typeface="Courier New" panose="02070309020205020404" pitchFamily="49" charset="0"/>
+                <a:sym typeface="Euclid Extra" pitchFamily="18" charset="2"/>
+              </a:rPr>
+              <a:t>temp = l-&gt;next;</a:t>
             </a:r>
           </a:p>
           <a:p>
@@ -13265,7 +13827,7 @@
             <a:r>
               <a:rPr lang="en-US" altLang="zh-CN" sz="2000" b="1" dirty="0">
                 <a:solidFill>
-                  <a:schemeClr val="folHlink"/>
+                  <a:srgbClr val="0432FF"/>
                 </a:solidFill>
                 <a:latin typeface="Courier New" panose="02070309020205020404" pitchFamily="49" charset="0"/>
                 <a:sym typeface="Euclid Extra" pitchFamily="18" charset="2"/>
@@ -13284,12 +13846,12 @@
             <a:r>
               <a:rPr lang="en-US" altLang="zh-CN" sz="2000" b="1" dirty="0">
                 <a:solidFill>
-                  <a:schemeClr val="folHlink"/>
-                </a:solidFill>
-                <a:latin typeface="Courier New" panose="02070309020205020404" pitchFamily="49" charset="0"/>
-                <a:sym typeface="Euclid Extra" pitchFamily="18" charset="2"/>
-              </a:rPr>
-              <a:t>    size++; </a:t>
+                  <a:srgbClr val="0432FF"/>
+                </a:solidFill>
+                <a:latin typeface="Courier New" panose="02070309020205020404" pitchFamily="49" charset="0"/>
+                <a:sym typeface="Euclid Extra" pitchFamily="18" charset="2"/>
+              </a:rPr>
+              <a:t>    n++; </a:t>
             </a:r>
           </a:p>
           <a:p>
@@ -13303,7 +13865,7 @@
             <a:r>
               <a:rPr lang="en-US" altLang="zh-CN" sz="2000" b="1" dirty="0">
                 <a:solidFill>
-                  <a:schemeClr val="folHlink"/>
+                  <a:srgbClr val="0432FF"/>
                 </a:solidFill>
                 <a:latin typeface="Courier New" panose="02070309020205020404" pitchFamily="49" charset="0"/>
                 <a:sym typeface="Euclid Extra" pitchFamily="18" charset="2"/>
@@ -13322,7 +13884,7 @@
             <a:r>
               <a:rPr lang="en-US" altLang="zh-CN" sz="2000" b="1" dirty="0">
                 <a:solidFill>
-                  <a:schemeClr val="folHlink"/>
+                  <a:srgbClr val="0432FF"/>
                 </a:solidFill>
                 <a:latin typeface="Courier New" panose="02070309020205020404" pitchFamily="49" charset="0"/>
                 <a:sym typeface="Euclid Extra" pitchFamily="18" charset="2"/>
@@ -13341,12 +13903,12 @@
             <a:r>
               <a:rPr lang="en-US" altLang="zh-CN" sz="2000" b="1" dirty="0">
                 <a:solidFill>
-                  <a:schemeClr val="folHlink"/>
-                </a:solidFill>
-                <a:latin typeface="Courier New" panose="02070309020205020404" pitchFamily="49" charset="0"/>
-                <a:sym typeface="Euclid Extra" pitchFamily="18" charset="2"/>
-              </a:rPr>
-              <a:t>  return size;</a:t>
+                  <a:srgbClr val="0432FF"/>
+                </a:solidFill>
+                <a:latin typeface="Courier New" panose="02070309020205020404" pitchFamily="49" charset="0"/>
+                <a:sym typeface="Euclid Extra" pitchFamily="18" charset="2"/>
+              </a:rPr>
+              <a:t>  return n;</a:t>
             </a:r>
           </a:p>
           <a:p>
@@ -13360,7 +13922,7 @@
             <a:r>
               <a:rPr lang="en-US" altLang="zh-CN" sz="2000" b="1" dirty="0">
                 <a:solidFill>
-                  <a:schemeClr val="folHlink"/>
+                  <a:srgbClr val="0432FF"/>
                 </a:solidFill>
                 <a:latin typeface="Courier New" panose="02070309020205020404" pitchFamily="49" charset="0"/>
                 <a:sym typeface="Euclid Extra" pitchFamily="18" charset="2"/>
@@ -14088,7 +14650,7 @@
             <a:r>
               <a:rPr lang="en-US" altLang="zh-CN" sz="2000" b="1" dirty="0">
                 <a:solidFill>
-                  <a:schemeClr val="folHlink"/>
+                  <a:srgbClr val="0432FF"/>
                 </a:solidFill>
                 <a:latin typeface="Courier New" panose="02070309020205020404" pitchFamily="49" charset="0"/>
                 <a:sym typeface="Euclid Extra" pitchFamily="18" charset="2"/>
@@ -14098,17 +14660,17 @@
             <a:r>
               <a:rPr lang="en-US" altLang="zh-CN" sz="2000" b="1" dirty="0" err="1">
                 <a:solidFill>
-                  <a:schemeClr val="folHlink"/>
-                </a:solidFill>
-                <a:latin typeface="Courier New" panose="02070309020205020404" pitchFamily="49" charset="0"/>
-                <a:sym typeface="Euclid Extra" pitchFamily="18" charset="2"/>
-              </a:rPr>
-              <a:t>List_t_double</a:t>
-            </a:r>
-            <a:r>
-              <a:rPr lang="en-US" altLang="zh-CN" sz="2000" b="1" dirty="0">
-                <a:solidFill>
-                  <a:schemeClr val="folHlink"/>
+                  <a:srgbClr val="FF0000"/>
+                </a:solidFill>
+                <a:latin typeface="Courier New" panose="02070309020205020404" pitchFamily="49" charset="0"/>
+                <a:sym typeface="Euclid Extra" pitchFamily="18" charset="2"/>
+              </a:rPr>
+              <a:t>List_double</a:t>
+            </a:r>
+            <a:r>
+              <a:rPr lang="en-US" altLang="zh-CN" sz="2000" b="1" dirty="0">
+                <a:solidFill>
+                  <a:srgbClr val="0432FF"/>
                 </a:solidFill>
                 <a:latin typeface="Courier New" panose="02070309020205020404" pitchFamily="49" charset="0"/>
                 <a:sym typeface="Euclid Extra" pitchFamily="18" charset="2"/>
@@ -14127,7 +14689,7 @@
             <a:r>
               <a:rPr lang="en-US" altLang="zh-CN" sz="2000" b="1" dirty="0">
                 <a:solidFill>
-                  <a:schemeClr val="folHlink"/>
+                  <a:srgbClr val="0432FF"/>
                 </a:solidFill>
                 <a:latin typeface="Courier New" panose="02070309020205020404" pitchFamily="49" charset="0"/>
                 <a:sym typeface="Euclid Extra" pitchFamily="18" charset="2"/>
@@ -14137,22 +14699,22 @@
             <a:r>
               <a:rPr lang="en-US" altLang="zh-CN" sz="2000" b="1" dirty="0">
                 <a:solidFill>
-                  <a:schemeClr val="hlink"/>
-                </a:solidFill>
-                <a:latin typeface="Courier New" panose="02070309020205020404" pitchFamily="49" charset="0"/>
-                <a:sym typeface="Euclid Extra" pitchFamily="18" charset="2"/>
-              </a:rPr>
-              <a:t>double </a:t>
-            </a:r>
-            <a:r>
-              <a:rPr lang="en-US" altLang="zh-CN" sz="2000" b="1" dirty="0">
-                <a:solidFill>
-                  <a:schemeClr val="folHlink"/>
-                </a:solidFill>
-                <a:latin typeface="Courier New" panose="02070309020205020404" pitchFamily="49" charset="0"/>
-                <a:sym typeface="Euclid Extra" pitchFamily="18" charset="2"/>
-              </a:rPr>
-              <a:t>data;</a:t>
+                  <a:srgbClr val="FF0000"/>
+                </a:solidFill>
+                <a:latin typeface="Courier New" panose="02070309020205020404" pitchFamily="49" charset="0"/>
+                <a:sym typeface="Euclid Extra" pitchFamily="18" charset="2"/>
+              </a:rPr>
+              <a:t>double</a:t>
+            </a:r>
+            <a:r>
+              <a:rPr lang="en-US" altLang="zh-CN" sz="2000" b="1" dirty="0">
+                <a:solidFill>
+                  <a:srgbClr val="0432FF"/>
+                </a:solidFill>
+                <a:latin typeface="Courier New" panose="02070309020205020404" pitchFamily="49" charset="0"/>
+                <a:sym typeface="Euclid Extra" pitchFamily="18" charset="2"/>
+              </a:rPr>
+              <a:t> data;</a:t>
             </a:r>
           </a:p>
           <a:p>
@@ -14166,32 +14728,42 @@
             <a:r>
               <a:rPr lang="en-US" altLang="zh-CN" sz="2000" b="1" dirty="0">
                 <a:solidFill>
-                  <a:schemeClr val="folHlink"/>
-                </a:solidFill>
-                <a:latin typeface="Courier New" panose="02070309020205020404" pitchFamily="49" charset="0"/>
-                <a:sym typeface="Euclid Extra" pitchFamily="18" charset="2"/>
-              </a:rPr>
-              <a:t>  struct </a:t>
+                  <a:srgbClr val="FF0000"/>
+                </a:solidFill>
+                <a:latin typeface="Courier New" panose="02070309020205020404" pitchFamily="49" charset="0"/>
+                <a:sym typeface="Euclid Extra" pitchFamily="18" charset="2"/>
+              </a:rPr>
+              <a:t>	</a:t>
             </a:r>
             <a:r>
               <a:rPr lang="en-US" altLang="zh-CN" sz="2000" b="1" dirty="0" err="1">
                 <a:solidFill>
-                  <a:schemeClr val="folHlink"/>
-                </a:solidFill>
-                <a:latin typeface="Courier New" panose="02070309020205020404" pitchFamily="49" charset="0"/>
-                <a:sym typeface="Euclid Extra" pitchFamily="18" charset="2"/>
-              </a:rPr>
-              <a:t>List_t_double</a:t>
-            </a:r>
-            <a:r>
-              <a:rPr lang="en-US" altLang="zh-CN" sz="2000" b="1" dirty="0">
-                <a:solidFill>
-                  <a:schemeClr val="folHlink"/>
-                </a:solidFill>
-                <a:latin typeface="Courier New" panose="02070309020205020404" pitchFamily="49" charset="0"/>
-                <a:sym typeface="Euclid Extra" pitchFamily="18" charset="2"/>
-              </a:rPr>
-              <a:t> *next;</a:t>
+                  <a:srgbClr val="FF0000"/>
+                </a:solidFill>
+                <a:latin typeface="Courier New" panose="02070309020205020404" pitchFamily="49" charset="0"/>
+                <a:sym typeface="Euclid Extra" pitchFamily="18" charset="2"/>
+              </a:rPr>
+              <a:t>List_double</a:t>
+            </a:r>
+            <a:r>
+              <a:rPr lang="en-US" altLang="zh-CN" sz="2000" b="1" dirty="0">
+                <a:solidFill>
+                  <a:srgbClr val="FF0000"/>
+                </a:solidFill>
+                <a:latin typeface="Courier New" panose="02070309020205020404" pitchFamily="49" charset="0"/>
+                <a:sym typeface="Euclid Extra" pitchFamily="18" charset="2"/>
+              </a:rPr>
+              <a:t> </a:t>
+            </a:r>
+            <a:r>
+              <a:rPr lang="en-US" altLang="zh-CN" sz="2000" b="1" dirty="0">
+                <a:solidFill>
+                  <a:srgbClr val="0432FF"/>
+                </a:solidFill>
+                <a:latin typeface="Courier New" panose="02070309020205020404" pitchFamily="49" charset="0"/>
+                <a:sym typeface="Euclid Extra" pitchFamily="18" charset="2"/>
+              </a:rPr>
+              <a:t>next;</a:t>
             </a:r>
           </a:p>
           <a:p>
@@ -14205,7 +14777,7 @@
             <a:r>
               <a:rPr lang="en-US" altLang="zh-CN" sz="2000" b="1" dirty="0">
                 <a:solidFill>
-                  <a:schemeClr val="folHlink"/>
+                  <a:srgbClr val="0432FF"/>
                 </a:solidFill>
                 <a:latin typeface="Courier New" panose="02070309020205020404" pitchFamily="49" charset="0"/>
                 <a:sym typeface="Euclid Extra" pitchFamily="18" charset="2"/>
@@ -14240,7 +14812,7 @@
             <a:r>
               <a:rPr lang="en-US" altLang="zh-CN" sz="2000" b="1" dirty="0">
                 <a:solidFill>
-                  <a:schemeClr val="folHlink"/>
+                  <a:srgbClr val="0432FF"/>
                 </a:solidFill>
                 <a:latin typeface="Courier New" panose="02070309020205020404" pitchFamily="49" charset="0"/>
                 <a:sym typeface="Euclid Extra" pitchFamily="18" charset="2"/>
@@ -14250,22 +14822,32 @@
             <a:r>
               <a:rPr lang="en-US" altLang="zh-CN" sz="2000" b="1" dirty="0" err="1">
                 <a:solidFill>
-                  <a:schemeClr val="hlink"/>
-                </a:solidFill>
-                <a:latin typeface="Courier New" panose="02070309020205020404" pitchFamily="49" charset="0"/>
-                <a:sym typeface="Euclid Extra" pitchFamily="18" charset="2"/>
-              </a:rPr>
-              <a:t>List_t_double</a:t>
-            </a:r>
-            <a:r>
-              <a:rPr lang="en-US" altLang="zh-CN" sz="2000" b="1" dirty="0">
-                <a:solidFill>
-                  <a:schemeClr val="folHlink"/>
-                </a:solidFill>
-                <a:latin typeface="Courier New" panose="02070309020205020404" pitchFamily="49" charset="0"/>
-                <a:sym typeface="Euclid Extra" pitchFamily="18" charset="2"/>
-              </a:rPr>
-              <a:t> l){</a:t>
+                  <a:srgbClr val="FF0000"/>
+                </a:solidFill>
+                <a:latin typeface="Courier New" panose="02070309020205020404" pitchFamily="49" charset="0"/>
+                <a:sym typeface="Euclid Extra" pitchFamily="18" charset="2"/>
+              </a:rPr>
+              <a:t>List_double</a:t>
+            </a:r>
+            <a:r>
+              <a:rPr lang="en-US" altLang="zh-CN" sz="2000" b="1" dirty="0">
+                <a:solidFill>
+                  <a:srgbClr val="FF0000"/>
+                </a:solidFill>
+                <a:latin typeface="Courier New" panose="02070309020205020404" pitchFamily="49" charset="0"/>
+                <a:sym typeface="Euclid Extra" pitchFamily="18" charset="2"/>
+              </a:rPr>
+              <a:t> </a:t>
+            </a:r>
+            <a:r>
+              <a:rPr lang="en-US" altLang="zh-CN" sz="2000" b="1" dirty="0">
+                <a:solidFill>
+                  <a:srgbClr val="0432FF"/>
+                </a:solidFill>
+                <a:latin typeface="Courier New" panose="02070309020205020404" pitchFamily="49" charset="0"/>
+                <a:sym typeface="Euclid Extra" pitchFamily="18" charset="2"/>
+              </a:rPr>
+              <a:t>l){</a:t>
             </a:r>
           </a:p>
           <a:p>
@@ -14279,12 +14861,12 @@
             <a:r>
               <a:rPr lang="en-US" altLang="zh-CN" sz="2000" b="1" dirty="0">
                 <a:solidFill>
-                  <a:schemeClr val="folHlink"/>
-                </a:solidFill>
-                <a:latin typeface="Courier New" panose="02070309020205020404" pitchFamily="49" charset="0"/>
-                <a:sym typeface="Euclid Extra" pitchFamily="18" charset="2"/>
-              </a:rPr>
-              <a:t>  int size = 0; </a:t>
+                  <a:srgbClr val="0432FF"/>
+                </a:solidFill>
+                <a:latin typeface="Courier New" panose="02070309020205020404" pitchFamily="49" charset="0"/>
+                <a:sym typeface="Euclid Extra" pitchFamily="18" charset="2"/>
+              </a:rPr>
+              <a:t>  int n = 0; </a:t>
             </a:r>
           </a:p>
           <a:p>
@@ -14298,7 +14880,7 @@
             <a:r>
               <a:rPr lang="en-US" altLang="zh-CN" sz="2000" b="1" dirty="0">
                 <a:solidFill>
-                  <a:schemeClr val="folHlink"/>
+                  <a:srgbClr val="0432FF"/>
                 </a:solidFill>
                 <a:latin typeface="Courier New" panose="02070309020205020404" pitchFamily="49" charset="0"/>
                 <a:sym typeface="Euclid Extra" pitchFamily="18" charset="2"/>
@@ -14308,22 +14890,32 @@
             <a:r>
               <a:rPr lang="en-US" altLang="zh-CN" sz="2000" b="1" dirty="0" err="1">
                 <a:solidFill>
-                  <a:schemeClr val="hlink"/>
-                </a:solidFill>
-                <a:latin typeface="Courier New" panose="02070309020205020404" pitchFamily="49" charset="0"/>
-                <a:sym typeface="Euclid Extra" pitchFamily="18" charset="2"/>
-              </a:rPr>
-              <a:t>List_t_double</a:t>
-            </a:r>
-            <a:r>
-              <a:rPr lang="en-US" altLang="zh-CN" sz="2000" b="1" dirty="0">
-                <a:solidFill>
-                  <a:schemeClr val="folHlink"/>
-                </a:solidFill>
-                <a:latin typeface="Courier New" panose="02070309020205020404" pitchFamily="49" charset="0"/>
-                <a:sym typeface="Euclid Extra" pitchFamily="18" charset="2"/>
-              </a:rPr>
-              <a:t> temp = l-&gt;next;</a:t>
+                  <a:srgbClr val="FF0000"/>
+                </a:solidFill>
+                <a:latin typeface="Courier New" panose="02070309020205020404" pitchFamily="49" charset="0"/>
+                <a:sym typeface="Euclid Extra" pitchFamily="18" charset="2"/>
+              </a:rPr>
+              <a:t>List_double</a:t>
+            </a:r>
+            <a:r>
+              <a:rPr lang="en-US" altLang="zh-CN" sz="2000" b="1" dirty="0">
+                <a:solidFill>
+                  <a:srgbClr val="FF0000"/>
+                </a:solidFill>
+                <a:latin typeface="Courier New" panose="02070309020205020404" pitchFamily="49" charset="0"/>
+                <a:sym typeface="Euclid Extra" pitchFamily="18" charset="2"/>
+              </a:rPr>
+              <a:t> </a:t>
+            </a:r>
+            <a:r>
+              <a:rPr lang="en-US" altLang="zh-CN" sz="2000" b="1" dirty="0">
+                <a:solidFill>
+                  <a:srgbClr val="0432FF"/>
+                </a:solidFill>
+                <a:latin typeface="Courier New" panose="02070309020205020404" pitchFamily="49" charset="0"/>
+                <a:sym typeface="Euclid Extra" pitchFamily="18" charset="2"/>
+              </a:rPr>
+              <a:t>temp = l-&gt;next;</a:t>
             </a:r>
           </a:p>
           <a:p>
@@ -14337,7 +14929,7 @@
             <a:r>
               <a:rPr lang="en-US" altLang="zh-CN" sz="2000" b="1" dirty="0">
                 <a:solidFill>
-                  <a:schemeClr val="folHlink"/>
+                  <a:srgbClr val="0432FF"/>
                 </a:solidFill>
                 <a:latin typeface="Courier New" panose="02070309020205020404" pitchFamily="49" charset="0"/>
                 <a:sym typeface="Euclid Extra" pitchFamily="18" charset="2"/>
@@ -14356,12 +14948,12 @@
             <a:r>
               <a:rPr lang="en-US" altLang="zh-CN" sz="2000" b="1" dirty="0">
                 <a:solidFill>
-                  <a:schemeClr val="folHlink"/>
-                </a:solidFill>
-                <a:latin typeface="Courier New" panose="02070309020205020404" pitchFamily="49" charset="0"/>
-                <a:sym typeface="Euclid Extra" pitchFamily="18" charset="2"/>
-              </a:rPr>
-              <a:t>    size++; </a:t>
+                  <a:srgbClr val="0432FF"/>
+                </a:solidFill>
+                <a:latin typeface="Courier New" panose="02070309020205020404" pitchFamily="49" charset="0"/>
+                <a:sym typeface="Euclid Extra" pitchFamily="18" charset="2"/>
+              </a:rPr>
+              <a:t>    n++; </a:t>
             </a:r>
           </a:p>
           <a:p>
@@ -14375,7 +14967,7 @@
             <a:r>
               <a:rPr lang="en-US" altLang="zh-CN" sz="2000" b="1" dirty="0">
                 <a:solidFill>
-                  <a:schemeClr val="folHlink"/>
+                  <a:srgbClr val="0432FF"/>
                 </a:solidFill>
                 <a:latin typeface="Courier New" panose="02070309020205020404" pitchFamily="49" charset="0"/>
                 <a:sym typeface="Euclid Extra" pitchFamily="18" charset="2"/>
@@ -14394,7 +14986,7 @@
             <a:r>
               <a:rPr lang="en-US" altLang="zh-CN" sz="2000" b="1" dirty="0">
                 <a:solidFill>
-                  <a:schemeClr val="folHlink"/>
+                  <a:srgbClr val="0432FF"/>
                 </a:solidFill>
                 <a:latin typeface="Courier New" panose="02070309020205020404" pitchFamily="49" charset="0"/>
                 <a:sym typeface="Euclid Extra" pitchFamily="18" charset="2"/>
@@ -14413,12 +15005,12 @@
             <a:r>
               <a:rPr lang="en-US" altLang="zh-CN" sz="2000" b="1" dirty="0">
                 <a:solidFill>
-                  <a:schemeClr val="folHlink"/>
-                </a:solidFill>
-                <a:latin typeface="Courier New" panose="02070309020205020404" pitchFamily="49" charset="0"/>
-                <a:sym typeface="Euclid Extra" pitchFamily="18" charset="2"/>
-              </a:rPr>
-              <a:t>  return size;</a:t>
+                  <a:srgbClr val="0432FF"/>
+                </a:solidFill>
+                <a:latin typeface="Courier New" panose="02070309020205020404" pitchFamily="49" charset="0"/>
+                <a:sym typeface="Euclid Extra" pitchFamily="18" charset="2"/>
+              </a:rPr>
+              <a:t>  return n;</a:t>
             </a:r>
           </a:p>
           <a:p>
@@ -14432,7 +15024,7 @@
             <a:r>
               <a:rPr lang="en-US" altLang="zh-CN" sz="2000" b="1" dirty="0">
                 <a:solidFill>
-                  <a:schemeClr val="folHlink"/>
+                  <a:srgbClr val="0432FF"/>
                 </a:solidFill>
                 <a:latin typeface="Courier New" panose="02070309020205020404" pitchFamily="49" charset="0"/>
                 <a:sym typeface="Euclid Extra" pitchFamily="18" charset="2"/>
@@ -15116,7 +15708,7 @@
           <a:lstStyle/>
           <a:p>
             <a:r>
-              <a:rPr lang="en-US" altLang="zh-CN">
+              <a:rPr lang="en-US" altLang="zh-CN" dirty="0">
                 <a:sym typeface="Euclid Extra" pitchFamily="18" charset="2"/>
               </a:rPr>
               <a:t>Functions operate on different but a limited set of data type</a:t>
@@ -15125,13 +15717,13 @@
           <a:p>
             <a:pPr lvl="1"/>
             <a:r>
-              <a:rPr lang="en-US" altLang="zh-CN">
+              <a:rPr lang="en-US" altLang="zh-CN" dirty="0">
                 <a:sym typeface="Euclid Extra" pitchFamily="18" charset="2"/>
               </a:rPr>
               <a:t>e.g., “</a:t>
             </a:r>
             <a:r>
-              <a:rPr lang="en-US" altLang="zh-CN">
+              <a:rPr lang="en-US" altLang="zh-CN" dirty="0">
                 <a:solidFill>
                   <a:schemeClr val="folHlink"/>
                 </a:solidFill>
@@ -15140,7 +15732,7 @@
               <a:t>+</a:t>
             </a:r>
             <a:r>
-              <a:rPr lang="en-US" altLang="zh-CN">
+              <a:rPr lang="en-US" altLang="zh-CN" dirty="0">
                 <a:sym typeface="Euclid Extra" pitchFamily="18" charset="2"/>
               </a:rPr>
               <a:t>” in C</a:t>
@@ -15149,7 +15741,7 @@
           <a:p>
             <a:pPr lvl="2"/>
             <a:r>
-              <a:rPr lang="en-US" altLang="zh-CN">
+              <a:rPr lang="en-US" altLang="zh-CN" dirty="0">
                 <a:solidFill>
                   <a:schemeClr val="folHlink"/>
                 </a:solidFill>
@@ -15158,13 +15750,13 @@
               <a:t>int</a:t>
             </a:r>
             <a:r>
-              <a:rPr lang="en-US" altLang="zh-CN">
+              <a:rPr lang="en-US" altLang="zh-CN" dirty="0">
                 <a:sym typeface="Euclid Extra" pitchFamily="18" charset="2"/>
               </a:rPr>
               <a:t> * </a:t>
             </a:r>
             <a:r>
-              <a:rPr lang="en-US" altLang="zh-CN">
+              <a:rPr lang="en-US" altLang="zh-CN" dirty="0">
                 <a:solidFill>
                   <a:schemeClr val="folHlink"/>
                 </a:solidFill>
@@ -15173,13 +15765,13 @@
               <a:t>int</a:t>
             </a:r>
             <a:r>
-              <a:rPr lang="en-US" altLang="zh-CN">
+              <a:rPr lang="en-US" altLang="zh-CN" dirty="0">
                 <a:sym typeface="Euclid Extra" pitchFamily="18" charset="2"/>
               </a:rPr>
               <a:t>, </a:t>
             </a:r>
             <a:r>
-              <a:rPr lang="en-US" altLang="zh-CN">
+              <a:rPr lang="en-US" altLang="zh-CN" dirty="0">
                 <a:solidFill>
                   <a:schemeClr val="folHlink"/>
                 </a:solidFill>
@@ -15188,13 +15780,13 @@
               <a:t>double</a:t>
             </a:r>
             <a:r>
-              <a:rPr lang="en-US" altLang="zh-CN">
+              <a:rPr lang="en-US" altLang="zh-CN" dirty="0">
                 <a:sym typeface="Euclid Extra" pitchFamily="18" charset="2"/>
               </a:rPr>
               <a:t> * </a:t>
             </a:r>
             <a:r>
-              <a:rPr lang="en-US" altLang="zh-CN">
+              <a:rPr lang="en-US" altLang="zh-CN" dirty="0">
                 <a:solidFill>
                   <a:schemeClr val="folHlink"/>
                 </a:solidFill>
@@ -15203,13 +15795,13 @@
               <a:t>double</a:t>
             </a:r>
             <a:r>
-              <a:rPr lang="en-US" altLang="zh-CN">
+              <a:rPr lang="en-US" altLang="zh-CN" dirty="0">
                 <a:sym typeface="Euclid Extra" pitchFamily="18" charset="2"/>
               </a:rPr>
               <a:t>, </a:t>
             </a:r>
             <a:r>
-              <a:rPr lang="en-US" altLang="zh-CN">
+              <a:rPr lang="en-US" altLang="zh-CN" dirty="0">
                 <a:solidFill>
                   <a:schemeClr val="folHlink"/>
                 </a:solidFill>
@@ -15218,13 +15810,13 @@
               <a:t>char *</a:t>
             </a:r>
             <a:r>
-              <a:rPr lang="en-US" altLang="zh-CN">
+              <a:rPr lang="en-US" altLang="zh-CN" dirty="0">
                 <a:sym typeface="Euclid Extra" pitchFamily="18" charset="2"/>
               </a:rPr>
               <a:t> *</a:t>
             </a:r>
             <a:r>
-              <a:rPr lang="en-US" altLang="zh-CN">
+              <a:rPr lang="en-US" altLang="zh-CN" dirty="0">
                 <a:solidFill>
                   <a:schemeClr val="folHlink"/>
                 </a:solidFill>
@@ -15236,13 +15828,13 @@
           <a:p>
             <a:pPr lvl="2"/>
             <a:r>
-              <a:rPr lang="en-US" altLang="zh-CN">
+              <a:rPr lang="en-US" altLang="zh-CN" dirty="0">
                 <a:sym typeface="Euclid Extra" pitchFamily="18" charset="2"/>
               </a:rPr>
               <a:t>but not: </a:t>
             </a:r>
             <a:r>
-              <a:rPr lang="en-US" altLang="zh-CN">
+              <a:rPr lang="en-US" altLang="zh-CN" dirty="0">
                 <a:solidFill>
                   <a:schemeClr val="folHlink"/>
                 </a:solidFill>
@@ -15251,13 +15843,13 @@
               <a:t>char *</a:t>
             </a:r>
             <a:r>
-              <a:rPr lang="en-US" altLang="zh-CN">
+              <a:rPr lang="en-US" altLang="zh-CN" dirty="0">
                 <a:sym typeface="Euclid Extra" pitchFamily="18" charset="2"/>
               </a:rPr>
               <a:t> * </a:t>
             </a:r>
             <a:r>
-              <a:rPr lang="en-US" altLang="zh-CN">
+              <a:rPr lang="en-US" altLang="zh-CN" dirty="0">
                 <a:solidFill>
                   <a:schemeClr val="folHlink"/>
                 </a:solidFill>
@@ -15268,7 +15860,7 @@
           </a:p>
           <a:p>
             <a:r>
-              <a:rPr lang="en-US" altLang="zh-CN">
+              <a:rPr lang="en-US" altLang="zh-CN" dirty="0">
                 <a:sym typeface="Euclid Extra" pitchFamily="18" charset="2"/>
               </a:rPr>
               <a:t>First introduced by Strachey in 1967 </a:t>
@@ -15276,33 +15868,33 @@
           </a:p>
           <a:p>
             <a:r>
-              <a:rPr lang="en-US" altLang="zh-CN">
+              <a:rPr lang="en-US" altLang="zh-CN" dirty="0">
                 <a:sym typeface="Euclid Extra" pitchFamily="18" charset="2"/>
               </a:rPr>
               <a:t>Evolve into a feature called </a:t>
             </a:r>
             <a:r>
-              <a:rPr lang="en-US" altLang="zh-CN">
+              <a:rPr lang="en-US" altLang="zh-CN" dirty="0">
                 <a:latin typeface="Arial" panose="020B0604020202020204" pitchFamily="34" charset="0"/>
                 <a:sym typeface="Euclid Extra" pitchFamily="18" charset="2"/>
               </a:rPr>
               <a:t>“</a:t>
             </a:r>
             <a:r>
-              <a:rPr lang="en-US" altLang="zh-CN">
+              <a:rPr lang="en-US" altLang="zh-CN" dirty="0">
                 <a:sym typeface="Euclid Extra" pitchFamily="18" charset="2"/>
               </a:rPr>
               <a:t>overloading</a:t>
             </a:r>
             <a:r>
-              <a:rPr lang="en-US" altLang="zh-CN">
+              <a:rPr lang="en-US" altLang="zh-CN" dirty="0">
                 <a:latin typeface="Arial" panose="020B0604020202020204" pitchFamily="34" charset="0"/>
                 <a:sym typeface="Euclid Extra" pitchFamily="18" charset="2"/>
               </a:rPr>
               <a:t>”</a:t>
             </a:r>
             <a:r>
-              <a:rPr lang="en-US" altLang="zh-CN">
+              <a:rPr lang="en-US" altLang="zh-CN" dirty="0">
                 <a:sym typeface="Euclid Extra" pitchFamily="18" charset="2"/>
               </a:rPr>
               <a:t> in modern OO languages</a:t>
@@ -15425,7 +16017,7 @@
             <a:r>
               <a:rPr lang="en-US" altLang="zh-CN" sz="1800" dirty="0">
                 <a:solidFill>
-                  <a:schemeClr val="folHlink"/>
+                  <a:srgbClr val="0432FF"/>
                 </a:solidFill>
                 <a:sym typeface="Euclid Extra" pitchFamily="18" charset="2"/>
               </a:rPr>
@@ -15441,7 +16033,7 @@
             <a:r>
               <a:rPr lang="en-US" altLang="zh-CN" sz="1800" dirty="0">
                 <a:solidFill>
-                  <a:schemeClr val="folHlink"/>
+                  <a:srgbClr val="0432FF"/>
                 </a:solidFill>
                 <a:sym typeface="Euclid Extra" pitchFamily="18" charset="2"/>
               </a:rPr>
@@ -15458,7 +16050,7 @@
               <a:rPr lang="en-US" altLang="zh-CN" sz="2000" dirty="0">
                 <a:sym typeface="Euclid Extra" pitchFamily="18" charset="2"/>
               </a:rPr>
-              <a:t>Compilers will dispatch function calls</a:t>
+              <a:t>Compilers will dispatch function calls based on actual types</a:t>
             </a:r>
           </a:p>
           <a:p>
@@ -15470,7 +16062,7 @@
             <a:r>
               <a:rPr lang="en-US" altLang="zh-CN" sz="1800" dirty="0">
                 <a:solidFill>
-                  <a:schemeClr val="folHlink"/>
+                  <a:srgbClr val="0432FF"/>
                 </a:solidFill>
                 <a:sym typeface="Euclid Extra" pitchFamily="18" charset="2"/>
               </a:rPr>
@@ -15500,20 +16092,7 @@
               <a:rPr lang="en-US" altLang="zh-CN" sz="2000" dirty="0">
                 <a:sym typeface="Euclid Extra" pitchFamily="18" charset="2"/>
               </a:rPr>
-              <a:t>We</a:t>
-            </a:r>
-            <a:r>
-              <a:rPr lang="en-US" altLang="zh-CN" sz="2000" dirty="0">
-                <a:latin typeface="Arial" panose="020B0604020202020204" pitchFamily="34" charset="0"/>
-                <a:sym typeface="Euclid Extra" pitchFamily="18" charset="2"/>
-              </a:rPr>
-              <a:t>’</a:t>
-            </a:r>
-            <a:r>
-              <a:rPr lang="en-US" altLang="zh-CN" sz="2000" dirty="0">
-                <a:sym typeface="Euclid Extra" pitchFamily="18" charset="2"/>
-              </a:rPr>
-              <a:t>d have to do some hacking.  :-(</a:t>
+              <a:t>We have to do hacking.  :-(</a:t>
             </a:r>
           </a:p>
           <a:p>
@@ -15538,7 +16117,7 @@
             <a:r>
               <a:rPr lang="en-US" altLang="zh-CN" sz="1800" dirty="0">
                 <a:solidFill>
-                  <a:schemeClr val="folHlink"/>
+                  <a:srgbClr val="0432FF"/>
                 </a:solidFill>
                 <a:sym typeface="Euclid Extra" pitchFamily="18" charset="2"/>
               </a:rPr>
@@ -15547,7 +16126,7 @@
             <a:r>
               <a:rPr lang="en-US" altLang="zh-CN" sz="1800" dirty="0" err="1">
                 <a:solidFill>
-                  <a:schemeClr val="folHlink"/>
+                  <a:srgbClr val="0432FF"/>
                 </a:solidFill>
                 <a:sym typeface="Euclid Extra" pitchFamily="18" charset="2"/>
               </a:rPr>
@@ -15556,7 +16135,7 @@
             <a:r>
               <a:rPr lang="en-US" altLang="zh-CN" sz="1800" dirty="0">
                 <a:solidFill>
-                  <a:schemeClr val="folHlink"/>
+                  <a:srgbClr val="0432FF"/>
                 </a:solidFill>
                 <a:sym typeface="Euclid Extra" pitchFamily="18" charset="2"/>
               </a:rPr>
@@ -15572,7 +16151,7 @@
             <a:r>
               <a:rPr lang="en-US" altLang="zh-CN" sz="1800" dirty="0">
                 <a:solidFill>
-                  <a:schemeClr val="folHlink"/>
+                  <a:srgbClr val="0432FF"/>
                 </a:solidFill>
                 <a:sym typeface="Euclid Extra" pitchFamily="18" charset="2"/>
               </a:rPr>
@@ -15581,7 +16160,7 @@
             <a:r>
               <a:rPr lang="en-US" altLang="zh-CN" sz="1800" dirty="0" err="1">
                 <a:solidFill>
-                  <a:schemeClr val="folHlink"/>
+                  <a:srgbClr val="0432FF"/>
                 </a:solidFill>
                 <a:sym typeface="Euclid Extra" pitchFamily="18" charset="2"/>
               </a:rPr>
@@ -15590,7 +16169,7 @@
             <a:r>
               <a:rPr lang="en-US" altLang="zh-CN" sz="1800" dirty="0">
                 <a:solidFill>
-                  <a:schemeClr val="folHlink"/>
+                  <a:srgbClr val="0432FF"/>
                 </a:solidFill>
                 <a:sym typeface="Euclid Extra" pitchFamily="18" charset="2"/>
               </a:rPr>
